--- a/스마트팜 카메라 모듈 구성도.pptx
+++ b/스마트팜 카메라 모듈 구성도.pptx
@@ -7,14 +7,16 @@
   <p:sldIdLst>
     <p:sldId id="256" r:id="rId2"/>
     <p:sldId id="257" r:id="rId3"/>
-    <p:sldId id="259" r:id="rId4"/>
-    <p:sldId id="260" r:id="rId5"/>
-    <p:sldId id="261" r:id="rId6"/>
-    <p:sldId id="262" r:id="rId7"/>
-    <p:sldId id="263" r:id="rId8"/>
-    <p:sldId id="265" r:id="rId9"/>
-    <p:sldId id="264" r:id="rId10"/>
-    <p:sldId id="266" r:id="rId11"/>
+    <p:sldId id="267" r:id="rId4"/>
+    <p:sldId id="259" r:id="rId5"/>
+    <p:sldId id="260" r:id="rId6"/>
+    <p:sldId id="261" r:id="rId7"/>
+    <p:sldId id="268" r:id="rId8"/>
+    <p:sldId id="262" r:id="rId9"/>
+    <p:sldId id="263" r:id="rId10"/>
+    <p:sldId id="265" r:id="rId11"/>
+    <p:sldId id="264" r:id="rId12"/>
+    <p:sldId id="266" r:id="rId13"/>
   </p:sldIdLst>
   <p:sldSz cx="12192000" cy="6858000"/>
   <p:notesSz cx="6858000" cy="9144000"/>
@@ -113,6 +115,11 @@
       </a:defRPr>
     </a:lvl9pPr>
   </p:defaultTextStyle>
+  <p:extLst>
+    <p:ext uri="{EFAFB233-063F-42B5-8137-9DF3F51BA10A}">
+      <p15:sldGuideLst xmlns:p15="http://schemas.microsoft.com/office/powerpoint/2012/main"/>
+    </p:ext>
+  </p:extLst>
 </p:presentation>
 </file>
 
@@ -263,7 +270,7 @@
           <a:p>
             <a:fld id="{CE718489-5E1A-404D-84B6-788266B5F16F}" type="datetimeFigureOut">
               <a:rPr lang="ko-KR" altLang="en-US" smtClean="0"/>
-              <a:t>2023-10-15</a:t>
+              <a:t>2023-10-16</a:t>
             </a:fld>
             <a:endParaRPr lang="ko-KR" altLang="en-US"/>
           </a:p>
@@ -461,7 +468,7 @@
           <a:p>
             <a:fld id="{CE718489-5E1A-404D-84B6-788266B5F16F}" type="datetimeFigureOut">
               <a:rPr lang="ko-KR" altLang="en-US" smtClean="0"/>
-              <a:t>2023-10-15</a:t>
+              <a:t>2023-10-16</a:t>
             </a:fld>
             <a:endParaRPr lang="ko-KR" altLang="en-US"/>
           </a:p>
@@ -669,7 +676,7 @@
           <a:p>
             <a:fld id="{CE718489-5E1A-404D-84B6-788266B5F16F}" type="datetimeFigureOut">
               <a:rPr lang="ko-KR" altLang="en-US" smtClean="0"/>
-              <a:t>2023-10-15</a:t>
+              <a:t>2023-10-16</a:t>
             </a:fld>
             <a:endParaRPr lang="ko-KR" altLang="en-US"/>
           </a:p>
@@ -867,7 +874,7 @@
           <a:p>
             <a:fld id="{CE718489-5E1A-404D-84B6-788266B5F16F}" type="datetimeFigureOut">
               <a:rPr lang="ko-KR" altLang="en-US" smtClean="0"/>
-              <a:t>2023-10-15</a:t>
+              <a:t>2023-10-16</a:t>
             </a:fld>
             <a:endParaRPr lang="ko-KR" altLang="en-US"/>
           </a:p>
@@ -1142,7 +1149,7 @@
           <a:p>
             <a:fld id="{CE718489-5E1A-404D-84B6-788266B5F16F}" type="datetimeFigureOut">
               <a:rPr lang="ko-KR" altLang="en-US" smtClean="0"/>
-              <a:t>2023-10-15</a:t>
+              <a:t>2023-10-16</a:t>
             </a:fld>
             <a:endParaRPr lang="ko-KR" altLang="en-US"/>
           </a:p>
@@ -1407,7 +1414,7 @@
           <a:p>
             <a:fld id="{CE718489-5E1A-404D-84B6-788266B5F16F}" type="datetimeFigureOut">
               <a:rPr lang="ko-KR" altLang="en-US" smtClean="0"/>
-              <a:t>2023-10-15</a:t>
+              <a:t>2023-10-16</a:t>
             </a:fld>
             <a:endParaRPr lang="ko-KR" altLang="en-US"/>
           </a:p>
@@ -1819,7 +1826,7 @@
           <a:p>
             <a:fld id="{CE718489-5E1A-404D-84B6-788266B5F16F}" type="datetimeFigureOut">
               <a:rPr lang="ko-KR" altLang="en-US" smtClean="0"/>
-              <a:t>2023-10-15</a:t>
+              <a:t>2023-10-16</a:t>
             </a:fld>
             <a:endParaRPr lang="ko-KR" altLang="en-US"/>
           </a:p>
@@ -1960,7 +1967,7 @@
           <a:p>
             <a:fld id="{CE718489-5E1A-404D-84B6-788266B5F16F}" type="datetimeFigureOut">
               <a:rPr lang="ko-KR" altLang="en-US" smtClean="0"/>
-              <a:t>2023-10-15</a:t>
+              <a:t>2023-10-16</a:t>
             </a:fld>
             <a:endParaRPr lang="ko-KR" altLang="en-US"/>
           </a:p>
@@ -2073,7 +2080,7 @@
           <a:p>
             <a:fld id="{CE718489-5E1A-404D-84B6-788266B5F16F}" type="datetimeFigureOut">
               <a:rPr lang="ko-KR" altLang="en-US" smtClean="0"/>
-              <a:t>2023-10-15</a:t>
+              <a:t>2023-10-16</a:t>
             </a:fld>
             <a:endParaRPr lang="ko-KR" altLang="en-US"/>
           </a:p>
@@ -2384,7 +2391,7 @@
           <a:p>
             <a:fld id="{CE718489-5E1A-404D-84B6-788266B5F16F}" type="datetimeFigureOut">
               <a:rPr lang="ko-KR" altLang="en-US" smtClean="0"/>
-              <a:t>2023-10-15</a:t>
+              <a:t>2023-10-16</a:t>
             </a:fld>
             <a:endParaRPr lang="ko-KR" altLang="en-US"/>
           </a:p>
@@ -2672,7 +2679,7 @@
           <a:p>
             <a:fld id="{CE718489-5E1A-404D-84B6-788266B5F16F}" type="datetimeFigureOut">
               <a:rPr lang="ko-KR" altLang="en-US" smtClean="0"/>
-              <a:t>2023-10-15</a:t>
+              <a:t>2023-10-16</a:t>
             </a:fld>
             <a:endParaRPr lang="ko-KR" altLang="en-US"/>
           </a:p>
@@ -2913,7 +2920,7 @@
           <a:p>
             <a:fld id="{CE718489-5E1A-404D-84B6-788266B5F16F}" type="datetimeFigureOut">
               <a:rPr lang="ko-KR" altLang="en-US" smtClean="0"/>
-              <a:t>2023-10-15</a:t>
+              <a:t>2023-10-16</a:t>
             </a:fld>
             <a:endParaRPr lang="ko-KR" altLang="en-US"/>
           </a:p>
@@ -3357,7 +3364,14 @@
             </a:r>
             <a:r>
               <a:rPr lang="ko-KR" altLang="en-US" dirty="0"/>
-              <a:t> 카메라 모듈 구성도</a:t>
+              <a:t> 카메라 모듈 </a:t>
+            </a:r>
+            <a:br>
+              <a:rPr lang="en-US" altLang="ko-KR" dirty="0"/>
+            </a:br>
+            <a:r>
+              <a:rPr lang="ko-KR" altLang="en-US" dirty="0"/>
+              <a:t>구성도</a:t>
             </a:r>
           </a:p>
         </p:txBody>
@@ -3378,7 +3392,12 @@
             <p:ph type="subTitle" idx="1"/>
           </p:nvPr>
         </p:nvSpPr>
-        <p:spPr/>
+        <p:spPr>
+          <a:xfrm>
+            <a:off x="1524000" y="4079875"/>
+            <a:ext cx="9144000" cy="1655762"/>
+          </a:xfrm>
+        </p:spPr>
         <p:txBody>
           <a:bodyPr/>
           <a:lstStyle/>
@@ -3408,4247 +3427,6 @@
 </file>
 
 <file path=ppt/slides/slide10.xml><?xml version="1.0" encoding="utf-8"?>
-<p:sld xmlns:a="http://schemas.openxmlformats.org/drawingml/2006/main" xmlns:r="http://schemas.openxmlformats.org/officeDocument/2006/relationships" xmlns:p="http://schemas.openxmlformats.org/presentationml/2006/main">
-  <p:cSld>
-    <p:spTree>
-      <p:nvGrpSpPr>
-        <p:cNvPr id="1" name=""/>
-        <p:cNvGrpSpPr/>
-        <p:nvPr/>
-      </p:nvGrpSpPr>
-      <p:grpSpPr>
-        <a:xfrm>
-          <a:off x="0" y="0"/>
-          <a:ext cx="0" cy="0"/>
-          <a:chOff x="0" y="0"/>
-          <a:chExt cx="0" cy="0"/>
-        </a:xfrm>
-      </p:grpSpPr>
-      <p:sp>
-        <p:nvSpPr>
-          <p:cNvPr id="2" name="제목 1">
-            <a:extLst>
-              <a:ext uri="{FF2B5EF4-FFF2-40B4-BE49-F238E27FC236}">
-                <a16:creationId xmlns:a16="http://schemas.microsoft.com/office/drawing/2014/main" id="{03A93382-671C-220A-116F-B6B535BFCE76}"/>
-              </a:ext>
-            </a:extLst>
-          </p:cNvPr>
-          <p:cNvSpPr>
-            <a:spLocks noGrp="1"/>
-          </p:cNvSpPr>
-          <p:nvPr>
-            <p:ph type="title"/>
-          </p:nvPr>
-        </p:nvSpPr>
-        <p:spPr/>
-        <p:txBody>
-          <a:bodyPr/>
-          <a:lstStyle/>
-          <a:p>
-            <a:endParaRPr lang="ko-KR" altLang="en-US"/>
-          </a:p>
-        </p:txBody>
-      </p:sp>
-      <p:sp>
-        <p:nvSpPr>
-          <p:cNvPr id="3" name="내용 개체 틀 2">
-            <a:extLst>
-              <a:ext uri="{FF2B5EF4-FFF2-40B4-BE49-F238E27FC236}">
-                <a16:creationId xmlns:a16="http://schemas.microsoft.com/office/drawing/2014/main" id="{2694D2B8-3409-1115-FF96-B28521515C24}"/>
-              </a:ext>
-            </a:extLst>
-          </p:cNvPr>
-          <p:cNvSpPr>
-            <a:spLocks noGrp="1"/>
-          </p:cNvSpPr>
-          <p:nvPr>
-            <p:ph idx="1"/>
-          </p:nvPr>
-        </p:nvSpPr>
-        <p:spPr/>
-        <p:txBody>
-          <a:bodyPr/>
-          <a:lstStyle/>
-          <a:p>
-            <a:endParaRPr lang="ko-KR" altLang="en-US"/>
-          </a:p>
-        </p:txBody>
-      </p:sp>
-    </p:spTree>
-    <p:extLst>
-      <p:ext uri="{BB962C8B-B14F-4D97-AF65-F5344CB8AC3E}">
-        <p14:creationId xmlns:p14="http://schemas.microsoft.com/office/powerpoint/2010/main" val="2815708057"/>
-      </p:ext>
-    </p:extLst>
-  </p:cSld>
-  <p:clrMapOvr>
-    <a:masterClrMapping/>
-  </p:clrMapOvr>
-</p:sld>
-</file>
-
-<file path=ppt/slides/slide2.xml><?xml version="1.0" encoding="utf-8"?>
-<p:sld xmlns:a="http://schemas.openxmlformats.org/drawingml/2006/main" xmlns:r="http://schemas.openxmlformats.org/officeDocument/2006/relationships" xmlns:p="http://schemas.openxmlformats.org/presentationml/2006/main">
-  <p:cSld>
-    <p:spTree>
-      <p:nvGrpSpPr>
-        <p:cNvPr id="1" name=""/>
-        <p:cNvGrpSpPr/>
-        <p:nvPr/>
-      </p:nvGrpSpPr>
-      <p:grpSpPr>
-        <a:xfrm>
-          <a:off x="0" y="0"/>
-          <a:ext cx="0" cy="0"/>
-          <a:chOff x="0" y="0"/>
-          <a:chExt cx="0" cy="0"/>
-        </a:xfrm>
-      </p:grpSpPr>
-      <p:sp>
-        <p:nvSpPr>
-          <p:cNvPr id="2" name="제목 1">
-            <a:extLst>
-              <a:ext uri="{FF2B5EF4-FFF2-40B4-BE49-F238E27FC236}">
-                <a16:creationId xmlns:a16="http://schemas.microsoft.com/office/drawing/2014/main" id="{EBCF49C2-3F21-E4B2-552D-99456E2E858A}"/>
-              </a:ext>
-            </a:extLst>
-          </p:cNvPr>
-          <p:cNvSpPr>
-            <a:spLocks noGrp="1"/>
-          </p:cNvSpPr>
-          <p:nvPr>
-            <p:ph type="title"/>
-          </p:nvPr>
-        </p:nvSpPr>
-        <p:spPr>
-          <a:xfrm>
-            <a:off x="838200" y="365125"/>
-            <a:ext cx="3254298" cy="1325563"/>
-          </a:xfrm>
-        </p:spPr>
-        <p:txBody>
-          <a:bodyPr/>
-          <a:lstStyle/>
-          <a:p>
-            <a:r>
-              <a:rPr lang="en-US" altLang="ko-KR" dirty="0"/>
-              <a:t>SW </a:t>
-            </a:r>
-            <a:r>
-              <a:rPr lang="ko-KR" altLang="en-US" dirty="0"/>
-              <a:t>구성도</a:t>
-            </a:r>
-          </a:p>
-        </p:txBody>
-      </p:sp>
-      <p:sp>
-        <p:nvSpPr>
-          <p:cNvPr id="3" name="내용 개체 틀 2">
-            <a:extLst>
-              <a:ext uri="{FF2B5EF4-FFF2-40B4-BE49-F238E27FC236}">
-                <a16:creationId xmlns:a16="http://schemas.microsoft.com/office/drawing/2014/main" id="{6A3BDC9B-F596-AE39-BCCE-4F20AB000921}"/>
-              </a:ext>
-            </a:extLst>
-          </p:cNvPr>
-          <p:cNvSpPr>
-            <a:spLocks noGrp="1"/>
-          </p:cNvSpPr>
-          <p:nvPr>
-            <p:ph idx="1"/>
-          </p:nvPr>
-        </p:nvSpPr>
-        <p:spPr>
-          <a:xfrm>
-            <a:off x="838200" y="1825625"/>
-            <a:ext cx="4893527" cy="4351338"/>
-          </a:xfrm>
-        </p:spPr>
-        <p:txBody>
-          <a:bodyPr/>
-          <a:lstStyle/>
-          <a:p>
-            <a:r>
-              <a:rPr lang="ko-KR" altLang="en-US" dirty="0"/>
-              <a:t>소프트웨어 구성도</a:t>
-            </a:r>
-            <a:endParaRPr lang="en-US" altLang="ko-KR" dirty="0"/>
-          </a:p>
-          <a:p>
-            <a:r>
-              <a:rPr lang="ko-KR" altLang="en-US" dirty="0"/>
-              <a:t>플로우 차트</a:t>
-            </a:r>
-            <a:endParaRPr lang="en-US" altLang="ko-KR" dirty="0"/>
-          </a:p>
-          <a:p>
-            <a:r>
-              <a:rPr lang="ko-KR" altLang="en-US" dirty="0" err="1"/>
-              <a:t>모듈별</a:t>
-            </a:r>
-            <a:r>
-              <a:rPr lang="ko-KR" altLang="en-US" dirty="0"/>
-              <a:t> 구성</a:t>
-            </a:r>
-            <a:endParaRPr lang="en-US" altLang="ko-KR" dirty="0"/>
-          </a:p>
-          <a:p>
-            <a:endParaRPr lang="en-US" altLang="ko-KR" dirty="0"/>
-          </a:p>
-        </p:txBody>
-      </p:sp>
-      <p:sp>
-        <p:nvSpPr>
-          <p:cNvPr id="4" name="제목 1">
-            <a:extLst>
-              <a:ext uri="{FF2B5EF4-FFF2-40B4-BE49-F238E27FC236}">
-                <a16:creationId xmlns:a16="http://schemas.microsoft.com/office/drawing/2014/main" id="{836A90E8-F3D5-678A-D516-E08496600E2E}"/>
-              </a:ext>
-            </a:extLst>
-          </p:cNvPr>
-          <p:cNvSpPr txBox="1">
-            <a:spLocks/>
-          </p:cNvSpPr>
-          <p:nvPr/>
-        </p:nvSpPr>
-        <p:spPr>
-          <a:xfrm>
-            <a:off x="6472355" y="365124"/>
-            <a:ext cx="3254298" cy="1325563"/>
-          </a:xfrm>
-          <a:prstGeom prst="rect">
-            <a:avLst/>
-          </a:prstGeom>
-        </p:spPr>
-        <p:txBody>
-          <a:bodyPr vert="horz" lIns="91440" tIns="45720" rIns="91440" bIns="45720" rtlCol="0" anchor="ctr">
-            <a:normAutofit/>
-          </a:bodyPr>
-          <a:lstStyle>
-            <a:lvl1pPr algn="l" defTabSz="914400" rtl="0" eaLnBrk="1" latinLnBrk="1" hangingPunct="1">
-              <a:lnSpc>
-                <a:spcPct val="90000"/>
-              </a:lnSpc>
-              <a:spcBef>
-                <a:spcPct val="0"/>
-              </a:spcBef>
-              <a:buNone/>
-              <a:defRPr sz="4400" kern="1200">
-                <a:solidFill>
-                  <a:schemeClr val="tx1"/>
-                </a:solidFill>
-                <a:latin typeface="+mj-lt"/>
-                <a:ea typeface="+mj-ea"/>
-                <a:cs typeface="+mj-cs"/>
-              </a:defRPr>
-            </a:lvl1pPr>
-          </a:lstStyle>
-          <a:p>
-            <a:r>
-              <a:rPr lang="en-US" altLang="ko-KR" dirty="0"/>
-              <a:t>HW </a:t>
-            </a:r>
-            <a:r>
-              <a:rPr lang="ko-KR" altLang="en-US" dirty="0"/>
-              <a:t>구성도</a:t>
-            </a:r>
-          </a:p>
-        </p:txBody>
-      </p:sp>
-      <p:sp>
-        <p:nvSpPr>
-          <p:cNvPr id="5" name="내용 개체 틀 2">
-            <a:extLst>
-              <a:ext uri="{FF2B5EF4-FFF2-40B4-BE49-F238E27FC236}">
-                <a16:creationId xmlns:a16="http://schemas.microsoft.com/office/drawing/2014/main" id="{D877DB1E-B736-3F8A-E82A-68901149B9D1}"/>
-              </a:ext>
-            </a:extLst>
-          </p:cNvPr>
-          <p:cNvSpPr txBox="1">
-            <a:spLocks/>
-          </p:cNvSpPr>
-          <p:nvPr/>
-        </p:nvSpPr>
-        <p:spPr>
-          <a:xfrm>
-            <a:off x="6460273" y="1825625"/>
-            <a:ext cx="4893527" cy="4351338"/>
-          </a:xfrm>
-          <a:prstGeom prst="rect">
-            <a:avLst/>
-          </a:prstGeom>
-        </p:spPr>
-        <p:txBody>
-          <a:bodyPr vert="horz" lIns="91440" tIns="45720" rIns="91440" bIns="45720" rtlCol="0">
-            <a:normAutofit/>
-          </a:bodyPr>
-          <a:lstStyle>
-            <a:lvl1pPr marL="228600" indent="-228600" algn="l" defTabSz="914400" rtl="0" eaLnBrk="1" latinLnBrk="1" hangingPunct="1">
-              <a:lnSpc>
-                <a:spcPct val="90000"/>
-              </a:lnSpc>
-              <a:spcBef>
-                <a:spcPts val="1000"/>
-              </a:spcBef>
-              <a:buFont typeface="Arial" panose="020B0604020202020204" pitchFamily="34" charset="0"/>
-              <a:buChar char="•"/>
-              <a:defRPr sz="2800" kern="1200">
-                <a:solidFill>
-                  <a:schemeClr val="tx1"/>
-                </a:solidFill>
-                <a:latin typeface="+mn-lt"/>
-                <a:ea typeface="+mn-ea"/>
-                <a:cs typeface="+mn-cs"/>
-              </a:defRPr>
-            </a:lvl1pPr>
-            <a:lvl2pPr marL="685800" indent="-228600" algn="l" defTabSz="914400" rtl="0" eaLnBrk="1" latinLnBrk="1" hangingPunct="1">
-              <a:lnSpc>
-                <a:spcPct val="90000"/>
-              </a:lnSpc>
-              <a:spcBef>
-                <a:spcPts val="500"/>
-              </a:spcBef>
-              <a:buFont typeface="Arial" panose="020B0604020202020204" pitchFamily="34" charset="0"/>
-              <a:buChar char="•"/>
-              <a:defRPr sz="2400" kern="1200">
-                <a:solidFill>
-                  <a:schemeClr val="tx1"/>
-                </a:solidFill>
-                <a:latin typeface="+mn-lt"/>
-                <a:ea typeface="+mn-ea"/>
-                <a:cs typeface="+mn-cs"/>
-              </a:defRPr>
-            </a:lvl2pPr>
-            <a:lvl3pPr marL="1143000" indent="-228600" algn="l" defTabSz="914400" rtl="0" eaLnBrk="1" latinLnBrk="1" hangingPunct="1">
-              <a:lnSpc>
-                <a:spcPct val="90000"/>
-              </a:lnSpc>
-              <a:spcBef>
-                <a:spcPts val="500"/>
-              </a:spcBef>
-              <a:buFont typeface="Arial" panose="020B0604020202020204" pitchFamily="34" charset="0"/>
-              <a:buChar char="•"/>
-              <a:defRPr sz="2000" kern="1200">
-                <a:solidFill>
-                  <a:schemeClr val="tx1"/>
-                </a:solidFill>
-                <a:latin typeface="+mn-lt"/>
-                <a:ea typeface="+mn-ea"/>
-                <a:cs typeface="+mn-cs"/>
-              </a:defRPr>
-            </a:lvl3pPr>
-            <a:lvl4pPr marL="1600200" indent="-228600" algn="l" defTabSz="914400" rtl="0" eaLnBrk="1" latinLnBrk="1" hangingPunct="1">
-              <a:lnSpc>
-                <a:spcPct val="90000"/>
-              </a:lnSpc>
-              <a:spcBef>
-                <a:spcPts val="500"/>
-              </a:spcBef>
-              <a:buFont typeface="Arial" panose="020B0604020202020204" pitchFamily="34" charset="0"/>
-              <a:buChar char="•"/>
-              <a:defRPr sz="1800" kern="1200">
-                <a:solidFill>
-                  <a:schemeClr val="tx1"/>
-                </a:solidFill>
-                <a:latin typeface="+mn-lt"/>
-                <a:ea typeface="+mn-ea"/>
-                <a:cs typeface="+mn-cs"/>
-              </a:defRPr>
-            </a:lvl4pPr>
-            <a:lvl5pPr marL="2057400" indent="-228600" algn="l" defTabSz="914400" rtl="0" eaLnBrk="1" latinLnBrk="1" hangingPunct="1">
-              <a:lnSpc>
-                <a:spcPct val="90000"/>
-              </a:lnSpc>
-              <a:spcBef>
-                <a:spcPts val="500"/>
-              </a:spcBef>
-              <a:buFont typeface="Arial" panose="020B0604020202020204" pitchFamily="34" charset="0"/>
-              <a:buChar char="•"/>
-              <a:defRPr sz="1800" kern="1200">
-                <a:solidFill>
-                  <a:schemeClr val="tx1"/>
-                </a:solidFill>
-                <a:latin typeface="+mn-lt"/>
-                <a:ea typeface="+mn-ea"/>
-                <a:cs typeface="+mn-cs"/>
-              </a:defRPr>
-            </a:lvl5pPr>
-            <a:lvl6pPr marL="2514600" indent="-228600" algn="l" defTabSz="914400" rtl="0" eaLnBrk="1" latinLnBrk="1" hangingPunct="1">
-              <a:lnSpc>
-                <a:spcPct val="90000"/>
-              </a:lnSpc>
-              <a:spcBef>
-                <a:spcPts val="500"/>
-              </a:spcBef>
-              <a:buFont typeface="Arial" panose="020B0604020202020204" pitchFamily="34" charset="0"/>
-              <a:buChar char="•"/>
-              <a:defRPr sz="1800" kern="1200">
-                <a:solidFill>
-                  <a:schemeClr val="tx1"/>
-                </a:solidFill>
-                <a:latin typeface="+mn-lt"/>
-                <a:ea typeface="+mn-ea"/>
-                <a:cs typeface="+mn-cs"/>
-              </a:defRPr>
-            </a:lvl6pPr>
-            <a:lvl7pPr marL="2971800" indent="-228600" algn="l" defTabSz="914400" rtl="0" eaLnBrk="1" latinLnBrk="1" hangingPunct="1">
-              <a:lnSpc>
-                <a:spcPct val="90000"/>
-              </a:lnSpc>
-              <a:spcBef>
-                <a:spcPts val="500"/>
-              </a:spcBef>
-              <a:buFont typeface="Arial" panose="020B0604020202020204" pitchFamily="34" charset="0"/>
-              <a:buChar char="•"/>
-              <a:defRPr sz="1800" kern="1200">
-                <a:solidFill>
-                  <a:schemeClr val="tx1"/>
-                </a:solidFill>
-                <a:latin typeface="+mn-lt"/>
-                <a:ea typeface="+mn-ea"/>
-                <a:cs typeface="+mn-cs"/>
-              </a:defRPr>
-            </a:lvl7pPr>
-            <a:lvl8pPr marL="3429000" indent="-228600" algn="l" defTabSz="914400" rtl="0" eaLnBrk="1" latinLnBrk="1" hangingPunct="1">
-              <a:lnSpc>
-                <a:spcPct val="90000"/>
-              </a:lnSpc>
-              <a:spcBef>
-                <a:spcPts val="500"/>
-              </a:spcBef>
-              <a:buFont typeface="Arial" panose="020B0604020202020204" pitchFamily="34" charset="0"/>
-              <a:buChar char="•"/>
-              <a:defRPr sz="1800" kern="1200">
-                <a:solidFill>
-                  <a:schemeClr val="tx1"/>
-                </a:solidFill>
-                <a:latin typeface="+mn-lt"/>
-                <a:ea typeface="+mn-ea"/>
-                <a:cs typeface="+mn-cs"/>
-              </a:defRPr>
-            </a:lvl8pPr>
-            <a:lvl9pPr marL="3886200" indent="-228600" algn="l" defTabSz="914400" rtl="0" eaLnBrk="1" latinLnBrk="1" hangingPunct="1">
-              <a:lnSpc>
-                <a:spcPct val="90000"/>
-              </a:lnSpc>
-              <a:spcBef>
-                <a:spcPts val="500"/>
-              </a:spcBef>
-              <a:buFont typeface="Arial" panose="020B0604020202020204" pitchFamily="34" charset="0"/>
-              <a:buChar char="•"/>
-              <a:defRPr sz="1800" kern="1200">
-                <a:solidFill>
-                  <a:schemeClr val="tx1"/>
-                </a:solidFill>
-                <a:latin typeface="+mn-lt"/>
-                <a:ea typeface="+mn-ea"/>
-                <a:cs typeface="+mn-cs"/>
-              </a:defRPr>
-            </a:lvl9pPr>
-          </a:lstStyle>
-          <a:p>
-            <a:r>
-              <a:rPr lang="ko-KR" altLang="en-US" dirty="0"/>
-              <a:t>하드웨어 구성도</a:t>
-            </a:r>
-            <a:endParaRPr lang="en-US" altLang="ko-KR" dirty="0"/>
-          </a:p>
-          <a:p>
-            <a:r>
-              <a:rPr lang="ko-KR" altLang="en-US" dirty="0"/>
-              <a:t>플로우 차트</a:t>
-            </a:r>
-            <a:endParaRPr lang="en-US" altLang="ko-KR" dirty="0"/>
-          </a:p>
-          <a:p>
-            <a:r>
-              <a:rPr lang="ko-KR" altLang="en-US" dirty="0" err="1"/>
-              <a:t>모듈별</a:t>
-            </a:r>
-            <a:r>
-              <a:rPr lang="ko-KR" altLang="en-US" dirty="0"/>
-              <a:t> 구성</a:t>
-            </a:r>
-            <a:endParaRPr lang="en-US" altLang="ko-KR" dirty="0"/>
-          </a:p>
-          <a:p>
-            <a:endParaRPr lang="en-US" altLang="ko-KR" dirty="0"/>
-          </a:p>
-        </p:txBody>
-      </p:sp>
-    </p:spTree>
-    <p:extLst>
-      <p:ext uri="{BB962C8B-B14F-4D97-AF65-F5344CB8AC3E}">
-        <p14:creationId xmlns:p14="http://schemas.microsoft.com/office/powerpoint/2010/main" val="1345326681"/>
-      </p:ext>
-    </p:extLst>
-  </p:cSld>
-  <p:clrMapOvr>
-    <a:masterClrMapping/>
-  </p:clrMapOvr>
-</p:sld>
-</file>
-
-<file path=ppt/slides/slide3.xml><?xml version="1.0" encoding="utf-8"?>
-<p:sld xmlns:a="http://schemas.openxmlformats.org/drawingml/2006/main" xmlns:r="http://schemas.openxmlformats.org/officeDocument/2006/relationships" xmlns:p="http://schemas.openxmlformats.org/presentationml/2006/main">
-  <p:cSld>
-    <p:spTree>
-      <p:nvGrpSpPr>
-        <p:cNvPr id="1" name=""/>
-        <p:cNvGrpSpPr/>
-        <p:nvPr/>
-      </p:nvGrpSpPr>
-      <p:grpSpPr>
-        <a:xfrm>
-          <a:off x="0" y="0"/>
-          <a:ext cx="0" cy="0"/>
-          <a:chOff x="0" y="0"/>
-          <a:chExt cx="0" cy="0"/>
-        </a:xfrm>
-      </p:grpSpPr>
-      <p:sp>
-        <p:nvSpPr>
-          <p:cNvPr id="4" name="사각형: 둥근 모서리 3">
-            <a:extLst>
-              <a:ext uri="{FF2B5EF4-FFF2-40B4-BE49-F238E27FC236}">
-                <a16:creationId xmlns:a16="http://schemas.microsoft.com/office/drawing/2014/main" id="{A79955C6-8BCB-E8E6-B59B-7C2FBCFBC029}"/>
-              </a:ext>
-            </a:extLst>
-          </p:cNvPr>
-          <p:cNvSpPr/>
-          <p:nvPr/>
-        </p:nvSpPr>
-        <p:spPr>
-          <a:xfrm>
-            <a:off x="258337" y="913123"/>
-            <a:ext cx="11566603" cy="5255089"/>
-          </a:xfrm>
-          <a:prstGeom prst="roundRect">
-            <a:avLst/>
-          </a:prstGeom>
-          <a:solidFill>
-            <a:schemeClr val="bg2"/>
-          </a:solidFill>
-        </p:spPr>
-        <p:style>
-          <a:lnRef idx="2">
-            <a:schemeClr val="accent1">
-              <a:shade val="15000"/>
-            </a:schemeClr>
-          </a:lnRef>
-          <a:fillRef idx="1">
-            <a:schemeClr val="accent1"/>
-          </a:fillRef>
-          <a:effectRef idx="0">
-            <a:schemeClr val="accent1"/>
-          </a:effectRef>
-          <a:fontRef idx="minor">
-            <a:schemeClr val="lt1"/>
-          </a:fontRef>
-        </p:style>
-        <p:txBody>
-          <a:bodyPr rtlCol="0" anchor="ctr"/>
-          <a:lstStyle/>
-          <a:p>
-            <a:pPr marL="0" marR="0" lvl="0" indent="0" algn="ctr" defTabSz="914400" rtl="0" eaLnBrk="1" fontAlgn="auto" latinLnBrk="1" hangingPunct="1">
-              <a:lnSpc>
-                <a:spcPct val="100000"/>
-              </a:lnSpc>
-              <a:spcBef>
-                <a:spcPts val="0"/>
-              </a:spcBef>
-              <a:spcAft>
-                <a:spcPts val="0"/>
-              </a:spcAft>
-              <a:buClrTx/>
-              <a:buSzTx/>
-              <a:buFontTx/>
-              <a:buNone/>
-              <a:tabLst/>
-              <a:defRPr/>
-            </a:pPr>
-            <a:endParaRPr kumimoji="0" lang="ko-KR" altLang="en-US" sz="1800" b="0" i="0" u="none" strike="noStrike" kern="1200" cap="none" spc="0" normalizeH="0" baseline="0" noProof="0">
-              <a:ln>
-                <a:noFill/>
-              </a:ln>
-              <a:solidFill>
-                <a:prstClr val="white"/>
-              </a:solidFill>
-              <a:effectLst/>
-              <a:uLnTx/>
-              <a:uFillTx/>
-              <a:latin typeface="맑은 고딕" panose="020F0502020204030204"/>
-              <a:ea typeface="맑은 고딕" panose="020B0503020000020004" pitchFamily="50" charset="-127"/>
-              <a:cs typeface="+mn-cs"/>
-            </a:endParaRPr>
-          </a:p>
-        </p:txBody>
-      </p:sp>
-      <p:sp>
-        <p:nvSpPr>
-          <p:cNvPr id="18" name="사각형: 둥근 모서리 17">
-            <a:extLst>
-              <a:ext uri="{FF2B5EF4-FFF2-40B4-BE49-F238E27FC236}">
-                <a16:creationId xmlns:a16="http://schemas.microsoft.com/office/drawing/2014/main" id="{DA6C9A1B-93EB-C9BC-A510-5DDD5518E99B}"/>
-              </a:ext>
-            </a:extLst>
-          </p:cNvPr>
-          <p:cNvSpPr/>
-          <p:nvPr/>
-        </p:nvSpPr>
-        <p:spPr>
-          <a:xfrm>
-            <a:off x="4895669" y="1856767"/>
-            <a:ext cx="2241435" cy="3702021"/>
-          </a:xfrm>
-          <a:prstGeom prst="roundRect">
-            <a:avLst/>
-          </a:prstGeom>
-          <a:solidFill>
-            <a:schemeClr val="bg1"/>
-          </a:solidFill>
-        </p:spPr>
-        <p:style>
-          <a:lnRef idx="2">
-            <a:schemeClr val="accent1">
-              <a:shade val="15000"/>
-            </a:schemeClr>
-          </a:lnRef>
-          <a:fillRef idx="1">
-            <a:schemeClr val="accent1"/>
-          </a:fillRef>
-          <a:effectRef idx="0">
-            <a:schemeClr val="accent1"/>
-          </a:effectRef>
-          <a:fontRef idx="minor">
-            <a:schemeClr val="lt1"/>
-          </a:fontRef>
-        </p:style>
-        <p:txBody>
-          <a:bodyPr rtlCol="0" anchor="ctr"/>
-          <a:lstStyle/>
-          <a:p>
-            <a:pPr algn="ctr"/>
-            <a:endParaRPr lang="ko-KR" altLang="en-US"/>
-          </a:p>
-        </p:txBody>
-      </p:sp>
-      <p:sp>
-        <p:nvSpPr>
-          <p:cNvPr id="14" name="사각형: 둥근 모서리 13">
-            <a:extLst>
-              <a:ext uri="{FF2B5EF4-FFF2-40B4-BE49-F238E27FC236}">
-                <a16:creationId xmlns:a16="http://schemas.microsoft.com/office/drawing/2014/main" id="{2BAC9A4D-D403-38A6-46B1-3AF6C842EE01}"/>
-              </a:ext>
-            </a:extLst>
-          </p:cNvPr>
-          <p:cNvSpPr/>
-          <p:nvPr/>
-        </p:nvSpPr>
-        <p:spPr>
-          <a:xfrm>
-            <a:off x="7367222" y="1856767"/>
-            <a:ext cx="4039523" cy="3702021"/>
-          </a:xfrm>
-          <a:prstGeom prst="roundRect">
-            <a:avLst/>
-          </a:prstGeom>
-          <a:solidFill>
-            <a:schemeClr val="bg1"/>
-          </a:solidFill>
-        </p:spPr>
-        <p:style>
-          <a:lnRef idx="2">
-            <a:schemeClr val="accent1">
-              <a:shade val="15000"/>
-            </a:schemeClr>
-          </a:lnRef>
-          <a:fillRef idx="1">
-            <a:schemeClr val="accent1"/>
-          </a:fillRef>
-          <a:effectRef idx="0">
-            <a:schemeClr val="accent1"/>
-          </a:effectRef>
-          <a:fontRef idx="minor">
-            <a:schemeClr val="lt1"/>
-          </a:fontRef>
-        </p:style>
-        <p:txBody>
-          <a:bodyPr rtlCol="0" anchor="ctr"/>
-          <a:lstStyle/>
-          <a:p>
-            <a:pPr algn="ctr"/>
-            <a:endParaRPr lang="ko-KR" altLang="en-US"/>
-          </a:p>
-        </p:txBody>
-      </p:sp>
-      <p:sp>
-        <p:nvSpPr>
-          <p:cNvPr id="13" name="사각형: 둥근 모서리 12">
-            <a:extLst>
-              <a:ext uri="{FF2B5EF4-FFF2-40B4-BE49-F238E27FC236}">
-                <a16:creationId xmlns:a16="http://schemas.microsoft.com/office/drawing/2014/main" id="{4D395B40-1EF8-AA93-D71E-28B7CA7436D9}"/>
-              </a:ext>
-            </a:extLst>
-          </p:cNvPr>
-          <p:cNvSpPr/>
-          <p:nvPr/>
-        </p:nvSpPr>
-        <p:spPr>
-          <a:xfrm>
-            <a:off x="605859" y="1856768"/>
-            <a:ext cx="4039523" cy="3702021"/>
-          </a:xfrm>
-          <a:prstGeom prst="roundRect">
-            <a:avLst/>
-          </a:prstGeom>
-          <a:solidFill>
-            <a:schemeClr val="bg1"/>
-          </a:solidFill>
-        </p:spPr>
-        <p:style>
-          <a:lnRef idx="2">
-            <a:schemeClr val="accent1">
-              <a:shade val="15000"/>
-            </a:schemeClr>
-          </a:lnRef>
-          <a:fillRef idx="1">
-            <a:schemeClr val="accent1"/>
-          </a:fillRef>
-          <a:effectRef idx="0">
-            <a:schemeClr val="accent1"/>
-          </a:effectRef>
-          <a:fontRef idx="minor">
-            <a:schemeClr val="lt1"/>
-          </a:fontRef>
-        </p:style>
-        <p:txBody>
-          <a:bodyPr rtlCol="0" anchor="ctr"/>
-          <a:lstStyle/>
-          <a:p>
-            <a:pPr algn="ctr"/>
-            <a:endParaRPr lang="ko-KR" altLang="en-US"/>
-          </a:p>
-        </p:txBody>
-      </p:sp>
-      <p:sp>
-        <p:nvSpPr>
-          <p:cNvPr id="5" name="직사각형 4">
-            <a:extLst>
-              <a:ext uri="{FF2B5EF4-FFF2-40B4-BE49-F238E27FC236}">
-                <a16:creationId xmlns:a16="http://schemas.microsoft.com/office/drawing/2014/main" id="{13307D63-260A-C03D-46B0-871BB4072BEC}"/>
-              </a:ext>
-            </a:extLst>
-          </p:cNvPr>
-          <p:cNvSpPr/>
-          <p:nvPr/>
-        </p:nvSpPr>
-        <p:spPr>
-          <a:xfrm>
-            <a:off x="785254" y="3668280"/>
-            <a:ext cx="1583473" cy="752553"/>
-          </a:xfrm>
-          <a:prstGeom prst="rect">
-            <a:avLst/>
-          </a:prstGeom>
-          <a:solidFill>
-            <a:schemeClr val="accent4">
-              <a:lumMod val="40000"/>
-              <a:lumOff val="60000"/>
-            </a:schemeClr>
-          </a:solidFill>
-        </p:spPr>
-        <p:style>
-          <a:lnRef idx="2">
-            <a:schemeClr val="accent1">
-              <a:shade val="15000"/>
-            </a:schemeClr>
-          </a:lnRef>
-          <a:fillRef idx="1">
-            <a:schemeClr val="accent1"/>
-          </a:fillRef>
-          <a:effectRef idx="0">
-            <a:schemeClr val="accent1"/>
-          </a:effectRef>
-          <a:fontRef idx="minor">
-            <a:schemeClr val="lt1"/>
-          </a:fontRef>
-        </p:style>
-        <p:txBody>
-          <a:bodyPr rtlCol="0" anchor="ctr"/>
-          <a:lstStyle/>
-          <a:p>
-            <a:pPr marL="0" marR="0" lvl="0" indent="0" algn="ctr" defTabSz="914400" rtl="0" eaLnBrk="1" fontAlgn="auto" latinLnBrk="1" hangingPunct="1">
-              <a:lnSpc>
-                <a:spcPct val="100000"/>
-              </a:lnSpc>
-              <a:spcBef>
-                <a:spcPts val="0"/>
-              </a:spcBef>
-              <a:spcAft>
-                <a:spcPts val="0"/>
-              </a:spcAft>
-              <a:buClrTx/>
-              <a:buSzTx/>
-              <a:buFontTx/>
-              <a:buNone/>
-              <a:tabLst/>
-              <a:defRPr/>
-            </a:pPr>
-            <a:r>
-              <a:rPr kumimoji="0" lang="en-US" altLang="ko-KR" sz="1800" b="0" i="0" u="none" strike="noStrike" kern="1200" cap="none" spc="0" normalizeH="0" baseline="0" noProof="0" dirty="0" err="1">
-                <a:ln>
-                  <a:noFill/>
-                </a:ln>
-                <a:solidFill>
-                  <a:prstClr val="black"/>
-                </a:solidFill>
-                <a:effectLst/>
-                <a:uLnTx/>
-                <a:uFillTx/>
-                <a:latin typeface="맑은 고딕" panose="020F0502020204030204"/>
-                <a:ea typeface="맑은 고딕" panose="020B0503020000020004" pitchFamily="50" charset="-127"/>
-                <a:cs typeface="+mn-cs"/>
-              </a:rPr>
-              <a:t>Raspi</a:t>
-            </a:r>
-            <a:r>
-              <a:rPr kumimoji="0" lang="en-US" altLang="ko-KR" sz="1800" b="0" i="0" u="none" strike="noStrike" kern="1200" cap="none" spc="0" normalizeH="0" baseline="0" noProof="0" dirty="0">
-                <a:ln>
-                  <a:noFill/>
-                </a:ln>
-                <a:solidFill>
-                  <a:prstClr val="black"/>
-                </a:solidFill>
-                <a:effectLst/>
-                <a:uLnTx/>
-                <a:uFillTx/>
-                <a:latin typeface="맑은 고딕" panose="020F0502020204030204"/>
-                <a:ea typeface="맑은 고딕" panose="020B0503020000020004" pitchFamily="50" charset="-127"/>
-                <a:cs typeface="+mn-cs"/>
-              </a:rPr>
-              <a:t>-camera</a:t>
-            </a:r>
-            <a:endParaRPr kumimoji="0" lang="ko-KR" altLang="en-US" sz="1800" b="0" i="0" u="none" strike="noStrike" kern="1200" cap="none" spc="0" normalizeH="0" baseline="0" noProof="0" dirty="0">
-              <a:ln>
-                <a:noFill/>
-              </a:ln>
-              <a:solidFill>
-                <a:prstClr val="black"/>
-              </a:solidFill>
-              <a:effectLst/>
-              <a:uLnTx/>
-              <a:uFillTx/>
-              <a:latin typeface="맑은 고딕" panose="020F0502020204030204"/>
-              <a:ea typeface="맑은 고딕" panose="020B0503020000020004" pitchFamily="50" charset="-127"/>
-              <a:cs typeface="+mn-cs"/>
-            </a:endParaRPr>
-          </a:p>
-        </p:txBody>
-      </p:sp>
-      <p:sp>
-        <p:nvSpPr>
-          <p:cNvPr id="6" name="직사각형 5">
-            <a:extLst>
-              <a:ext uri="{FF2B5EF4-FFF2-40B4-BE49-F238E27FC236}">
-                <a16:creationId xmlns:a16="http://schemas.microsoft.com/office/drawing/2014/main" id="{32657640-9EDE-C06F-B903-38ED5CFC43C4}"/>
-              </a:ext>
-            </a:extLst>
-          </p:cNvPr>
-          <p:cNvSpPr/>
-          <p:nvPr/>
-        </p:nvSpPr>
-        <p:spPr>
-          <a:xfrm>
-            <a:off x="785255" y="2923725"/>
-            <a:ext cx="1583473" cy="752553"/>
-          </a:xfrm>
-          <a:prstGeom prst="rect">
-            <a:avLst/>
-          </a:prstGeom>
-          <a:solidFill>
-            <a:schemeClr val="accent4">
-              <a:lumMod val="40000"/>
-              <a:lumOff val="60000"/>
-            </a:schemeClr>
-          </a:solidFill>
-        </p:spPr>
-        <p:style>
-          <a:lnRef idx="2">
-            <a:schemeClr val="accent1">
-              <a:shade val="15000"/>
-            </a:schemeClr>
-          </a:lnRef>
-          <a:fillRef idx="1">
-            <a:schemeClr val="accent1"/>
-          </a:fillRef>
-          <a:effectRef idx="0">
-            <a:schemeClr val="accent1"/>
-          </a:effectRef>
-          <a:fontRef idx="minor">
-            <a:schemeClr val="lt1"/>
-          </a:fontRef>
-        </p:style>
-        <p:txBody>
-          <a:bodyPr rtlCol="0" anchor="ctr"/>
-          <a:lstStyle/>
-          <a:p>
-            <a:pPr marL="0" marR="0" lvl="0" indent="0" algn="ctr" defTabSz="914400" rtl="0" eaLnBrk="1" fontAlgn="auto" latinLnBrk="1" hangingPunct="1">
-              <a:lnSpc>
-                <a:spcPct val="100000"/>
-              </a:lnSpc>
-              <a:spcBef>
-                <a:spcPts val="0"/>
-              </a:spcBef>
-              <a:spcAft>
-                <a:spcPts val="0"/>
-              </a:spcAft>
-              <a:buClrTx/>
-              <a:buSzTx/>
-              <a:buFontTx/>
-              <a:buNone/>
-              <a:tabLst/>
-              <a:defRPr/>
-            </a:pPr>
-            <a:r>
-              <a:rPr lang="en-US" altLang="ko-KR" dirty="0">
-                <a:solidFill>
-                  <a:prstClr val="black"/>
-                </a:solidFill>
-                <a:latin typeface="맑은 고딕" panose="020F0502020204030204"/>
-                <a:ea typeface="맑은 고딕" panose="020B0503020000020004" pitchFamily="50" charset="-127"/>
-              </a:rPr>
-              <a:t>image</a:t>
-            </a:r>
-            <a:r>
-              <a:rPr lang="ko-KR" altLang="en-US" dirty="0">
-                <a:solidFill>
-                  <a:prstClr val="black"/>
-                </a:solidFill>
-                <a:latin typeface="맑은 고딕" panose="020F0502020204030204"/>
-                <a:ea typeface="맑은 고딕" panose="020B0503020000020004" pitchFamily="50" charset="-127"/>
-              </a:rPr>
-              <a:t> </a:t>
-            </a:r>
-            <a:r>
-              <a:rPr lang="en-US" altLang="ko-KR" dirty="0">
-                <a:solidFill>
-                  <a:prstClr val="black"/>
-                </a:solidFill>
-                <a:latin typeface="맑은 고딕" panose="020F0502020204030204"/>
-                <a:ea typeface="맑은 고딕" panose="020B0503020000020004" pitchFamily="50" charset="-127"/>
-              </a:rPr>
-              <a:t>process</a:t>
-            </a:r>
-            <a:endParaRPr kumimoji="0" lang="ko-KR" altLang="en-US" sz="1800" b="0" i="0" u="none" strike="noStrike" kern="1200" cap="none" spc="0" normalizeH="0" baseline="0" noProof="0" dirty="0">
-              <a:ln>
-                <a:noFill/>
-              </a:ln>
-              <a:solidFill>
-                <a:prstClr val="black"/>
-              </a:solidFill>
-              <a:effectLst/>
-              <a:uLnTx/>
-              <a:uFillTx/>
-              <a:latin typeface="맑은 고딕" panose="020F0502020204030204"/>
-              <a:ea typeface="맑은 고딕" panose="020B0503020000020004" pitchFamily="50" charset="-127"/>
-              <a:cs typeface="+mn-cs"/>
-            </a:endParaRPr>
-          </a:p>
-        </p:txBody>
-      </p:sp>
-      <p:sp>
-        <p:nvSpPr>
-          <p:cNvPr id="7" name="직사각형 6">
-            <a:extLst>
-              <a:ext uri="{FF2B5EF4-FFF2-40B4-BE49-F238E27FC236}">
-                <a16:creationId xmlns:a16="http://schemas.microsoft.com/office/drawing/2014/main" id="{DB4E07A8-A3E1-9DD6-7B02-0FD22C147C72}"/>
-              </a:ext>
-            </a:extLst>
-          </p:cNvPr>
-          <p:cNvSpPr/>
-          <p:nvPr/>
-        </p:nvSpPr>
-        <p:spPr>
-          <a:xfrm>
-            <a:off x="8479262" y="3283997"/>
-            <a:ext cx="1761893" cy="752553"/>
-          </a:xfrm>
-          <a:prstGeom prst="rect">
-            <a:avLst/>
-          </a:prstGeom>
-          <a:solidFill>
-            <a:schemeClr val="accent4">
-              <a:lumMod val="40000"/>
-              <a:lumOff val="60000"/>
-            </a:schemeClr>
-          </a:solidFill>
-        </p:spPr>
-        <p:style>
-          <a:lnRef idx="2">
-            <a:schemeClr val="accent1">
-              <a:shade val="15000"/>
-            </a:schemeClr>
-          </a:lnRef>
-          <a:fillRef idx="1">
-            <a:schemeClr val="accent1"/>
-          </a:fillRef>
-          <a:effectRef idx="0">
-            <a:schemeClr val="accent1"/>
-          </a:effectRef>
-          <a:fontRef idx="minor">
-            <a:schemeClr val="lt1"/>
-          </a:fontRef>
-        </p:style>
-        <p:txBody>
-          <a:bodyPr rtlCol="0" anchor="ctr"/>
-          <a:lstStyle/>
-          <a:p>
-            <a:pPr marL="0" marR="0" lvl="0" indent="0" algn="ctr" defTabSz="914400" rtl="0" eaLnBrk="1" fontAlgn="auto" latinLnBrk="1" hangingPunct="1">
-              <a:lnSpc>
-                <a:spcPct val="100000"/>
-              </a:lnSpc>
-              <a:spcBef>
-                <a:spcPts val="0"/>
-              </a:spcBef>
-              <a:spcAft>
-                <a:spcPts val="0"/>
-              </a:spcAft>
-              <a:buClrTx/>
-              <a:buSzTx/>
-              <a:buFontTx/>
-              <a:buNone/>
-              <a:tabLst/>
-              <a:defRPr/>
-            </a:pPr>
-            <a:r>
-              <a:rPr kumimoji="0" lang="en-US" altLang="ko-KR" sz="1800" b="0" i="0" u="none" strike="noStrike" kern="1200" cap="none" spc="0" normalizeH="0" baseline="0" noProof="0" dirty="0">
-                <a:ln>
-                  <a:noFill/>
-                </a:ln>
-                <a:solidFill>
-                  <a:prstClr val="black"/>
-                </a:solidFill>
-                <a:effectLst/>
-                <a:uLnTx/>
-                <a:uFillTx/>
-                <a:latin typeface="맑은 고딕" panose="020F0502020204030204"/>
-                <a:ea typeface="맑은 고딕" panose="020B0503020000020004" pitchFamily="50" charset="-127"/>
-                <a:cs typeface="+mn-cs"/>
-              </a:rPr>
-              <a:t>image sender</a:t>
-            </a:r>
-            <a:endParaRPr kumimoji="0" lang="ko-KR" altLang="en-US" sz="1800" b="0" i="0" u="none" strike="noStrike" kern="1200" cap="none" spc="0" normalizeH="0" baseline="0" noProof="0" dirty="0">
-              <a:ln>
-                <a:noFill/>
-              </a:ln>
-              <a:solidFill>
-                <a:prstClr val="black"/>
-              </a:solidFill>
-              <a:effectLst/>
-              <a:uLnTx/>
-              <a:uFillTx/>
-              <a:latin typeface="맑은 고딕" panose="020F0502020204030204"/>
-              <a:ea typeface="맑은 고딕" panose="020B0503020000020004" pitchFamily="50" charset="-127"/>
-              <a:cs typeface="+mn-cs"/>
-            </a:endParaRPr>
-          </a:p>
-        </p:txBody>
-      </p:sp>
-      <p:sp>
-        <p:nvSpPr>
-          <p:cNvPr id="8" name="직사각형 7">
-            <a:extLst>
-              <a:ext uri="{FF2B5EF4-FFF2-40B4-BE49-F238E27FC236}">
-                <a16:creationId xmlns:a16="http://schemas.microsoft.com/office/drawing/2014/main" id="{6A7D4841-58CF-4B5D-3346-B42AE09DFF80}"/>
-              </a:ext>
-            </a:extLst>
-          </p:cNvPr>
-          <p:cNvSpPr/>
-          <p:nvPr/>
-        </p:nvSpPr>
-        <p:spPr>
-          <a:xfrm>
-            <a:off x="2831791" y="2939891"/>
-            <a:ext cx="1583473" cy="752553"/>
-          </a:xfrm>
-          <a:prstGeom prst="rect">
-            <a:avLst/>
-          </a:prstGeom>
-          <a:solidFill>
-            <a:schemeClr val="accent4">
-              <a:lumMod val="40000"/>
-              <a:lumOff val="60000"/>
-            </a:schemeClr>
-          </a:solidFill>
-        </p:spPr>
-        <p:style>
-          <a:lnRef idx="2">
-            <a:schemeClr val="accent1">
-              <a:shade val="15000"/>
-            </a:schemeClr>
-          </a:lnRef>
-          <a:fillRef idx="1">
-            <a:schemeClr val="accent1"/>
-          </a:fillRef>
-          <a:effectRef idx="0">
-            <a:schemeClr val="accent1"/>
-          </a:effectRef>
-          <a:fontRef idx="minor">
-            <a:schemeClr val="lt1"/>
-          </a:fontRef>
-        </p:style>
-        <p:txBody>
-          <a:bodyPr rtlCol="0" anchor="ctr"/>
-          <a:lstStyle/>
-          <a:p>
-            <a:pPr marL="0" marR="0" lvl="0" indent="0" algn="ctr" defTabSz="914400" rtl="0" eaLnBrk="1" fontAlgn="auto" latinLnBrk="1" hangingPunct="1">
-              <a:lnSpc>
-                <a:spcPct val="100000"/>
-              </a:lnSpc>
-              <a:spcBef>
-                <a:spcPts val="0"/>
-              </a:spcBef>
-              <a:spcAft>
-                <a:spcPts val="0"/>
-              </a:spcAft>
-              <a:buClrTx/>
-              <a:buSzTx/>
-              <a:buFontTx/>
-              <a:buNone/>
-              <a:tabLst/>
-              <a:defRPr/>
-            </a:pPr>
-            <a:r>
-              <a:rPr kumimoji="0" lang="en-US" altLang="ko-KR" sz="1800" b="0" i="0" u="none" strike="noStrike" kern="1200" cap="none" spc="0" normalizeH="0" baseline="0" noProof="0" dirty="0">
-                <a:ln>
-                  <a:noFill/>
-                </a:ln>
-                <a:solidFill>
-                  <a:prstClr val="black"/>
-                </a:solidFill>
-                <a:effectLst/>
-                <a:uLnTx/>
-                <a:uFillTx/>
-                <a:latin typeface="맑은 고딕" panose="020F0502020204030204"/>
-                <a:ea typeface="맑은 고딕" panose="020B0503020000020004" pitchFamily="50" charset="-127"/>
-                <a:cs typeface="+mn-cs"/>
-              </a:rPr>
-              <a:t>motor</a:t>
-            </a:r>
-          </a:p>
-          <a:p>
-            <a:pPr marL="0" marR="0" lvl="0" indent="0" algn="ctr" defTabSz="914400" rtl="0" eaLnBrk="1" fontAlgn="auto" latinLnBrk="1" hangingPunct="1">
-              <a:lnSpc>
-                <a:spcPct val="100000"/>
-              </a:lnSpc>
-              <a:spcBef>
-                <a:spcPts val="0"/>
-              </a:spcBef>
-              <a:spcAft>
-                <a:spcPts val="0"/>
-              </a:spcAft>
-              <a:buClrTx/>
-              <a:buSzTx/>
-              <a:buFontTx/>
-              <a:buNone/>
-              <a:tabLst/>
-              <a:defRPr/>
-            </a:pPr>
-            <a:r>
-              <a:rPr kumimoji="0" lang="en-US" altLang="ko-KR" sz="1800" b="0" i="0" u="none" strike="noStrike" kern="1200" cap="none" spc="0" normalizeH="0" baseline="0" noProof="0" dirty="0">
-                <a:ln>
-                  <a:noFill/>
-                </a:ln>
-                <a:solidFill>
-                  <a:prstClr val="black"/>
-                </a:solidFill>
-                <a:effectLst/>
-                <a:uLnTx/>
-                <a:uFillTx/>
-                <a:latin typeface="맑은 고딕" panose="020F0502020204030204"/>
-                <a:ea typeface="맑은 고딕" panose="020B0503020000020004" pitchFamily="50" charset="-127"/>
-                <a:cs typeface="+mn-cs"/>
-              </a:rPr>
-              <a:t>process</a:t>
-            </a:r>
-            <a:endParaRPr kumimoji="0" lang="ko-KR" altLang="en-US" sz="1800" b="0" i="0" u="none" strike="noStrike" kern="1200" cap="none" spc="0" normalizeH="0" baseline="0" noProof="0" dirty="0">
-              <a:ln>
-                <a:noFill/>
-              </a:ln>
-              <a:solidFill>
-                <a:prstClr val="black"/>
-              </a:solidFill>
-              <a:effectLst/>
-              <a:uLnTx/>
-              <a:uFillTx/>
-              <a:latin typeface="맑은 고딕" panose="020F0502020204030204"/>
-              <a:ea typeface="맑은 고딕" panose="020B0503020000020004" pitchFamily="50" charset="-127"/>
-              <a:cs typeface="+mn-cs"/>
-            </a:endParaRPr>
-          </a:p>
-        </p:txBody>
-      </p:sp>
-      <p:sp>
-        <p:nvSpPr>
-          <p:cNvPr id="9" name="직사각형 8">
-            <a:extLst>
-              <a:ext uri="{FF2B5EF4-FFF2-40B4-BE49-F238E27FC236}">
-                <a16:creationId xmlns:a16="http://schemas.microsoft.com/office/drawing/2014/main" id="{FE825840-1905-D796-0F2F-C45CDF8E9754}"/>
-              </a:ext>
-            </a:extLst>
-          </p:cNvPr>
-          <p:cNvSpPr/>
-          <p:nvPr/>
-        </p:nvSpPr>
-        <p:spPr>
-          <a:xfrm>
-            <a:off x="8479262" y="3989415"/>
-            <a:ext cx="1761893" cy="752553"/>
-          </a:xfrm>
-          <a:prstGeom prst="rect">
-            <a:avLst/>
-          </a:prstGeom>
-          <a:solidFill>
-            <a:schemeClr val="accent4">
-              <a:lumMod val="40000"/>
-              <a:lumOff val="60000"/>
-            </a:schemeClr>
-          </a:solidFill>
-        </p:spPr>
-        <p:style>
-          <a:lnRef idx="2">
-            <a:schemeClr val="accent1">
-              <a:shade val="15000"/>
-            </a:schemeClr>
-          </a:lnRef>
-          <a:fillRef idx="1">
-            <a:schemeClr val="accent1"/>
-          </a:fillRef>
-          <a:effectRef idx="0">
-            <a:schemeClr val="accent1"/>
-          </a:effectRef>
-          <a:fontRef idx="minor">
-            <a:schemeClr val="lt1"/>
-          </a:fontRef>
-        </p:style>
-        <p:txBody>
-          <a:bodyPr rtlCol="0" anchor="ctr"/>
-          <a:lstStyle/>
-          <a:p>
-            <a:pPr marL="0" marR="0" lvl="0" indent="0" algn="ctr" defTabSz="914400" rtl="0" eaLnBrk="1" fontAlgn="auto" latinLnBrk="1" hangingPunct="1">
-              <a:lnSpc>
-                <a:spcPct val="100000"/>
-              </a:lnSpc>
-              <a:spcBef>
-                <a:spcPts val="0"/>
-              </a:spcBef>
-              <a:spcAft>
-                <a:spcPts val="0"/>
-              </a:spcAft>
-              <a:buClrTx/>
-              <a:buSzTx/>
-              <a:buFontTx/>
-              <a:buNone/>
-              <a:tabLst/>
-              <a:defRPr/>
-            </a:pPr>
-            <a:r>
-              <a:rPr kumimoji="0" lang="en-US" altLang="ko-KR" sz="1800" b="0" i="0" u="none" strike="noStrike" kern="1200" cap="none" spc="0" normalizeH="0" baseline="0" noProof="0" dirty="0">
-                <a:ln>
-                  <a:noFill/>
-                </a:ln>
-                <a:solidFill>
-                  <a:prstClr val="black"/>
-                </a:solidFill>
-                <a:effectLst/>
-                <a:uLnTx/>
-                <a:uFillTx/>
-                <a:latin typeface="맑은 고딕" panose="020F0502020204030204"/>
-                <a:ea typeface="맑은 고딕" panose="020B0503020000020004" pitchFamily="50" charset="-127"/>
-                <a:cs typeface="+mn-cs"/>
-              </a:rPr>
-              <a:t>signal </a:t>
-            </a:r>
-            <a:r>
-              <a:rPr kumimoji="0" lang="en-US" altLang="ko-KR" sz="1800" b="0" i="0" u="none" strike="noStrike" kern="1200" cap="none" spc="0" normalizeH="0" baseline="0" noProof="0" dirty="0" err="1">
-                <a:ln>
-                  <a:noFill/>
-                </a:ln>
-                <a:solidFill>
-                  <a:prstClr val="black"/>
-                </a:solidFill>
-                <a:effectLst/>
-                <a:uLnTx/>
-                <a:uFillTx/>
-                <a:latin typeface="맑은 고딕" panose="020F0502020204030204"/>
-                <a:ea typeface="맑은 고딕" panose="020B0503020000020004" pitchFamily="50" charset="-127"/>
-                <a:cs typeface="+mn-cs"/>
-              </a:rPr>
-              <a:t>recevier</a:t>
-            </a:r>
-            <a:endParaRPr kumimoji="0" lang="ko-KR" altLang="en-US" sz="1800" b="0" i="0" u="none" strike="noStrike" kern="1200" cap="none" spc="0" normalizeH="0" baseline="0" noProof="0" dirty="0">
-              <a:ln>
-                <a:noFill/>
-              </a:ln>
-              <a:solidFill>
-                <a:prstClr val="black"/>
-              </a:solidFill>
-              <a:effectLst/>
-              <a:uLnTx/>
-              <a:uFillTx/>
-              <a:latin typeface="맑은 고딕" panose="020F0502020204030204"/>
-              <a:ea typeface="맑은 고딕" panose="020B0503020000020004" pitchFamily="50" charset="-127"/>
-              <a:cs typeface="+mn-cs"/>
-            </a:endParaRPr>
-          </a:p>
-        </p:txBody>
-      </p:sp>
-      <p:sp>
-        <p:nvSpPr>
-          <p:cNvPr id="10" name="직사각형 9">
-            <a:extLst>
-              <a:ext uri="{FF2B5EF4-FFF2-40B4-BE49-F238E27FC236}">
-                <a16:creationId xmlns:a16="http://schemas.microsoft.com/office/drawing/2014/main" id="{3E4A348B-5190-7F12-A858-3DBB6848240A}"/>
-              </a:ext>
-            </a:extLst>
-          </p:cNvPr>
-          <p:cNvSpPr/>
-          <p:nvPr/>
-        </p:nvSpPr>
-        <p:spPr>
-          <a:xfrm>
-            <a:off x="2831792" y="3676278"/>
-            <a:ext cx="1583473" cy="752553"/>
-          </a:xfrm>
-          <a:prstGeom prst="rect">
-            <a:avLst/>
-          </a:prstGeom>
-          <a:solidFill>
-            <a:schemeClr val="accent4">
-              <a:lumMod val="40000"/>
-              <a:lumOff val="60000"/>
-            </a:schemeClr>
-          </a:solidFill>
-        </p:spPr>
-        <p:style>
-          <a:lnRef idx="2">
-            <a:schemeClr val="accent1">
-              <a:shade val="15000"/>
-            </a:schemeClr>
-          </a:lnRef>
-          <a:fillRef idx="1">
-            <a:schemeClr val="accent1"/>
-          </a:fillRef>
-          <a:effectRef idx="0">
-            <a:schemeClr val="accent1"/>
-          </a:effectRef>
-          <a:fontRef idx="minor">
-            <a:schemeClr val="lt1"/>
-          </a:fontRef>
-        </p:style>
-        <p:txBody>
-          <a:bodyPr rtlCol="0" anchor="ctr"/>
-          <a:lstStyle/>
-          <a:p>
-            <a:pPr marL="0" marR="0" lvl="0" indent="0" algn="ctr" defTabSz="914400" rtl="0" eaLnBrk="1" fontAlgn="auto" latinLnBrk="1" hangingPunct="1">
-              <a:lnSpc>
-                <a:spcPct val="100000"/>
-              </a:lnSpc>
-              <a:spcBef>
-                <a:spcPts val="0"/>
-              </a:spcBef>
-              <a:spcAft>
-                <a:spcPts val="0"/>
-              </a:spcAft>
-              <a:buClrTx/>
-              <a:buSzTx/>
-              <a:buFontTx/>
-              <a:buNone/>
-              <a:tabLst/>
-              <a:defRPr/>
-            </a:pPr>
-            <a:r>
-              <a:rPr kumimoji="0" lang="en-US" altLang="ko-KR" sz="1800" b="0" i="0" u="none" strike="noStrike" kern="1200" cap="none" spc="0" normalizeH="0" baseline="0" noProof="0" dirty="0">
-                <a:ln>
-                  <a:noFill/>
-                </a:ln>
-                <a:solidFill>
-                  <a:prstClr val="black"/>
-                </a:solidFill>
-                <a:effectLst/>
-                <a:uLnTx/>
-                <a:uFillTx/>
-                <a:latin typeface="맑은 고딕" panose="020F0502020204030204"/>
-                <a:ea typeface="맑은 고딕" panose="020B0503020000020004" pitchFamily="50" charset="-127"/>
-                <a:cs typeface="+mn-cs"/>
-              </a:rPr>
-              <a:t>collusion</a:t>
-            </a:r>
-            <a:endParaRPr kumimoji="0" lang="ko-KR" altLang="en-US" sz="1800" b="0" i="0" u="none" strike="noStrike" kern="1200" cap="none" spc="0" normalizeH="0" baseline="0" noProof="0" dirty="0">
-              <a:ln>
-                <a:noFill/>
-              </a:ln>
-              <a:solidFill>
-                <a:prstClr val="black"/>
-              </a:solidFill>
-              <a:effectLst/>
-              <a:uLnTx/>
-              <a:uFillTx/>
-              <a:latin typeface="맑은 고딕" panose="020F0502020204030204"/>
-              <a:ea typeface="맑은 고딕" panose="020B0503020000020004" pitchFamily="50" charset="-127"/>
-              <a:cs typeface="+mn-cs"/>
-            </a:endParaRPr>
-          </a:p>
-        </p:txBody>
-      </p:sp>
-      <p:sp>
-        <p:nvSpPr>
-          <p:cNvPr id="3" name="사각형: 둥근 모서리 2">
-            <a:extLst>
-              <a:ext uri="{FF2B5EF4-FFF2-40B4-BE49-F238E27FC236}">
-                <a16:creationId xmlns:a16="http://schemas.microsoft.com/office/drawing/2014/main" id="{DBDB9A8B-564F-2C0C-73E1-48E74F825579}"/>
-              </a:ext>
-            </a:extLst>
-          </p:cNvPr>
-          <p:cNvSpPr/>
-          <p:nvPr/>
-        </p:nvSpPr>
-        <p:spPr>
-          <a:xfrm>
-            <a:off x="258337" y="366324"/>
-            <a:ext cx="3211551" cy="1006167"/>
-          </a:xfrm>
-          <a:prstGeom prst="roundRect">
-            <a:avLst/>
-          </a:prstGeom>
-          <a:solidFill>
-            <a:schemeClr val="tx1">
-              <a:lumMod val="50000"/>
-              <a:lumOff val="50000"/>
-            </a:schemeClr>
-          </a:solidFill>
-        </p:spPr>
-        <p:style>
-          <a:lnRef idx="2">
-            <a:schemeClr val="accent1">
-              <a:shade val="15000"/>
-            </a:schemeClr>
-          </a:lnRef>
-          <a:fillRef idx="1">
-            <a:schemeClr val="accent1"/>
-          </a:fillRef>
-          <a:effectRef idx="0">
-            <a:schemeClr val="accent1"/>
-          </a:effectRef>
-          <a:fontRef idx="minor">
-            <a:schemeClr val="lt1"/>
-          </a:fontRef>
-        </p:style>
-        <p:txBody>
-          <a:bodyPr rtlCol="0" anchor="ctr"/>
-          <a:lstStyle/>
-          <a:p>
-            <a:pPr algn="ctr"/>
-            <a:r>
-              <a:rPr lang="en-US" altLang="ko-KR" dirty="0"/>
-              <a:t>SW </a:t>
-            </a:r>
-            <a:r>
-              <a:rPr lang="ko-KR" altLang="en-US" dirty="0"/>
-              <a:t>구성도</a:t>
-            </a:r>
-          </a:p>
-        </p:txBody>
-      </p:sp>
-      <p:sp>
-        <p:nvSpPr>
-          <p:cNvPr id="16" name="사각형: 둥근 모서리 15">
-            <a:extLst>
-              <a:ext uri="{FF2B5EF4-FFF2-40B4-BE49-F238E27FC236}">
-                <a16:creationId xmlns:a16="http://schemas.microsoft.com/office/drawing/2014/main" id="{A5765013-A8AA-C332-3D1B-6B25051C50DE}"/>
-              </a:ext>
-            </a:extLst>
-          </p:cNvPr>
-          <p:cNvSpPr/>
-          <p:nvPr/>
-        </p:nvSpPr>
-        <p:spPr>
-          <a:xfrm>
-            <a:off x="1576990" y="1564406"/>
-            <a:ext cx="1811947" cy="584721"/>
-          </a:xfrm>
-          <a:prstGeom prst="roundRect">
-            <a:avLst/>
-          </a:prstGeom>
-          <a:solidFill>
-            <a:schemeClr val="tx1">
-              <a:lumMod val="50000"/>
-              <a:lumOff val="50000"/>
-            </a:schemeClr>
-          </a:solidFill>
-        </p:spPr>
-        <p:style>
-          <a:lnRef idx="2">
-            <a:schemeClr val="accent1">
-              <a:shade val="15000"/>
-            </a:schemeClr>
-          </a:lnRef>
-          <a:fillRef idx="1">
-            <a:schemeClr val="accent1"/>
-          </a:fillRef>
-          <a:effectRef idx="0">
-            <a:schemeClr val="accent1"/>
-          </a:effectRef>
-          <a:fontRef idx="minor">
-            <a:schemeClr val="lt1"/>
-          </a:fontRef>
-        </p:style>
-        <p:txBody>
-          <a:bodyPr rtlCol="0" anchor="ctr"/>
-          <a:lstStyle/>
-          <a:p>
-            <a:pPr algn="ctr"/>
-            <a:r>
-              <a:rPr lang="ko-KR" altLang="en-US"/>
-              <a:t>모듈 제어</a:t>
-            </a:r>
-            <a:endParaRPr lang="ko-KR" altLang="en-US" dirty="0"/>
-          </a:p>
-        </p:txBody>
-      </p:sp>
-      <p:sp>
-        <p:nvSpPr>
-          <p:cNvPr id="17" name="사각형: 둥근 모서리 16">
-            <a:extLst>
-              <a:ext uri="{FF2B5EF4-FFF2-40B4-BE49-F238E27FC236}">
-                <a16:creationId xmlns:a16="http://schemas.microsoft.com/office/drawing/2014/main" id="{5F5CDFBE-2388-6DDA-98DE-FD85D2201FC3}"/>
-              </a:ext>
-            </a:extLst>
-          </p:cNvPr>
-          <p:cNvSpPr/>
-          <p:nvPr/>
-        </p:nvSpPr>
-        <p:spPr>
-          <a:xfrm>
-            <a:off x="8481009" y="1564406"/>
-            <a:ext cx="1811947" cy="584721"/>
-          </a:xfrm>
-          <a:prstGeom prst="roundRect">
-            <a:avLst/>
-          </a:prstGeom>
-          <a:solidFill>
-            <a:schemeClr val="tx1">
-              <a:lumMod val="50000"/>
-              <a:lumOff val="50000"/>
-            </a:schemeClr>
-          </a:solidFill>
-        </p:spPr>
-        <p:style>
-          <a:lnRef idx="2">
-            <a:schemeClr val="accent1">
-              <a:shade val="15000"/>
-            </a:schemeClr>
-          </a:lnRef>
-          <a:fillRef idx="1">
-            <a:schemeClr val="accent1"/>
-          </a:fillRef>
-          <a:effectRef idx="0">
-            <a:schemeClr val="accent1"/>
-          </a:effectRef>
-          <a:fontRef idx="minor">
-            <a:schemeClr val="lt1"/>
-          </a:fontRef>
-        </p:style>
-        <p:txBody>
-          <a:bodyPr rtlCol="0" anchor="ctr"/>
-          <a:lstStyle/>
-          <a:p>
-            <a:pPr algn="ctr"/>
-            <a:r>
-              <a:rPr lang="ko-KR" altLang="en-US" dirty="0"/>
-              <a:t>이미지 처리</a:t>
-            </a:r>
-          </a:p>
-        </p:txBody>
-      </p:sp>
-      <p:sp>
-        <p:nvSpPr>
-          <p:cNvPr id="19" name="직사각형 18">
-            <a:extLst>
-              <a:ext uri="{FF2B5EF4-FFF2-40B4-BE49-F238E27FC236}">
-                <a16:creationId xmlns:a16="http://schemas.microsoft.com/office/drawing/2014/main" id="{E608C1F0-96FB-2AB6-D5C4-ED94A0FF1A86}"/>
-              </a:ext>
-            </a:extLst>
-          </p:cNvPr>
-          <p:cNvSpPr/>
-          <p:nvPr/>
-        </p:nvSpPr>
-        <p:spPr>
-          <a:xfrm>
-            <a:off x="8479261" y="2539413"/>
-            <a:ext cx="1761893" cy="752553"/>
-          </a:xfrm>
-          <a:prstGeom prst="rect">
-            <a:avLst/>
-          </a:prstGeom>
-          <a:solidFill>
-            <a:schemeClr val="accent4">
-              <a:lumMod val="40000"/>
-              <a:lumOff val="60000"/>
-            </a:schemeClr>
-          </a:solidFill>
-        </p:spPr>
-        <p:style>
-          <a:lnRef idx="2">
-            <a:schemeClr val="accent1">
-              <a:shade val="15000"/>
-            </a:schemeClr>
-          </a:lnRef>
-          <a:fillRef idx="1">
-            <a:schemeClr val="accent1"/>
-          </a:fillRef>
-          <a:effectRef idx="0">
-            <a:schemeClr val="accent1"/>
-          </a:effectRef>
-          <a:fontRef idx="minor">
-            <a:schemeClr val="lt1"/>
-          </a:fontRef>
-        </p:style>
-        <p:txBody>
-          <a:bodyPr rtlCol="0" anchor="ctr"/>
-          <a:lstStyle/>
-          <a:p>
-            <a:pPr marL="0" marR="0" lvl="0" indent="0" algn="ctr" defTabSz="914400" rtl="0" eaLnBrk="1" fontAlgn="auto" latinLnBrk="1" hangingPunct="1">
-              <a:lnSpc>
-                <a:spcPct val="100000"/>
-              </a:lnSpc>
-              <a:spcBef>
-                <a:spcPts val="0"/>
-              </a:spcBef>
-              <a:spcAft>
-                <a:spcPts val="0"/>
-              </a:spcAft>
-              <a:buClrTx/>
-              <a:buSzTx/>
-              <a:buFontTx/>
-              <a:buNone/>
-              <a:tabLst/>
-              <a:defRPr/>
-            </a:pPr>
-            <a:r>
-              <a:rPr kumimoji="0" lang="en-US" altLang="ko-KR" sz="1800" b="0" i="0" u="none" strike="noStrike" kern="1200" cap="none" spc="0" normalizeH="0" baseline="0" noProof="0" dirty="0">
-                <a:ln>
-                  <a:noFill/>
-                </a:ln>
-                <a:solidFill>
-                  <a:prstClr val="black"/>
-                </a:solidFill>
-                <a:effectLst/>
-                <a:uLnTx/>
-                <a:uFillTx/>
-                <a:latin typeface="맑은 고딕" panose="020F0502020204030204"/>
-                <a:ea typeface="맑은 고딕" panose="020B0503020000020004" pitchFamily="50" charset="-127"/>
-                <a:cs typeface="+mn-cs"/>
-              </a:rPr>
-              <a:t>MQTT protocol</a:t>
-            </a:r>
-            <a:endParaRPr kumimoji="0" lang="ko-KR" altLang="en-US" sz="1800" b="0" i="0" u="none" strike="noStrike" kern="1200" cap="none" spc="0" normalizeH="0" baseline="0" noProof="0" dirty="0">
-              <a:ln>
-                <a:noFill/>
-              </a:ln>
-              <a:solidFill>
-                <a:prstClr val="black"/>
-              </a:solidFill>
-              <a:effectLst/>
-              <a:uLnTx/>
-              <a:uFillTx/>
-              <a:latin typeface="맑은 고딕" panose="020F0502020204030204"/>
-              <a:ea typeface="맑은 고딕" panose="020B0503020000020004" pitchFamily="50" charset="-127"/>
-              <a:cs typeface="+mn-cs"/>
-            </a:endParaRPr>
-          </a:p>
-        </p:txBody>
-      </p:sp>
-      <p:sp>
-        <p:nvSpPr>
-          <p:cNvPr id="20" name="사각형: 둥근 모서리 19">
-            <a:extLst>
-              <a:ext uri="{FF2B5EF4-FFF2-40B4-BE49-F238E27FC236}">
-                <a16:creationId xmlns:a16="http://schemas.microsoft.com/office/drawing/2014/main" id="{C87034BD-74CB-D333-E44D-8652C06653D9}"/>
-              </a:ext>
-            </a:extLst>
-          </p:cNvPr>
-          <p:cNvSpPr/>
-          <p:nvPr/>
-        </p:nvSpPr>
-        <p:spPr>
-          <a:xfrm>
-            <a:off x="5142779" y="1564406"/>
-            <a:ext cx="1811947" cy="584721"/>
-          </a:xfrm>
-          <a:prstGeom prst="roundRect">
-            <a:avLst/>
-          </a:prstGeom>
-          <a:solidFill>
-            <a:schemeClr val="tx1">
-              <a:lumMod val="50000"/>
-              <a:lumOff val="50000"/>
-            </a:schemeClr>
-          </a:solidFill>
-        </p:spPr>
-        <p:style>
-          <a:lnRef idx="2">
-            <a:schemeClr val="accent1">
-              <a:shade val="15000"/>
-            </a:schemeClr>
-          </a:lnRef>
-          <a:fillRef idx="1">
-            <a:schemeClr val="accent1"/>
-          </a:fillRef>
-          <a:effectRef idx="0">
-            <a:schemeClr val="accent1"/>
-          </a:effectRef>
-          <a:fontRef idx="minor">
-            <a:schemeClr val="lt1"/>
-          </a:fontRef>
-        </p:style>
-        <p:txBody>
-          <a:bodyPr rtlCol="0" anchor="ctr"/>
-          <a:lstStyle/>
-          <a:p>
-            <a:pPr algn="ctr"/>
-            <a:r>
-              <a:rPr lang="ko-KR" altLang="en-US" dirty="0"/>
-              <a:t>중앙 제어</a:t>
-            </a:r>
-          </a:p>
-        </p:txBody>
-      </p:sp>
-      <p:sp>
-        <p:nvSpPr>
-          <p:cNvPr id="21" name="직사각형 20">
-            <a:extLst>
-              <a:ext uri="{FF2B5EF4-FFF2-40B4-BE49-F238E27FC236}">
-                <a16:creationId xmlns:a16="http://schemas.microsoft.com/office/drawing/2014/main" id="{B5025705-C79B-6053-84AB-7B7BD6C54BA4}"/>
-              </a:ext>
-            </a:extLst>
-          </p:cNvPr>
-          <p:cNvSpPr/>
-          <p:nvPr/>
-        </p:nvSpPr>
-        <p:spPr>
-          <a:xfrm>
-            <a:off x="5257015" y="2539450"/>
-            <a:ext cx="1583473" cy="752553"/>
-          </a:xfrm>
-          <a:prstGeom prst="rect">
-            <a:avLst/>
-          </a:prstGeom>
-          <a:solidFill>
-            <a:schemeClr val="accent4">
-              <a:lumMod val="40000"/>
-              <a:lumOff val="60000"/>
-            </a:schemeClr>
-          </a:solidFill>
-        </p:spPr>
-        <p:style>
-          <a:lnRef idx="2">
-            <a:schemeClr val="accent1">
-              <a:shade val="15000"/>
-            </a:schemeClr>
-          </a:lnRef>
-          <a:fillRef idx="1">
-            <a:schemeClr val="accent1"/>
-          </a:fillRef>
-          <a:effectRef idx="0">
-            <a:schemeClr val="accent1"/>
-          </a:effectRef>
-          <a:fontRef idx="minor">
-            <a:schemeClr val="lt1"/>
-          </a:fontRef>
-        </p:style>
-        <p:txBody>
-          <a:bodyPr rtlCol="0" anchor="ctr"/>
-          <a:lstStyle/>
-          <a:p>
-            <a:pPr marL="0" marR="0" lvl="0" indent="0" algn="ctr" defTabSz="914400" rtl="0" eaLnBrk="1" fontAlgn="auto" latinLnBrk="1" hangingPunct="1">
-              <a:lnSpc>
-                <a:spcPct val="100000"/>
-              </a:lnSpc>
-              <a:spcBef>
-                <a:spcPts val="0"/>
-              </a:spcBef>
-              <a:spcAft>
-                <a:spcPts val="0"/>
-              </a:spcAft>
-              <a:buClrTx/>
-              <a:buSzTx/>
-              <a:buFontTx/>
-              <a:buNone/>
-              <a:tabLst/>
-              <a:defRPr/>
-            </a:pPr>
-            <a:r>
-              <a:rPr kumimoji="0" lang="ko-KR" altLang="en-US" sz="1800" b="0" i="0" u="none" strike="noStrike" kern="1200" cap="none" spc="0" normalizeH="0" baseline="0" noProof="0" dirty="0">
-                <a:ln>
-                  <a:noFill/>
-                </a:ln>
-                <a:solidFill>
-                  <a:prstClr val="black"/>
-                </a:solidFill>
-                <a:effectLst/>
-                <a:uLnTx/>
-                <a:uFillTx/>
-                <a:latin typeface="맑은 고딕" panose="020F0502020204030204"/>
-                <a:ea typeface="맑은 고딕" panose="020B0503020000020004" pitchFamily="50" charset="-127"/>
-                <a:cs typeface="+mn-cs"/>
-              </a:rPr>
-              <a:t>핀 초기화</a:t>
-            </a:r>
-          </a:p>
-        </p:txBody>
-      </p:sp>
-      <p:sp>
-        <p:nvSpPr>
-          <p:cNvPr id="22" name="직사각형 21">
-            <a:extLst>
-              <a:ext uri="{FF2B5EF4-FFF2-40B4-BE49-F238E27FC236}">
-                <a16:creationId xmlns:a16="http://schemas.microsoft.com/office/drawing/2014/main" id="{4F9797CB-7E16-920D-631D-0F53E88CEDDD}"/>
-              </a:ext>
-            </a:extLst>
-          </p:cNvPr>
-          <p:cNvSpPr/>
-          <p:nvPr/>
-        </p:nvSpPr>
-        <p:spPr>
-          <a:xfrm>
-            <a:off x="5257014" y="3291966"/>
-            <a:ext cx="1583473" cy="752553"/>
-          </a:xfrm>
-          <a:prstGeom prst="rect">
-            <a:avLst/>
-          </a:prstGeom>
-          <a:solidFill>
-            <a:schemeClr val="accent4">
-              <a:lumMod val="40000"/>
-              <a:lumOff val="60000"/>
-            </a:schemeClr>
-          </a:solidFill>
-        </p:spPr>
-        <p:style>
-          <a:lnRef idx="2">
-            <a:schemeClr val="accent1">
-              <a:shade val="15000"/>
-            </a:schemeClr>
-          </a:lnRef>
-          <a:fillRef idx="1">
-            <a:schemeClr val="accent1"/>
-          </a:fillRef>
-          <a:effectRef idx="0">
-            <a:schemeClr val="accent1"/>
-          </a:effectRef>
-          <a:fontRef idx="minor">
-            <a:schemeClr val="lt1"/>
-          </a:fontRef>
-        </p:style>
-        <p:txBody>
-          <a:bodyPr rtlCol="0" anchor="ctr"/>
-          <a:lstStyle/>
-          <a:p>
-            <a:pPr marL="0" marR="0" lvl="0" indent="0" algn="ctr" defTabSz="914400" rtl="0" eaLnBrk="1" fontAlgn="auto" latinLnBrk="1" hangingPunct="1">
-              <a:lnSpc>
-                <a:spcPct val="100000"/>
-              </a:lnSpc>
-              <a:spcBef>
-                <a:spcPts val="0"/>
-              </a:spcBef>
-              <a:spcAft>
-                <a:spcPts val="0"/>
-              </a:spcAft>
-              <a:buClrTx/>
-              <a:buSzTx/>
-              <a:buFontTx/>
-              <a:buNone/>
-              <a:tabLst/>
-              <a:defRPr/>
-            </a:pPr>
-            <a:r>
-              <a:rPr kumimoji="0" lang="ko-KR" altLang="en-US" sz="1800" b="0" i="0" u="none" strike="noStrike" kern="1200" cap="none" spc="0" normalizeH="0" baseline="0" noProof="0" dirty="0">
-                <a:ln>
-                  <a:noFill/>
-                </a:ln>
-                <a:solidFill>
-                  <a:prstClr val="black"/>
-                </a:solidFill>
-                <a:effectLst/>
-                <a:uLnTx/>
-                <a:uFillTx/>
-                <a:latin typeface="맑은 고딕" panose="020F0502020204030204"/>
-                <a:ea typeface="맑은 고딕" panose="020B0503020000020004" pitchFamily="50" charset="-127"/>
-                <a:cs typeface="+mn-cs"/>
-              </a:rPr>
-              <a:t>모듈 작동</a:t>
-            </a:r>
-          </a:p>
-        </p:txBody>
-      </p:sp>
-      <p:sp>
-        <p:nvSpPr>
-          <p:cNvPr id="23" name="직사각형 22">
-            <a:extLst>
-              <a:ext uri="{FF2B5EF4-FFF2-40B4-BE49-F238E27FC236}">
-                <a16:creationId xmlns:a16="http://schemas.microsoft.com/office/drawing/2014/main" id="{C2796C5E-42F3-D24C-A4EC-82FC8EAA356C}"/>
-              </a:ext>
-            </a:extLst>
-          </p:cNvPr>
-          <p:cNvSpPr/>
-          <p:nvPr/>
-        </p:nvSpPr>
-        <p:spPr>
-          <a:xfrm>
-            <a:off x="5241691" y="4044482"/>
-            <a:ext cx="1583473" cy="752553"/>
-          </a:xfrm>
-          <a:prstGeom prst="rect">
-            <a:avLst/>
-          </a:prstGeom>
-          <a:solidFill>
-            <a:schemeClr val="accent4">
-              <a:lumMod val="40000"/>
-              <a:lumOff val="60000"/>
-            </a:schemeClr>
-          </a:solidFill>
-        </p:spPr>
-        <p:style>
-          <a:lnRef idx="2">
-            <a:schemeClr val="accent1">
-              <a:shade val="15000"/>
-            </a:schemeClr>
-          </a:lnRef>
-          <a:fillRef idx="1">
-            <a:schemeClr val="accent1"/>
-          </a:fillRef>
-          <a:effectRef idx="0">
-            <a:schemeClr val="accent1"/>
-          </a:effectRef>
-          <a:fontRef idx="minor">
-            <a:schemeClr val="lt1"/>
-          </a:fontRef>
-        </p:style>
-        <p:txBody>
-          <a:bodyPr rtlCol="0" anchor="ctr"/>
-          <a:lstStyle/>
-          <a:p>
-            <a:pPr marL="0" marR="0" lvl="0" indent="0" algn="ctr" defTabSz="914400" rtl="0" eaLnBrk="1" fontAlgn="auto" latinLnBrk="1" hangingPunct="1">
-              <a:lnSpc>
-                <a:spcPct val="100000"/>
-              </a:lnSpc>
-              <a:spcBef>
-                <a:spcPts val="0"/>
-              </a:spcBef>
-              <a:spcAft>
-                <a:spcPts val="0"/>
-              </a:spcAft>
-              <a:buClrTx/>
-              <a:buSzTx/>
-              <a:buFontTx/>
-              <a:buNone/>
-              <a:tabLst/>
-              <a:defRPr/>
-            </a:pPr>
-            <a:r>
-              <a:rPr lang="ko-KR" altLang="en-US" dirty="0">
-                <a:solidFill>
-                  <a:prstClr val="black"/>
-                </a:solidFill>
-                <a:latin typeface="맑은 고딕" panose="020F0502020204030204"/>
-                <a:ea typeface="맑은 고딕" panose="020B0503020000020004" pitchFamily="50" charset="-127"/>
-              </a:rPr>
-              <a:t>이미지 처리</a:t>
-            </a:r>
-            <a:endParaRPr kumimoji="0" lang="ko-KR" altLang="en-US" sz="1800" b="0" i="0" u="none" strike="noStrike" kern="1200" cap="none" spc="0" normalizeH="0" baseline="0" noProof="0" dirty="0">
-              <a:ln>
-                <a:noFill/>
-              </a:ln>
-              <a:solidFill>
-                <a:prstClr val="black"/>
-              </a:solidFill>
-              <a:effectLst/>
-              <a:uLnTx/>
-              <a:uFillTx/>
-              <a:latin typeface="맑은 고딕" panose="020F0502020204030204"/>
-              <a:ea typeface="맑은 고딕" panose="020B0503020000020004" pitchFamily="50" charset="-127"/>
-              <a:cs typeface="+mn-cs"/>
-            </a:endParaRPr>
-          </a:p>
-        </p:txBody>
-      </p:sp>
-      <p:sp>
-        <p:nvSpPr>
-          <p:cNvPr id="24" name="직사각형 23">
-            <a:extLst>
-              <a:ext uri="{FF2B5EF4-FFF2-40B4-BE49-F238E27FC236}">
-                <a16:creationId xmlns:a16="http://schemas.microsoft.com/office/drawing/2014/main" id="{1C105D40-2D55-422F-49B7-3C01CEC4777A}"/>
-              </a:ext>
-            </a:extLst>
-          </p:cNvPr>
-          <p:cNvSpPr/>
-          <p:nvPr/>
-        </p:nvSpPr>
-        <p:spPr>
-          <a:xfrm>
-            <a:off x="5224649" y="4796961"/>
-            <a:ext cx="1583473" cy="752553"/>
-          </a:xfrm>
-          <a:prstGeom prst="rect">
-            <a:avLst/>
-          </a:prstGeom>
-          <a:solidFill>
-            <a:schemeClr val="accent4">
-              <a:lumMod val="40000"/>
-              <a:lumOff val="60000"/>
-            </a:schemeClr>
-          </a:solidFill>
-        </p:spPr>
-        <p:style>
-          <a:lnRef idx="2">
-            <a:schemeClr val="accent1">
-              <a:shade val="15000"/>
-            </a:schemeClr>
-          </a:lnRef>
-          <a:fillRef idx="1">
-            <a:schemeClr val="accent1"/>
-          </a:fillRef>
-          <a:effectRef idx="0">
-            <a:schemeClr val="accent1"/>
-          </a:effectRef>
-          <a:fontRef idx="minor">
-            <a:schemeClr val="lt1"/>
-          </a:fontRef>
-        </p:style>
-        <p:txBody>
-          <a:bodyPr rtlCol="0" anchor="ctr"/>
-          <a:lstStyle/>
-          <a:p>
-            <a:pPr marL="0" marR="0" lvl="0" indent="0" algn="ctr" defTabSz="914400" rtl="0" eaLnBrk="1" fontAlgn="auto" latinLnBrk="1" hangingPunct="1">
-              <a:lnSpc>
-                <a:spcPct val="100000"/>
-              </a:lnSpc>
-              <a:spcBef>
-                <a:spcPts val="0"/>
-              </a:spcBef>
-              <a:spcAft>
-                <a:spcPts val="0"/>
-              </a:spcAft>
-              <a:buClrTx/>
-              <a:buSzTx/>
-              <a:buFontTx/>
-              <a:buNone/>
-              <a:tabLst/>
-              <a:defRPr/>
-            </a:pPr>
-            <a:r>
-              <a:rPr kumimoji="0" lang="ko-KR" altLang="en-US" sz="1800" b="0" i="0" u="none" strike="noStrike" kern="1200" cap="none" spc="0" normalizeH="0" baseline="0" noProof="0" dirty="0">
-                <a:ln>
-                  <a:noFill/>
-                </a:ln>
-                <a:solidFill>
-                  <a:prstClr val="black"/>
-                </a:solidFill>
-                <a:effectLst/>
-                <a:uLnTx/>
-                <a:uFillTx/>
-                <a:latin typeface="맑은 고딕" panose="020F0502020204030204"/>
-                <a:ea typeface="맑은 고딕" panose="020B0503020000020004" pitchFamily="50" charset="-127"/>
-                <a:cs typeface="+mn-cs"/>
-              </a:rPr>
-              <a:t>신호 처리</a:t>
-            </a:r>
-          </a:p>
-        </p:txBody>
-      </p:sp>
-    </p:spTree>
-    <p:extLst>
-      <p:ext uri="{BB962C8B-B14F-4D97-AF65-F5344CB8AC3E}">
-        <p14:creationId xmlns:p14="http://schemas.microsoft.com/office/powerpoint/2010/main" val="725331236"/>
-      </p:ext>
-    </p:extLst>
-  </p:cSld>
-  <p:clrMapOvr>
-    <a:masterClrMapping/>
-  </p:clrMapOvr>
-</p:sld>
-</file>
-
-<file path=ppt/slides/slide4.xml><?xml version="1.0" encoding="utf-8"?>
-<p:sld xmlns:a="http://schemas.openxmlformats.org/drawingml/2006/main" xmlns:r="http://schemas.openxmlformats.org/officeDocument/2006/relationships" xmlns:p="http://schemas.openxmlformats.org/presentationml/2006/main">
-  <p:cSld>
-    <p:spTree>
-      <p:nvGrpSpPr>
-        <p:cNvPr id="1" name=""/>
-        <p:cNvGrpSpPr/>
-        <p:nvPr/>
-      </p:nvGrpSpPr>
-      <p:grpSpPr>
-        <a:xfrm>
-          <a:off x="0" y="0"/>
-          <a:ext cx="0" cy="0"/>
-          <a:chOff x="0" y="0"/>
-          <a:chExt cx="0" cy="0"/>
-        </a:xfrm>
-      </p:grpSpPr>
-      <p:sp>
-        <p:nvSpPr>
-          <p:cNvPr id="2" name="제목 1">
-            <a:extLst>
-              <a:ext uri="{FF2B5EF4-FFF2-40B4-BE49-F238E27FC236}">
-                <a16:creationId xmlns:a16="http://schemas.microsoft.com/office/drawing/2014/main" id="{505559E9-3920-03F1-F46E-EF162A68F10B}"/>
-              </a:ext>
-            </a:extLst>
-          </p:cNvPr>
-          <p:cNvSpPr>
-            <a:spLocks noGrp="1"/>
-          </p:cNvSpPr>
-          <p:nvPr>
-            <p:ph type="title"/>
-          </p:nvPr>
-        </p:nvSpPr>
-        <p:spPr>
-          <a:xfrm>
-            <a:off x="318780" y="117224"/>
-            <a:ext cx="10515600" cy="1325563"/>
-          </a:xfrm>
-        </p:spPr>
-        <p:txBody>
-          <a:bodyPr/>
-          <a:lstStyle/>
-          <a:p>
-            <a:r>
-              <a:rPr lang="ko-KR" altLang="en-US" dirty="0"/>
-              <a:t>플로우 차트</a:t>
-            </a:r>
-          </a:p>
-        </p:txBody>
-      </p:sp>
-      <p:sp>
-        <p:nvSpPr>
-          <p:cNvPr id="8" name="사각형: 둥근 모서리 7">
-            <a:extLst>
-              <a:ext uri="{FF2B5EF4-FFF2-40B4-BE49-F238E27FC236}">
-                <a16:creationId xmlns:a16="http://schemas.microsoft.com/office/drawing/2014/main" id="{9D1B73A8-AB2E-2BB0-A394-6E31C80C9045}"/>
-              </a:ext>
-            </a:extLst>
-          </p:cNvPr>
-          <p:cNvSpPr/>
-          <p:nvPr/>
-        </p:nvSpPr>
-        <p:spPr>
-          <a:xfrm>
-            <a:off x="5331759" y="468675"/>
-            <a:ext cx="1283662" cy="242120"/>
-          </a:xfrm>
-          <a:prstGeom prst="roundRect">
-            <a:avLst/>
-          </a:prstGeom>
-          <a:solidFill>
-            <a:schemeClr val="bg1"/>
-          </a:solidFill>
-          <a:ln>
-            <a:solidFill>
-              <a:schemeClr val="tx1"/>
-            </a:solidFill>
-          </a:ln>
-        </p:spPr>
-        <p:style>
-          <a:lnRef idx="2">
-            <a:schemeClr val="accent1">
-              <a:shade val="50000"/>
-            </a:schemeClr>
-          </a:lnRef>
-          <a:fillRef idx="1">
-            <a:schemeClr val="accent1"/>
-          </a:fillRef>
-          <a:effectRef idx="0">
-            <a:schemeClr val="accent1"/>
-          </a:effectRef>
-          <a:fontRef idx="minor">
-            <a:schemeClr val="lt1"/>
-          </a:fontRef>
-        </p:style>
-        <p:txBody>
-          <a:bodyPr rtlCol="0" anchor="ctr"/>
-          <a:lstStyle/>
-          <a:p>
-            <a:pPr algn="ctr"/>
-            <a:r>
-              <a:rPr lang="ko-KR" altLang="en-US" sz="1100" dirty="0">
-                <a:solidFill>
-                  <a:schemeClr val="tx1"/>
-                </a:solidFill>
-              </a:rPr>
-              <a:t>중앙 시스템</a:t>
-            </a:r>
-          </a:p>
-        </p:txBody>
-      </p:sp>
-      <p:cxnSp>
-        <p:nvCxnSpPr>
-          <p:cNvPr id="9" name="직선 화살표 연결선 8">
-            <a:extLst>
-              <a:ext uri="{FF2B5EF4-FFF2-40B4-BE49-F238E27FC236}">
-                <a16:creationId xmlns:a16="http://schemas.microsoft.com/office/drawing/2014/main" id="{D7616F14-DCA9-0EAD-F93A-8D118ACA5D93}"/>
-              </a:ext>
-            </a:extLst>
-          </p:cNvPr>
-          <p:cNvCxnSpPr>
-            <a:cxnSpLocks/>
-          </p:cNvCxnSpPr>
-          <p:nvPr/>
-        </p:nvCxnSpPr>
-        <p:spPr>
-          <a:xfrm>
-            <a:off x="5973590" y="710795"/>
-            <a:ext cx="2261" cy="403068"/>
-          </a:xfrm>
-          <a:prstGeom prst="straightConnector1">
-            <a:avLst/>
-          </a:prstGeom>
-          <a:ln>
-            <a:solidFill>
-              <a:schemeClr val="tx1"/>
-            </a:solidFill>
-            <a:tailEnd type="triangle"/>
-          </a:ln>
-        </p:spPr>
-        <p:style>
-          <a:lnRef idx="1">
-            <a:schemeClr val="accent1"/>
-          </a:lnRef>
-          <a:fillRef idx="0">
-            <a:schemeClr val="accent1"/>
-          </a:fillRef>
-          <a:effectRef idx="0">
-            <a:schemeClr val="accent1"/>
-          </a:effectRef>
-          <a:fontRef idx="minor">
-            <a:schemeClr val="tx1"/>
-          </a:fontRef>
-        </p:style>
-      </p:cxnSp>
-      <p:sp>
-        <p:nvSpPr>
-          <p:cNvPr id="10" name="직사각형 9">
-            <a:extLst>
-              <a:ext uri="{FF2B5EF4-FFF2-40B4-BE49-F238E27FC236}">
-                <a16:creationId xmlns:a16="http://schemas.microsoft.com/office/drawing/2014/main" id="{22180C4B-D04C-B1D1-EAFA-171078592444}"/>
-              </a:ext>
-            </a:extLst>
-          </p:cNvPr>
-          <p:cNvSpPr/>
-          <p:nvPr/>
-        </p:nvSpPr>
-        <p:spPr>
-          <a:xfrm>
-            <a:off x="5274471" y="2438045"/>
-            <a:ext cx="1414092" cy="242120"/>
-          </a:xfrm>
-          <a:prstGeom prst="rect">
-            <a:avLst/>
-          </a:prstGeom>
-          <a:solidFill>
-            <a:schemeClr val="bg1"/>
-          </a:solidFill>
-          <a:ln>
-            <a:solidFill>
-              <a:schemeClr val="tx1"/>
-            </a:solidFill>
-          </a:ln>
-        </p:spPr>
-        <p:style>
-          <a:lnRef idx="2">
-            <a:schemeClr val="accent1">
-              <a:shade val="50000"/>
-            </a:schemeClr>
-          </a:lnRef>
-          <a:fillRef idx="1">
-            <a:schemeClr val="accent1"/>
-          </a:fillRef>
-          <a:effectRef idx="0">
-            <a:schemeClr val="accent1"/>
-          </a:effectRef>
-          <a:fontRef idx="minor">
-            <a:schemeClr val="lt1"/>
-          </a:fontRef>
-        </p:style>
-        <p:txBody>
-          <a:bodyPr rtlCol="0" anchor="ctr"/>
-          <a:lstStyle/>
-          <a:p>
-            <a:pPr algn="ctr"/>
-            <a:r>
-              <a:rPr lang="ko-KR" altLang="en-US" sz="1100" dirty="0">
-                <a:solidFill>
-                  <a:schemeClr val="tx1"/>
-                </a:solidFill>
-              </a:rPr>
-              <a:t>레일 순방향 이동</a:t>
-            </a:r>
-          </a:p>
-        </p:txBody>
-      </p:sp>
-      <p:cxnSp>
-        <p:nvCxnSpPr>
-          <p:cNvPr id="11" name="직선 연결선 10">
-            <a:extLst>
-              <a:ext uri="{FF2B5EF4-FFF2-40B4-BE49-F238E27FC236}">
-                <a16:creationId xmlns:a16="http://schemas.microsoft.com/office/drawing/2014/main" id="{2FB7A791-F100-B380-CA83-45FCBB299061}"/>
-              </a:ext>
-            </a:extLst>
-          </p:cNvPr>
-          <p:cNvCxnSpPr>
-            <a:cxnSpLocks/>
-            <a:endCxn id="15" idx="0"/>
-          </p:cNvCxnSpPr>
-          <p:nvPr/>
-        </p:nvCxnSpPr>
-        <p:spPr>
-          <a:xfrm flipH="1">
-            <a:off x="5975851" y="2680165"/>
-            <a:ext cx="5666" cy="466960"/>
-          </a:xfrm>
-          <a:prstGeom prst="line">
-            <a:avLst/>
-          </a:prstGeom>
-          <a:ln>
-            <a:solidFill>
-              <a:schemeClr val="tx1"/>
-            </a:solidFill>
-          </a:ln>
-        </p:spPr>
-        <p:style>
-          <a:lnRef idx="1">
-            <a:schemeClr val="accent1"/>
-          </a:lnRef>
-          <a:fillRef idx="0">
-            <a:schemeClr val="accent1"/>
-          </a:fillRef>
-          <a:effectRef idx="0">
-            <a:schemeClr val="accent1"/>
-          </a:effectRef>
-          <a:fontRef idx="minor">
-            <a:schemeClr val="tx1"/>
-          </a:fontRef>
-        </p:style>
-      </p:cxnSp>
-      <p:sp>
-        <p:nvSpPr>
-          <p:cNvPr id="12" name="직사각형 11">
-            <a:extLst>
-              <a:ext uri="{FF2B5EF4-FFF2-40B4-BE49-F238E27FC236}">
-                <a16:creationId xmlns:a16="http://schemas.microsoft.com/office/drawing/2014/main" id="{81D8DA0E-E43B-CEE7-7BD2-5D97A2715574}"/>
-              </a:ext>
-            </a:extLst>
-          </p:cNvPr>
-          <p:cNvSpPr/>
-          <p:nvPr/>
-        </p:nvSpPr>
-        <p:spPr>
-          <a:xfrm>
-            <a:off x="3956538" y="4156104"/>
-            <a:ext cx="1478796" cy="242120"/>
-          </a:xfrm>
-          <a:prstGeom prst="rect">
-            <a:avLst/>
-          </a:prstGeom>
-          <a:solidFill>
-            <a:schemeClr val="bg1"/>
-          </a:solidFill>
-          <a:ln>
-            <a:solidFill>
-              <a:schemeClr val="tx1"/>
-            </a:solidFill>
-          </a:ln>
-        </p:spPr>
-        <p:style>
-          <a:lnRef idx="2">
-            <a:schemeClr val="accent1">
-              <a:shade val="50000"/>
-            </a:schemeClr>
-          </a:lnRef>
-          <a:fillRef idx="1">
-            <a:schemeClr val="accent1"/>
-          </a:fillRef>
-          <a:effectRef idx="0">
-            <a:schemeClr val="accent1"/>
-          </a:effectRef>
-          <a:fontRef idx="minor">
-            <a:schemeClr val="lt1"/>
-          </a:fontRef>
-        </p:style>
-        <p:txBody>
-          <a:bodyPr rtlCol="0" anchor="ctr"/>
-          <a:lstStyle/>
-          <a:p>
-            <a:pPr algn="ctr"/>
-            <a:r>
-              <a:rPr lang="ko-KR" altLang="en-US" sz="1100" dirty="0">
-                <a:solidFill>
-                  <a:schemeClr val="tx1"/>
-                </a:solidFill>
-              </a:rPr>
-              <a:t>모터 역방향 이동</a:t>
-            </a:r>
-          </a:p>
-        </p:txBody>
-      </p:sp>
-      <p:sp>
-        <p:nvSpPr>
-          <p:cNvPr id="13" name="다이아몬드 12">
-            <a:extLst>
-              <a:ext uri="{FF2B5EF4-FFF2-40B4-BE49-F238E27FC236}">
-                <a16:creationId xmlns:a16="http://schemas.microsoft.com/office/drawing/2014/main" id="{01CA5897-5E24-A569-8FAF-F7DEAE0CB7F6}"/>
-              </a:ext>
-            </a:extLst>
-          </p:cNvPr>
-          <p:cNvSpPr/>
-          <p:nvPr/>
-        </p:nvSpPr>
-        <p:spPr>
-          <a:xfrm>
-            <a:off x="5099208" y="4829066"/>
-            <a:ext cx="1852339" cy="635645"/>
-          </a:xfrm>
-          <a:prstGeom prst="diamond">
-            <a:avLst/>
-          </a:prstGeom>
-          <a:solidFill>
-            <a:schemeClr val="bg1"/>
-          </a:solidFill>
-          <a:ln>
-            <a:solidFill>
-              <a:schemeClr val="tx1"/>
-            </a:solidFill>
-          </a:ln>
-        </p:spPr>
-        <p:style>
-          <a:lnRef idx="2">
-            <a:schemeClr val="accent1">
-              <a:shade val="50000"/>
-            </a:schemeClr>
-          </a:lnRef>
-          <a:fillRef idx="1">
-            <a:schemeClr val="accent1"/>
-          </a:fillRef>
-          <a:effectRef idx="0">
-            <a:schemeClr val="accent1"/>
-          </a:effectRef>
-          <a:fontRef idx="minor">
-            <a:schemeClr val="lt1"/>
-          </a:fontRef>
-        </p:style>
-        <p:txBody>
-          <a:bodyPr rtlCol="0" anchor="ctr"/>
-          <a:lstStyle/>
-          <a:p>
-            <a:pPr algn="ctr"/>
-            <a:r>
-              <a:rPr lang="ko-KR" altLang="en-US" sz="1100" dirty="0">
-                <a:solidFill>
-                  <a:schemeClr val="tx1"/>
-                </a:solidFill>
-              </a:rPr>
-              <a:t>타이머가 지났는가</a:t>
-            </a:r>
-            <a:r>
-              <a:rPr lang="en-US" altLang="ko-KR" sz="1100" dirty="0">
-                <a:solidFill>
-                  <a:schemeClr val="tx1"/>
-                </a:solidFill>
-              </a:rPr>
-              <a:t>?</a:t>
-            </a:r>
-          </a:p>
-        </p:txBody>
-      </p:sp>
-      <p:sp>
-        <p:nvSpPr>
-          <p:cNvPr id="14" name="순서도: 대체 처리 13">
-            <a:extLst>
-              <a:ext uri="{FF2B5EF4-FFF2-40B4-BE49-F238E27FC236}">
-                <a16:creationId xmlns:a16="http://schemas.microsoft.com/office/drawing/2014/main" id="{AF3DB19F-A500-9840-FACC-CFA5D4663805}"/>
-              </a:ext>
-            </a:extLst>
-          </p:cNvPr>
-          <p:cNvSpPr/>
-          <p:nvPr/>
-        </p:nvSpPr>
-        <p:spPr>
-          <a:xfrm>
-            <a:off x="1234027" y="6081289"/>
-            <a:ext cx="2073679" cy="242120"/>
-          </a:xfrm>
-          <a:prstGeom prst="flowChartAlternateProcess">
-            <a:avLst/>
-          </a:prstGeom>
-          <a:solidFill>
-            <a:schemeClr val="bg1"/>
-          </a:solidFill>
-          <a:ln w="28575">
-            <a:solidFill>
-              <a:srgbClr val="C00000"/>
-            </a:solidFill>
-          </a:ln>
-        </p:spPr>
-        <p:style>
-          <a:lnRef idx="2">
-            <a:schemeClr val="accent1">
-              <a:shade val="50000"/>
-            </a:schemeClr>
-          </a:lnRef>
-          <a:fillRef idx="1">
-            <a:schemeClr val="accent1"/>
-          </a:fillRef>
-          <a:effectRef idx="0">
-            <a:schemeClr val="accent1"/>
-          </a:effectRef>
-          <a:fontRef idx="minor">
-            <a:schemeClr val="lt1"/>
-          </a:fontRef>
-        </p:style>
-        <p:txBody>
-          <a:bodyPr rtlCol="0" anchor="ctr"/>
-          <a:lstStyle/>
-          <a:p>
-            <a:pPr algn="ctr"/>
-            <a:r>
-              <a:rPr lang="ko-KR" altLang="en-US" sz="1100" dirty="0">
-                <a:solidFill>
-                  <a:schemeClr val="tx1"/>
-                </a:solidFill>
-                <a:highlight>
-                  <a:srgbClr val="FFFF00"/>
-                </a:highlight>
-              </a:rPr>
-              <a:t>종료</a:t>
-            </a:r>
-          </a:p>
-        </p:txBody>
-      </p:sp>
-      <p:sp>
-        <p:nvSpPr>
-          <p:cNvPr id="15" name="다이아몬드 14">
-            <a:extLst>
-              <a:ext uri="{FF2B5EF4-FFF2-40B4-BE49-F238E27FC236}">
-                <a16:creationId xmlns:a16="http://schemas.microsoft.com/office/drawing/2014/main" id="{FA97B736-89B8-A5DB-C3AF-4A5A07738DBB}"/>
-              </a:ext>
-            </a:extLst>
-          </p:cNvPr>
-          <p:cNvSpPr/>
-          <p:nvPr/>
-        </p:nvSpPr>
-        <p:spPr>
-          <a:xfrm>
-            <a:off x="5049682" y="3147125"/>
-            <a:ext cx="1852338" cy="635645"/>
-          </a:xfrm>
-          <a:prstGeom prst="diamond">
-            <a:avLst/>
-          </a:prstGeom>
-          <a:solidFill>
-            <a:schemeClr val="bg1"/>
-          </a:solidFill>
-          <a:ln>
-            <a:solidFill>
-              <a:schemeClr val="tx1"/>
-            </a:solidFill>
-          </a:ln>
-        </p:spPr>
-        <p:style>
-          <a:lnRef idx="2">
-            <a:schemeClr val="accent1">
-              <a:shade val="50000"/>
-            </a:schemeClr>
-          </a:lnRef>
-          <a:fillRef idx="1">
-            <a:schemeClr val="accent1"/>
-          </a:fillRef>
-          <a:effectRef idx="0">
-            <a:schemeClr val="accent1"/>
-          </a:effectRef>
-          <a:fontRef idx="minor">
-            <a:schemeClr val="lt1"/>
-          </a:fontRef>
-        </p:style>
-        <p:txBody>
-          <a:bodyPr rtlCol="0" anchor="ctr"/>
-          <a:lstStyle/>
-          <a:p>
-            <a:pPr algn="ctr"/>
-            <a:r>
-              <a:rPr lang="ko-KR" altLang="en-US" sz="1100" dirty="0">
-                <a:solidFill>
-                  <a:schemeClr val="tx1"/>
-                </a:solidFill>
-              </a:rPr>
-              <a:t>한계 위치까지 이동했는가</a:t>
-            </a:r>
-            <a:r>
-              <a:rPr lang="en-US" altLang="ko-KR" sz="1100" dirty="0">
-                <a:solidFill>
-                  <a:schemeClr val="tx1"/>
-                </a:solidFill>
-              </a:rPr>
-              <a:t>?</a:t>
-            </a:r>
-          </a:p>
-        </p:txBody>
-      </p:sp>
-      <p:sp>
-        <p:nvSpPr>
-          <p:cNvPr id="16" name="TextBox 15">
-            <a:extLst>
-              <a:ext uri="{FF2B5EF4-FFF2-40B4-BE49-F238E27FC236}">
-                <a16:creationId xmlns:a16="http://schemas.microsoft.com/office/drawing/2014/main" id="{FB5CB75E-2159-FE26-A079-4A5923D0FC95}"/>
-              </a:ext>
-            </a:extLst>
-          </p:cNvPr>
-          <p:cNvSpPr txBox="1"/>
-          <p:nvPr/>
-        </p:nvSpPr>
-        <p:spPr>
-          <a:xfrm>
-            <a:off x="5022756" y="3702882"/>
-            <a:ext cx="543677" cy="261610"/>
-          </a:xfrm>
-          <a:prstGeom prst="rect">
-            <a:avLst/>
-          </a:prstGeom>
-          <a:noFill/>
-        </p:spPr>
-        <p:txBody>
-          <a:bodyPr wrap="square" rtlCol="0">
-            <a:spAutoFit/>
-          </a:bodyPr>
-          <a:lstStyle/>
-          <a:p>
-            <a:pPr algn="ctr"/>
-            <a:r>
-              <a:rPr lang="en-US" altLang="ko-KR" sz="1100" dirty="0"/>
-              <a:t>yes</a:t>
-            </a:r>
-            <a:endParaRPr lang="ko-KR" altLang="en-US" sz="1100" dirty="0"/>
-          </a:p>
-        </p:txBody>
-      </p:sp>
-      <p:sp>
-        <p:nvSpPr>
-          <p:cNvPr id="17" name="TextBox 16">
-            <a:extLst>
-              <a:ext uri="{FF2B5EF4-FFF2-40B4-BE49-F238E27FC236}">
-                <a16:creationId xmlns:a16="http://schemas.microsoft.com/office/drawing/2014/main" id="{216478D3-C650-5E46-21F2-FD88C8273DAA}"/>
-              </a:ext>
-            </a:extLst>
-          </p:cNvPr>
-          <p:cNvSpPr txBox="1"/>
-          <p:nvPr/>
-        </p:nvSpPr>
-        <p:spPr>
-          <a:xfrm>
-            <a:off x="6549010" y="3711356"/>
-            <a:ext cx="381388" cy="261610"/>
-          </a:xfrm>
-          <a:prstGeom prst="rect">
-            <a:avLst/>
-          </a:prstGeom>
-          <a:noFill/>
-        </p:spPr>
-        <p:txBody>
-          <a:bodyPr wrap="square" rtlCol="0">
-            <a:spAutoFit/>
-          </a:bodyPr>
-          <a:lstStyle/>
-          <a:p>
-            <a:pPr algn="ctr"/>
-            <a:r>
-              <a:rPr lang="en-US" altLang="ko-KR" sz="1100" dirty="0"/>
-              <a:t>no</a:t>
-            </a:r>
-            <a:endParaRPr lang="ko-KR" altLang="en-US" sz="1100" dirty="0"/>
-          </a:p>
-        </p:txBody>
-      </p:sp>
-      <p:sp>
-        <p:nvSpPr>
-          <p:cNvPr id="18" name="직사각형 17">
-            <a:extLst>
-              <a:ext uri="{FF2B5EF4-FFF2-40B4-BE49-F238E27FC236}">
-                <a16:creationId xmlns:a16="http://schemas.microsoft.com/office/drawing/2014/main" id="{852F8C5D-9086-B9D6-495A-01DAD901ACB1}"/>
-              </a:ext>
-            </a:extLst>
-          </p:cNvPr>
-          <p:cNvSpPr/>
-          <p:nvPr/>
-        </p:nvSpPr>
-        <p:spPr>
-          <a:xfrm>
-            <a:off x="8168332" y="4910145"/>
-            <a:ext cx="1126615" cy="473486"/>
-          </a:xfrm>
-          <a:prstGeom prst="rect">
-            <a:avLst/>
-          </a:prstGeom>
-          <a:solidFill>
-            <a:schemeClr val="bg1"/>
-          </a:solidFill>
-          <a:ln>
-            <a:solidFill>
-              <a:schemeClr val="tx1"/>
-            </a:solidFill>
-          </a:ln>
-        </p:spPr>
-        <p:style>
-          <a:lnRef idx="2">
-            <a:schemeClr val="accent1">
-              <a:shade val="50000"/>
-            </a:schemeClr>
-          </a:lnRef>
-          <a:fillRef idx="1">
-            <a:schemeClr val="accent1"/>
-          </a:fillRef>
-          <a:effectRef idx="0">
-            <a:schemeClr val="accent1"/>
-          </a:effectRef>
-          <a:fontRef idx="minor">
-            <a:schemeClr val="lt1"/>
-          </a:fontRef>
-        </p:style>
-        <p:txBody>
-          <a:bodyPr rtlCol="0" anchor="ctr"/>
-          <a:lstStyle/>
-          <a:p>
-            <a:pPr algn="ctr"/>
-            <a:r>
-              <a:rPr lang="ko-KR" altLang="en-US" sz="1100" dirty="0">
-                <a:solidFill>
-                  <a:schemeClr val="tx1"/>
-                </a:solidFill>
-              </a:rPr>
-              <a:t>사진 촬영 후</a:t>
-            </a:r>
-            <a:endParaRPr lang="en-US" altLang="ko-KR" sz="1100" dirty="0">
-              <a:solidFill>
-                <a:schemeClr val="tx1"/>
-              </a:solidFill>
-            </a:endParaRPr>
-          </a:p>
-          <a:p>
-            <a:pPr algn="ctr"/>
-            <a:r>
-              <a:rPr lang="ko-KR" altLang="en-US" sz="1100" dirty="0">
-                <a:solidFill>
-                  <a:schemeClr val="tx1"/>
-                </a:solidFill>
-              </a:rPr>
-              <a:t>사진 전송</a:t>
-            </a:r>
-          </a:p>
-        </p:txBody>
-      </p:sp>
-      <p:sp>
-        <p:nvSpPr>
-          <p:cNvPr id="19" name="직사각형 18">
-            <a:extLst>
-              <a:ext uri="{FF2B5EF4-FFF2-40B4-BE49-F238E27FC236}">
-                <a16:creationId xmlns:a16="http://schemas.microsoft.com/office/drawing/2014/main" id="{BD263BA7-851D-9D31-5F5B-23B905DAF5EB}"/>
-              </a:ext>
-            </a:extLst>
-          </p:cNvPr>
-          <p:cNvSpPr/>
-          <p:nvPr/>
-        </p:nvSpPr>
-        <p:spPr>
-          <a:xfrm>
-            <a:off x="5339686" y="1794288"/>
-            <a:ext cx="1283662" cy="242120"/>
-          </a:xfrm>
-          <a:prstGeom prst="rect">
-            <a:avLst/>
-          </a:prstGeom>
-          <a:solidFill>
-            <a:schemeClr val="bg1"/>
-          </a:solidFill>
-          <a:ln>
-            <a:solidFill>
-              <a:schemeClr val="tx1"/>
-            </a:solidFill>
-          </a:ln>
-        </p:spPr>
-        <p:style>
-          <a:lnRef idx="2">
-            <a:schemeClr val="accent1">
-              <a:shade val="50000"/>
-            </a:schemeClr>
-          </a:lnRef>
-          <a:fillRef idx="1">
-            <a:schemeClr val="accent1"/>
-          </a:fillRef>
-          <a:effectRef idx="0">
-            <a:schemeClr val="accent1"/>
-          </a:effectRef>
-          <a:fontRef idx="minor">
-            <a:schemeClr val="lt1"/>
-          </a:fontRef>
-        </p:style>
-        <p:txBody>
-          <a:bodyPr rtlCol="0" anchor="ctr"/>
-          <a:lstStyle/>
-          <a:p>
-            <a:pPr algn="ctr"/>
-            <a:r>
-              <a:rPr lang="ko-KR" altLang="en-US" sz="1100" dirty="0">
-                <a:solidFill>
-                  <a:schemeClr val="tx1"/>
-                </a:solidFill>
-              </a:rPr>
-              <a:t>라즈베리 파이</a:t>
-            </a:r>
-          </a:p>
-        </p:txBody>
-      </p:sp>
-      <p:cxnSp>
-        <p:nvCxnSpPr>
-          <p:cNvPr id="20" name="직선 화살표 연결선 19">
-            <a:extLst>
-              <a:ext uri="{FF2B5EF4-FFF2-40B4-BE49-F238E27FC236}">
-                <a16:creationId xmlns:a16="http://schemas.microsoft.com/office/drawing/2014/main" id="{B8D6200C-4CCD-5187-8B63-8F6F112BE013}"/>
-              </a:ext>
-            </a:extLst>
-          </p:cNvPr>
-          <p:cNvCxnSpPr>
-            <a:cxnSpLocks/>
-          </p:cNvCxnSpPr>
-          <p:nvPr/>
-        </p:nvCxnSpPr>
-        <p:spPr>
-          <a:xfrm>
-            <a:off x="5975851" y="1436217"/>
-            <a:ext cx="5666" cy="358071"/>
-          </a:xfrm>
-          <a:prstGeom prst="straightConnector1">
-            <a:avLst/>
-          </a:prstGeom>
-          <a:ln>
-            <a:solidFill>
-              <a:schemeClr val="tx1"/>
-            </a:solidFill>
-            <a:tailEnd type="triangle"/>
-          </a:ln>
-        </p:spPr>
-        <p:style>
-          <a:lnRef idx="1">
-            <a:schemeClr val="accent1"/>
-          </a:lnRef>
-          <a:fillRef idx="0">
-            <a:schemeClr val="accent1"/>
-          </a:fillRef>
-          <a:effectRef idx="0">
-            <a:schemeClr val="accent1"/>
-          </a:effectRef>
-          <a:fontRef idx="minor">
-            <a:schemeClr val="tx1"/>
-          </a:fontRef>
-        </p:style>
-      </p:cxnSp>
-      <p:cxnSp>
-        <p:nvCxnSpPr>
-          <p:cNvPr id="21" name="직선 화살표 연결선 20">
-            <a:extLst>
-              <a:ext uri="{FF2B5EF4-FFF2-40B4-BE49-F238E27FC236}">
-                <a16:creationId xmlns:a16="http://schemas.microsoft.com/office/drawing/2014/main" id="{580BC3F8-5341-6094-EFCB-D8CFF6674800}"/>
-              </a:ext>
-            </a:extLst>
-          </p:cNvPr>
-          <p:cNvCxnSpPr>
-            <a:cxnSpLocks/>
-          </p:cNvCxnSpPr>
-          <p:nvPr/>
-        </p:nvCxnSpPr>
-        <p:spPr>
-          <a:xfrm>
-            <a:off x="5981517" y="2036408"/>
-            <a:ext cx="0" cy="401637"/>
-          </a:xfrm>
-          <a:prstGeom prst="straightConnector1">
-            <a:avLst/>
-          </a:prstGeom>
-          <a:ln>
-            <a:solidFill>
-              <a:schemeClr val="tx1"/>
-            </a:solidFill>
-            <a:tailEnd type="triangle"/>
-          </a:ln>
-        </p:spPr>
-        <p:style>
-          <a:lnRef idx="1">
-            <a:schemeClr val="accent1"/>
-          </a:lnRef>
-          <a:fillRef idx="0">
-            <a:schemeClr val="accent1"/>
-          </a:fillRef>
-          <a:effectRef idx="0">
-            <a:schemeClr val="accent1"/>
-          </a:effectRef>
-          <a:fontRef idx="minor">
-            <a:schemeClr val="tx1"/>
-          </a:fontRef>
-        </p:style>
-      </p:cxnSp>
-      <p:cxnSp>
-        <p:nvCxnSpPr>
-          <p:cNvPr id="22" name="연결선: 꺾임 21">
-            <a:extLst>
-              <a:ext uri="{FF2B5EF4-FFF2-40B4-BE49-F238E27FC236}">
-                <a16:creationId xmlns:a16="http://schemas.microsoft.com/office/drawing/2014/main" id="{D1DBDF25-FDBE-5DE1-156F-59B67D9F503A}"/>
-              </a:ext>
-            </a:extLst>
-          </p:cNvPr>
-          <p:cNvCxnSpPr>
-            <a:cxnSpLocks/>
-            <a:stCxn id="15" idx="2"/>
-          </p:cNvCxnSpPr>
-          <p:nvPr/>
-        </p:nvCxnSpPr>
-        <p:spPr>
-          <a:xfrm rot="5400000">
-            <a:off x="5149227" y="3329480"/>
-            <a:ext cx="373334" cy="1279915"/>
-          </a:xfrm>
-          <a:prstGeom prst="bentConnector3">
-            <a:avLst/>
-          </a:prstGeom>
-          <a:ln>
-            <a:solidFill>
-              <a:schemeClr val="tx1"/>
-            </a:solidFill>
-            <a:tailEnd type="triangle"/>
-          </a:ln>
-        </p:spPr>
-        <p:style>
-          <a:lnRef idx="1">
-            <a:schemeClr val="accent1"/>
-          </a:lnRef>
-          <a:fillRef idx="0">
-            <a:schemeClr val="accent1"/>
-          </a:fillRef>
-          <a:effectRef idx="0">
-            <a:schemeClr val="accent1"/>
-          </a:effectRef>
-          <a:fontRef idx="minor">
-            <a:schemeClr val="tx1"/>
-          </a:fontRef>
-        </p:style>
-      </p:cxnSp>
-      <p:cxnSp>
-        <p:nvCxnSpPr>
-          <p:cNvPr id="23" name="연결선: 꺾임 22">
-            <a:extLst>
-              <a:ext uri="{FF2B5EF4-FFF2-40B4-BE49-F238E27FC236}">
-                <a16:creationId xmlns:a16="http://schemas.microsoft.com/office/drawing/2014/main" id="{765ACB7D-465D-72D5-D2DA-87578B3ACD0A}"/>
-              </a:ext>
-            </a:extLst>
-          </p:cNvPr>
-          <p:cNvCxnSpPr>
-            <a:cxnSpLocks/>
-          </p:cNvCxnSpPr>
-          <p:nvPr/>
-        </p:nvCxnSpPr>
-        <p:spPr>
-          <a:xfrm rot="5400000" flipH="1" flipV="1">
-            <a:off x="5628457" y="2909332"/>
-            <a:ext cx="1410332" cy="709879"/>
-          </a:xfrm>
-          <a:prstGeom prst="bentConnector4">
-            <a:avLst>
-              <a:gd name="adj1" fmla="val 198"/>
-              <a:gd name="adj2" fmla="val 192893"/>
-            </a:avLst>
-          </a:prstGeom>
-          <a:ln>
-            <a:solidFill>
-              <a:schemeClr val="tx1"/>
-            </a:solidFill>
-            <a:tailEnd type="triangle"/>
-          </a:ln>
-        </p:spPr>
-        <p:style>
-          <a:lnRef idx="1">
-            <a:schemeClr val="accent1"/>
-          </a:lnRef>
-          <a:fillRef idx="0">
-            <a:schemeClr val="accent1"/>
-          </a:fillRef>
-          <a:effectRef idx="0">
-            <a:schemeClr val="accent1"/>
-          </a:effectRef>
-          <a:fontRef idx="minor">
-            <a:schemeClr val="tx1"/>
-          </a:fontRef>
-        </p:style>
-      </p:cxnSp>
-      <p:sp>
-        <p:nvSpPr>
-          <p:cNvPr id="24" name="직사각형 23">
-            <a:extLst>
-              <a:ext uri="{FF2B5EF4-FFF2-40B4-BE49-F238E27FC236}">
-                <a16:creationId xmlns:a16="http://schemas.microsoft.com/office/drawing/2014/main" id="{CA31D618-9C8E-F7B7-DC29-942824AD4E97}"/>
-              </a:ext>
-            </a:extLst>
-          </p:cNvPr>
-          <p:cNvSpPr/>
-          <p:nvPr/>
-        </p:nvSpPr>
-        <p:spPr>
-          <a:xfrm>
-            <a:off x="5301633" y="1113863"/>
-            <a:ext cx="1348436" cy="322354"/>
-          </a:xfrm>
-          <a:prstGeom prst="rect">
-            <a:avLst/>
-          </a:prstGeom>
-          <a:solidFill>
-            <a:schemeClr val="bg1"/>
-          </a:solidFill>
-          <a:ln>
-            <a:solidFill>
-              <a:schemeClr val="tx1"/>
-            </a:solidFill>
-          </a:ln>
-        </p:spPr>
-        <p:style>
-          <a:lnRef idx="2">
-            <a:schemeClr val="accent1">
-              <a:shade val="50000"/>
-            </a:schemeClr>
-          </a:lnRef>
-          <a:fillRef idx="1">
-            <a:schemeClr val="accent1"/>
-          </a:fillRef>
-          <a:effectRef idx="0">
-            <a:schemeClr val="accent1"/>
-          </a:effectRef>
-          <a:fontRef idx="minor">
-            <a:schemeClr val="lt1"/>
-          </a:fontRef>
-        </p:style>
-        <p:txBody>
-          <a:bodyPr rtlCol="0" anchor="ctr"/>
-          <a:lstStyle/>
-          <a:p>
-            <a:pPr algn="ctr"/>
-            <a:r>
-              <a:rPr lang="ko-KR" altLang="en-US" sz="1100" dirty="0">
-                <a:solidFill>
-                  <a:schemeClr val="tx1"/>
-                </a:solidFill>
-              </a:rPr>
-              <a:t>시작 신호 전송 </a:t>
-            </a:r>
-          </a:p>
-        </p:txBody>
-      </p:sp>
-      <p:sp>
-        <p:nvSpPr>
-          <p:cNvPr id="25" name="다이아몬드 24">
-            <a:extLst>
-              <a:ext uri="{FF2B5EF4-FFF2-40B4-BE49-F238E27FC236}">
-                <a16:creationId xmlns:a16="http://schemas.microsoft.com/office/drawing/2014/main" id="{FAFF143A-B615-D8F5-7750-97C2D793BC80}"/>
-              </a:ext>
-            </a:extLst>
-          </p:cNvPr>
-          <p:cNvSpPr/>
-          <p:nvPr/>
-        </p:nvSpPr>
-        <p:spPr>
-          <a:xfrm>
-            <a:off x="2630929" y="4829066"/>
-            <a:ext cx="1852338" cy="635645"/>
-          </a:xfrm>
-          <a:prstGeom prst="diamond">
-            <a:avLst/>
-          </a:prstGeom>
-          <a:solidFill>
-            <a:schemeClr val="bg1"/>
-          </a:solidFill>
-          <a:ln>
-            <a:solidFill>
-              <a:schemeClr val="tx1"/>
-            </a:solidFill>
-          </a:ln>
-        </p:spPr>
-        <p:style>
-          <a:lnRef idx="2">
-            <a:schemeClr val="accent1">
-              <a:shade val="50000"/>
-            </a:schemeClr>
-          </a:lnRef>
-          <a:fillRef idx="1">
-            <a:schemeClr val="accent1"/>
-          </a:fillRef>
-          <a:effectRef idx="0">
-            <a:schemeClr val="accent1"/>
-          </a:effectRef>
-          <a:fontRef idx="minor">
-            <a:schemeClr val="lt1"/>
-          </a:fontRef>
-        </p:style>
-        <p:txBody>
-          <a:bodyPr rtlCol="0" anchor="ctr"/>
-          <a:lstStyle/>
-          <a:p>
-            <a:pPr algn="ctr"/>
-            <a:r>
-              <a:rPr lang="ko-KR" altLang="en-US" sz="1100" dirty="0">
-                <a:solidFill>
-                  <a:schemeClr val="tx1"/>
-                </a:solidFill>
-              </a:rPr>
-              <a:t>시작 위치 까지 복귀 했는가</a:t>
-            </a:r>
-            <a:r>
-              <a:rPr lang="en-US" altLang="ko-KR" sz="1100" dirty="0">
-                <a:solidFill>
-                  <a:schemeClr val="tx1"/>
-                </a:solidFill>
-              </a:rPr>
-              <a:t>?</a:t>
-            </a:r>
-            <a:r>
-              <a:rPr lang="ko-KR" altLang="en-US" sz="1100" dirty="0">
-                <a:solidFill>
-                  <a:schemeClr val="tx1"/>
-                </a:solidFill>
-              </a:rPr>
-              <a:t> </a:t>
-            </a:r>
-          </a:p>
-        </p:txBody>
-      </p:sp>
-      <p:sp>
-        <p:nvSpPr>
-          <p:cNvPr id="26" name="TextBox 25">
-            <a:extLst>
-              <a:ext uri="{FF2B5EF4-FFF2-40B4-BE49-F238E27FC236}">
-                <a16:creationId xmlns:a16="http://schemas.microsoft.com/office/drawing/2014/main" id="{3B02258E-F1B9-5015-809E-965C6F402248}"/>
-              </a:ext>
-            </a:extLst>
-          </p:cNvPr>
-          <p:cNvSpPr txBox="1"/>
-          <p:nvPr/>
-        </p:nvSpPr>
-        <p:spPr>
-          <a:xfrm>
-            <a:off x="7401692" y="4872845"/>
-            <a:ext cx="543677" cy="261610"/>
-          </a:xfrm>
-          <a:prstGeom prst="rect">
-            <a:avLst/>
-          </a:prstGeom>
-          <a:noFill/>
-        </p:spPr>
-        <p:txBody>
-          <a:bodyPr wrap="square" rtlCol="0">
-            <a:spAutoFit/>
-          </a:bodyPr>
-          <a:lstStyle/>
-          <a:p>
-            <a:pPr algn="ctr"/>
-            <a:r>
-              <a:rPr lang="en-US" altLang="ko-KR" sz="1100" dirty="0"/>
-              <a:t>yes</a:t>
-            </a:r>
-            <a:endParaRPr lang="ko-KR" altLang="en-US" sz="1100" dirty="0"/>
-          </a:p>
-        </p:txBody>
-      </p:sp>
-      <p:cxnSp>
-        <p:nvCxnSpPr>
-          <p:cNvPr id="27" name="연결선: 꺾임 26">
-            <a:extLst>
-              <a:ext uri="{FF2B5EF4-FFF2-40B4-BE49-F238E27FC236}">
-                <a16:creationId xmlns:a16="http://schemas.microsoft.com/office/drawing/2014/main" id="{192802A7-C8A0-4B0F-7412-B4FAB1D4D8AC}"/>
-              </a:ext>
-            </a:extLst>
-          </p:cNvPr>
-          <p:cNvCxnSpPr>
-            <a:cxnSpLocks/>
-            <a:endCxn id="25" idx="0"/>
-          </p:cNvCxnSpPr>
-          <p:nvPr/>
-        </p:nvCxnSpPr>
-        <p:spPr>
-          <a:xfrm rot="5400000">
-            <a:off x="3911096" y="4044226"/>
-            <a:ext cx="430842" cy="1138838"/>
-          </a:xfrm>
-          <a:prstGeom prst="bentConnector3">
-            <a:avLst>
-              <a:gd name="adj1" fmla="val 50000"/>
-            </a:avLst>
-          </a:prstGeom>
-          <a:ln>
-            <a:solidFill>
-              <a:schemeClr val="tx1"/>
-            </a:solidFill>
-          </a:ln>
-        </p:spPr>
-        <p:style>
-          <a:lnRef idx="1">
-            <a:schemeClr val="accent1"/>
-          </a:lnRef>
-          <a:fillRef idx="0">
-            <a:schemeClr val="accent1"/>
-          </a:fillRef>
-          <a:effectRef idx="0">
-            <a:schemeClr val="accent1"/>
-          </a:effectRef>
-          <a:fontRef idx="minor">
-            <a:schemeClr val="tx1"/>
-          </a:fontRef>
-        </p:style>
-      </p:cxnSp>
-      <p:cxnSp>
-        <p:nvCxnSpPr>
-          <p:cNvPr id="28" name="연결선: 꺾임 27">
-            <a:extLst>
-              <a:ext uri="{FF2B5EF4-FFF2-40B4-BE49-F238E27FC236}">
-                <a16:creationId xmlns:a16="http://schemas.microsoft.com/office/drawing/2014/main" id="{8F5F9ABC-2FE9-38EA-D6C7-A602EA8CD3DB}"/>
-              </a:ext>
-            </a:extLst>
-          </p:cNvPr>
-          <p:cNvCxnSpPr>
-            <a:cxnSpLocks/>
-            <a:endCxn id="13" idx="0"/>
-          </p:cNvCxnSpPr>
-          <p:nvPr/>
-        </p:nvCxnSpPr>
-        <p:spPr>
-          <a:xfrm rot="16200000" flipH="1">
-            <a:off x="5145236" y="3948924"/>
-            <a:ext cx="430842" cy="1329442"/>
-          </a:xfrm>
-          <a:prstGeom prst="bentConnector3">
-            <a:avLst>
-              <a:gd name="adj1" fmla="val 50000"/>
-            </a:avLst>
-          </a:prstGeom>
-          <a:ln>
-            <a:solidFill>
-              <a:schemeClr val="tx1"/>
-            </a:solidFill>
-          </a:ln>
-        </p:spPr>
-        <p:style>
-          <a:lnRef idx="1">
-            <a:schemeClr val="accent1"/>
-          </a:lnRef>
-          <a:fillRef idx="0">
-            <a:schemeClr val="accent1"/>
-          </a:fillRef>
-          <a:effectRef idx="0">
-            <a:schemeClr val="accent1"/>
-          </a:effectRef>
-          <a:fontRef idx="minor">
-            <a:schemeClr val="tx1"/>
-          </a:fontRef>
-        </p:style>
-      </p:cxnSp>
-      <p:cxnSp>
-        <p:nvCxnSpPr>
-          <p:cNvPr id="29" name="연결선: 꺾임 28">
-            <a:extLst>
-              <a:ext uri="{FF2B5EF4-FFF2-40B4-BE49-F238E27FC236}">
-                <a16:creationId xmlns:a16="http://schemas.microsoft.com/office/drawing/2014/main" id="{9B28FA62-7B27-837C-302F-746080274908}"/>
-              </a:ext>
-            </a:extLst>
-          </p:cNvPr>
-          <p:cNvCxnSpPr>
-            <a:cxnSpLocks/>
-          </p:cNvCxnSpPr>
-          <p:nvPr/>
-        </p:nvCxnSpPr>
-        <p:spPr>
-          <a:xfrm rot="16200000" flipV="1">
-            <a:off x="5513326" y="1691830"/>
-            <a:ext cx="4320410" cy="2116219"/>
-          </a:xfrm>
-          <a:prstGeom prst="bentConnector2">
-            <a:avLst/>
-          </a:prstGeom>
-          <a:ln>
-            <a:solidFill>
-              <a:schemeClr val="tx1"/>
-            </a:solidFill>
-            <a:tailEnd type="triangle"/>
-          </a:ln>
-        </p:spPr>
-        <p:style>
-          <a:lnRef idx="1">
-            <a:schemeClr val="accent1"/>
-          </a:lnRef>
-          <a:fillRef idx="0">
-            <a:schemeClr val="accent1"/>
-          </a:fillRef>
-          <a:effectRef idx="0">
-            <a:schemeClr val="accent1"/>
-          </a:effectRef>
-          <a:fontRef idx="minor">
-            <a:schemeClr val="tx1"/>
-          </a:fontRef>
-        </p:style>
-      </p:cxnSp>
-      <p:sp>
-        <p:nvSpPr>
-          <p:cNvPr id="30" name="TextBox 29">
-            <a:extLst>
-              <a:ext uri="{FF2B5EF4-FFF2-40B4-BE49-F238E27FC236}">
-                <a16:creationId xmlns:a16="http://schemas.microsoft.com/office/drawing/2014/main" id="{91BD4515-FB0C-EAFE-8E3F-58F1BC8089D8}"/>
-              </a:ext>
-            </a:extLst>
-          </p:cNvPr>
-          <p:cNvSpPr txBox="1"/>
-          <p:nvPr/>
-        </p:nvSpPr>
-        <p:spPr>
-          <a:xfrm>
-            <a:off x="2544150" y="5466079"/>
-            <a:ext cx="543677" cy="261610"/>
-          </a:xfrm>
-          <a:prstGeom prst="rect">
-            <a:avLst/>
-          </a:prstGeom>
-          <a:noFill/>
-        </p:spPr>
-        <p:txBody>
-          <a:bodyPr wrap="square" rtlCol="0">
-            <a:spAutoFit/>
-          </a:bodyPr>
-          <a:lstStyle/>
-          <a:p>
-            <a:pPr algn="ctr"/>
-            <a:r>
-              <a:rPr lang="en-US" altLang="ko-KR" sz="1100" dirty="0"/>
-              <a:t>yes</a:t>
-            </a:r>
-            <a:endParaRPr lang="ko-KR" altLang="en-US" sz="1100" dirty="0"/>
-          </a:p>
-        </p:txBody>
-      </p:sp>
-      <p:cxnSp>
-        <p:nvCxnSpPr>
-          <p:cNvPr id="31" name="연결선: 꺾임 30">
-            <a:extLst>
-              <a:ext uri="{FF2B5EF4-FFF2-40B4-BE49-F238E27FC236}">
-                <a16:creationId xmlns:a16="http://schemas.microsoft.com/office/drawing/2014/main" id="{5C72E2D7-EA22-FF77-D170-ADAF5F945EFB}"/>
-              </a:ext>
-            </a:extLst>
-          </p:cNvPr>
-          <p:cNvCxnSpPr>
-            <a:stCxn id="25" idx="2"/>
-            <a:endCxn id="14" idx="0"/>
-          </p:cNvCxnSpPr>
-          <p:nvPr/>
-        </p:nvCxnSpPr>
-        <p:spPr>
-          <a:xfrm rot="5400000">
-            <a:off x="2605694" y="5129885"/>
-            <a:ext cx="616578" cy="1286231"/>
-          </a:xfrm>
-          <a:prstGeom prst="bentConnector3">
-            <a:avLst/>
-          </a:prstGeom>
-          <a:ln>
-            <a:solidFill>
-              <a:schemeClr val="tx1"/>
-            </a:solidFill>
-            <a:tailEnd type="triangle"/>
-          </a:ln>
-        </p:spPr>
-        <p:style>
-          <a:lnRef idx="1">
-            <a:schemeClr val="accent1"/>
-          </a:lnRef>
-          <a:fillRef idx="0">
-            <a:schemeClr val="accent1"/>
-          </a:fillRef>
-          <a:effectRef idx="0">
-            <a:schemeClr val="accent1"/>
-          </a:effectRef>
-          <a:fontRef idx="minor">
-            <a:schemeClr val="tx1"/>
-          </a:fontRef>
-        </p:style>
-      </p:cxnSp>
-      <p:cxnSp>
-        <p:nvCxnSpPr>
-          <p:cNvPr id="32" name="직선 화살표 연결선 31">
-            <a:extLst>
-              <a:ext uri="{FF2B5EF4-FFF2-40B4-BE49-F238E27FC236}">
-                <a16:creationId xmlns:a16="http://schemas.microsoft.com/office/drawing/2014/main" id="{D8931F02-15B3-0391-4FF9-F831B0F9EBBC}"/>
-              </a:ext>
-            </a:extLst>
-          </p:cNvPr>
-          <p:cNvCxnSpPr>
-            <a:stCxn id="13" idx="3"/>
-          </p:cNvCxnSpPr>
-          <p:nvPr/>
-        </p:nvCxnSpPr>
-        <p:spPr>
-          <a:xfrm flipV="1">
-            <a:off x="6951547" y="5146888"/>
-            <a:ext cx="1216785" cy="1"/>
-          </a:xfrm>
-          <a:prstGeom prst="straightConnector1">
-            <a:avLst/>
-          </a:prstGeom>
-          <a:ln>
-            <a:solidFill>
-              <a:schemeClr val="tx1"/>
-            </a:solidFill>
-            <a:tailEnd type="triangle"/>
-          </a:ln>
-        </p:spPr>
-        <p:style>
-          <a:lnRef idx="1">
-            <a:schemeClr val="accent1"/>
-          </a:lnRef>
-          <a:fillRef idx="0">
-            <a:schemeClr val="accent1"/>
-          </a:fillRef>
-          <a:effectRef idx="0">
-            <a:schemeClr val="accent1"/>
-          </a:effectRef>
-          <a:fontRef idx="minor">
-            <a:schemeClr val="tx1"/>
-          </a:fontRef>
-        </p:style>
-      </p:cxnSp>
-    </p:spTree>
-    <p:extLst>
-      <p:ext uri="{BB962C8B-B14F-4D97-AF65-F5344CB8AC3E}">
-        <p14:creationId xmlns:p14="http://schemas.microsoft.com/office/powerpoint/2010/main" val="1925698285"/>
-      </p:ext>
-    </p:extLst>
-  </p:cSld>
-  <p:clrMapOvr>
-    <a:masterClrMapping/>
-  </p:clrMapOvr>
-</p:sld>
-</file>
-
-<file path=ppt/slides/slide5.xml><?xml version="1.0" encoding="utf-8"?>
-<p:sld xmlns:a="http://schemas.openxmlformats.org/drawingml/2006/main" xmlns:r="http://schemas.openxmlformats.org/officeDocument/2006/relationships" xmlns:p="http://schemas.openxmlformats.org/presentationml/2006/main">
-  <p:cSld>
-    <p:spTree>
-      <p:nvGrpSpPr>
-        <p:cNvPr id="1" name=""/>
-        <p:cNvGrpSpPr/>
-        <p:nvPr/>
-      </p:nvGrpSpPr>
-      <p:grpSpPr>
-        <a:xfrm>
-          <a:off x="0" y="0"/>
-          <a:ext cx="0" cy="0"/>
-          <a:chOff x="0" y="0"/>
-          <a:chExt cx="0" cy="0"/>
-        </a:xfrm>
-      </p:grpSpPr>
-      <p:sp>
-        <p:nvSpPr>
-          <p:cNvPr id="2" name="제목 1">
-            <a:extLst>
-              <a:ext uri="{FF2B5EF4-FFF2-40B4-BE49-F238E27FC236}">
-                <a16:creationId xmlns:a16="http://schemas.microsoft.com/office/drawing/2014/main" id="{319EF890-415B-1B6B-65FC-605F0FD769D4}"/>
-              </a:ext>
-            </a:extLst>
-          </p:cNvPr>
-          <p:cNvSpPr>
-            <a:spLocks noGrp="1"/>
-          </p:cNvSpPr>
-          <p:nvPr>
-            <p:ph type="title"/>
-          </p:nvPr>
-        </p:nvSpPr>
-        <p:spPr/>
-        <p:txBody>
-          <a:bodyPr/>
-          <a:lstStyle/>
-          <a:p>
-            <a:r>
-              <a:rPr lang="ko-KR" altLang="en-US" dirty="0"/>
-              <a:t>이미지 센서</a:t>
-            </a:r>
-          </a:p>
-        </p:txBody>
-      </p:sp>
-      <p:sp>
-        <p:nvSpPr>
-          <p:cNvPr id="3" name="내용 개체 틀 2">
-            <a:extLst>
-              <a:ext uri="{FF2B5EF4-FFF2-40B4-BE49-F238E27FC236}">
-                <a16:creationId xmlns:a16="http://schemas.microsoft.com/office/drawing/2014/main" id="{3775F9BB-F756-1E8A-E8DE-7FC5A666251D}"/>
-              </a:ext>
-            </a:extLst>
-          </p:cNvPr>
-          <p:cNvSpPr>
-            <a:spLocks noGrp="1"/>
-          </p:cNvSpPr>
-          <p:nvPr>
-            <p:ph idx="1"/>
-          </p:nvPr>
-        </p:nvSpPr>
-        <p:spPr/>
-        <p:txBody>
-          <a:bodyPr/>
-          <a:lstStyle/>
-          <a:p>
-            <a:endParaRPr lang="ko-KR" altLang="en-US" dirty="0"/>
-          </a:p>
-        </p:txBody>
-      </p:sp>
-    </p:spTree>
-    <p:extLst>
-      <p:ext uri="{BB962C8B-B14F-4D97-AF65-F5344CB8AC3E}">
-        <p14:creationId xmlns:p14="http://schemas.microsoft.com/office/powerpoint/2010/main" val="31326555"/>
-      </p:ext>
-    </p:extLst>
-  </p:cSld>
-  <p:clrMapOvr>
-    <a:masterClrMapping/>
-  </p:clrMapOvr>
-</p:sld>
-</file>
-
-<file path=ppt/slides/slide6.xml><?xml version="1.0" encoding="utf-8"?>
-<p:sld xmlns:a="http://schemas.openxmlformats.org/drawingml/2006/main" xmlns:r="http://schemas.openxmlformats.org/officeDocument/2006/relationships" xmlns:p="http://schemas.openxmlformats.org/presentationml/2006/main">
-  <p:cSld>
-    <p:spTree>
-      <p:nvGrpSpPr>
-        <p:cNvPr id="1" name=""/>
-        <p:cNvGrpSpPr/>
-        <p:nvPr/>
-      </p:nvGrpSpPr>
-      <p:grpSpPr>
-        <a:xfrm>
-          <a:off x="0" y="0"/>
-          <a:ext cx="0" cy="0"/>
-          <a:chOff x="0" y="0"/>
-          <a:chExt cx="0" cy="0"/>
-        </a:xfrm>
-      </p:grpSpPr>
-      <p:sp>
-        <p:nvSpPr>
-          <p:cNvPr id="2" name="제목 1">
-            <a:extLst>
-              <a:ext uri="{FF2B5EF4-FFF2-40B4-BE49-F238E27FC236}">
-                <a16:creationId xmlns:a16="http://schemas.microsoft.com/office/drawing/2014/main" id="{7DD24BEF-08DB-1E08-34E2-CAEBE2AF41A6}"/>
-              </a:ext>
-            </a:extLst>
-          </p:cNvPr>
-          <p:cNvSpPr>
-            <a:spLocks noGrp="1"/>
-          </p:cNvSpPr>
-          <p:nvPr>
-            <p:ph type="title"/>
-          </p:nvPr>
-        </p:nvSpPr>
-        <p:spPr/>
-        <p:txBody>
-          <a:bodyPr/>
-          <a:lstStyle/>
-          <a:p>
-            <a:r>
-              <a:rPr lang="en-US" altLang="ko-KR" dirty="0"/>
-              <a:t>HW </a:t>
-            </a:r>
-            <a:r>
-              <a:rPr lang="ko-KR" altLang="en-US" dirty="0" err="1"/>
-              <a:t>아키텍쳐</a:t>
-            </a:r>
-            <a:endParaRPr lang="ko-KR" altLang="en-US" dirty="0"/>
-          </a:p>
-        </p:txBody>
-      </p:sp>
-      <p:pic>
-        <p:nvPicPr>
-          <p:cNvPr id="7" name="그림 6">
-            <a:extLst>
-              <a:ext uri="{FF2B5EF4-FFF2-40B4-BE49-F238E27FC236}">
-                <a16:creationId xmlns:a16="http://schemas.microsoft.com/office/drawing/2014/main" id="{09B3D658-D5EE-C4A3-ACB5-721ADFC15009}"/>
-              </a:ext>
-            </a:extLst>
-          </p:cNvPr>
-          <p:cNvPicPr>
-            <a:picLocks noChangeAspect="1"/>
-          </p:cNvPicPr>
-          <p:nvPr/>
-        </p:nvPicPr>
-        <p:blipFill>
-          <a:blip r:embed="rId2"/>
-          <a:stretch>
-            <a:fillRect/>
-          </a:stretch>
-        </p:blipFill>
-        <p:spPr>
-          <a:xfrm>
-            <a:off x="723209" y="2869530"/>
-            <a:ext cx="3521744" cy="2542638"/>
-          </a:xfrm>
-          <a:prstGeom prst="rect">
-            <a:avLst/>
-          </a:prstGeom>
-        </p:spPr>
-      </p:pic>
-      <p:pic>
-        <p:nvPicPr>
-          <p:cNvPr id="11" name="그림 10">
-            <a:extLst>
-              <a:ext uri="{FF2B5EF4-FFF2-40B4-BE49-F238E27FC236}">
-                <a16:creationId xmlns:a16="http://schemas.microsoft.com/office/drawing/2014/main" id="{8CFED359-3985-AF85-ED68-A2715DC42D45}"/>
-              </a:ext>
-            </a:extLst>
-          </p:cNvPr>
-          <p:cNvPicPr>
-            <a:picLocks noChangeAspect="1"/>
-          </p:cNvPicPr>
-          <p:nvPr/>
-        </p:nvPicPr>
-        <p:blipFill>
-          <a:blip r:embed="rId3"/>
-          <a:stretch>
-            <a:fillRect/>
-          </a:stretch>
-        </p:blipFill>
-        <p:spPr>
-          <a:xfrm>
-            <a:off x="4574996" y="3169782"/>
-            <a:ext cx="3873683" cy="2079830"/>
-          </a:xfrm>
-          <a:prstGeom prst="rect">
-            <a:avLst/>
-          </a:prstGeom>
-        </p:spPr>
-      </p:pic>
-      <p:pic>
-        <p:nvPicPr>
-          <p:cNvPr id="13" name="그림 12">
-            <a:extLst>
-              <a:ext uri="{FF2B5EF4-FFF2-40B4-BE49-F238E27FC236}">
-                <a16:creationId xmlns:a16="http://schemas.microsoft.com/office/drawing/2014/main" id="{428D52FE-B1B1-8749-2661-353B7E3C6DA7}"/>
-              </a:ext>
-            </a:extLst>
-          </p:cNvPr>
-          <p:cNvPicPr>
-            <a:picLocks noChangeAspect="1"/>
-          </p:cNvPicPr>
-          <p:nvPr/>
-        </p:nvPicPr>
-        <p:blipFill>
-          <a:blip r:embed="rId4"/>
-          <a:stretch>
-            <a:fillRect/>
-          </a:stretch>
-        </p:blipFill>
-        <p:spPr>
-          <a:xfrm>
-            <a:off x="8770055" y="2869530"/>
-            <a:ext cx="3158013" cy="2972247"/>
-          </a:xfrm>
-          <a:prstGeom prst="rect">
-            <a:avLst/>
-          </a:prstGeom>
-        </p:spPr>
-      </p:pic>
-      <p:sp>
-        <p:nvSpPr>
-          <p:cNvPr id="19" name="내용 개체 틀 2">
-            <a:extLst>
-              <a:ext uri="{FF2B5EF4-FFF2-40B4-BE49-F238E27FC236}">
-                <a16:creationId xmlns:a16="http://schemas.microsoft.com/office/drawing/2014/main" id="{4CE612E5-D1B4-E9C5-F05C-9C3E07222440}"/>
-              </a:ext>
-            </a:extLst>
-          </p:cNvPr>
-          <p:cNvSpPr>
-            <a:spLocks noGrp="1"/>
-          </p:cNvSpPr>
-          <p:nvPr>
-            <p:ph idx="1"/>
-          </p:nvPr>
-        </p:nvSpPr>
-        <p:spPr>
-          <a:xfrm>
-            <a:off x="1886415" y="2327430"/>
-            <a:ext cx="928955" cy="438073"/>
-          </a:xfrm>
-        </p:spPr>
-        <p:txBody>
-          <a:bodyPr>
-            <a:normAutofit lnSpcReduction="10000"/>
-          </a:bodyPr>
-          <a:lstStyle/>
-          <a:p>
-            <a:pPr marL="0" indent="0">
-              <a:buNone/>
-            </a:pPr>
-            <a:r>
-              <a:rPr lang="ko-KR" altLang="en-US" dirty="0"/>
-              <a:t>전면</a:t>
-            </a:r>
-            <a:endParaRPr lang="en-US" altLang="ko-KR" dirty="0"/>
-          </a:p>
-        </p:txBody>
-      </p:sp>
-      <p:sp>
-        <p:nvSpPr>
-          <p:cNvPr id="21" name="내용 개체 틀 2">
-            <a:extLst>
-              <a:ext uri="{FF2B5EF4-FFF2-40B4-BE49-F238E27FC236}">
-                <a16:creationId xmlns:a16="http://schemas.microsoft.com/office/drawing/2014/main" id="{77E681A1-F7DE-521E-F007-84E4F0C510F6}"/>
-              </a:ext>
-            </a:extLst>
-          </p:cNvPr>
-          <p:cNvSpPr txBox="1">
-            <a:spLocks/>
-          </p:cNvSpPr>
-          <p:nvPr/>
-        </p:nvSpPr>
-        <p:spPr>
-          <a:xfrm>
-            <a:off x="5839835" y="2327429"/>
-            <a:ext cx="928955" cy="438073"/>
-          </a:xfrm>
-          <a:prstGeom prst="rect">
-            <a:avLst/>
-          </a:prstGeom>
-        </p:spPr>
-        <p:txBody>
-          <a:bodyPr vert="horz" lIns="91440" tIns="45720" rIns="91440" bIns="45720" rtlCol="0">
-            <a:normAutofit lnSpcReduction="10000"/>
-          </a:bodyPr>
-          <a:lstStyle>
-            <a:lvl1pPr marL="228600" indent="-228600" algn="l" defTabSz="914400" rtl="0" eaLnBrk="1" latinLnBrk="1" hangingPunct="1">
-              <a:lnSpc>
-                <a:spcPct val="90000"/>
-              </a:lnSpc>
-              <a:spcBef>
-                <a:spcPts val="1000"/>
-              </a:spcBef>
-              <a:buFont typeface="Arial" panose="020B0604020202020204" pitchFamily="34" charset="0"/>
-              <a:buChar char="•"/>
-              <a:defRPr sz="2800" kern="1200">
-                <a:solidFill>
-                  <a:schemeClr val="tx1"/>
-                </a:solidFill>
-                <a:latin typeface="+mn-lt"/>
-                <a:ea typeface="+mn-ea"/>
-                <a:cs typeface="+mn-cs"/>
-              </a:defRPr>
-            </a:lvl1pPr>
-            <a:lvl2pPr marL="685800" indent="-228600" algn="l" defTabSz="914400" rtl="0" eaLnBrk="1" latinLnBrk="1" hangingPunct="1">
-              <a:lnSpc>
-                <a:spcPct val="90000"/>
-              </a:lnSpc>
-              <a:spcBef>
-                <a:spcPts val="500"/>
-              </a:spcBef>
-              <a:buFont typeface="Arial" panose="020B0604020202020204" pitchFamily="34" charset="0"/>
-              <a:buChar char="•"/>
-              <a:defRPr sz="2400" kern="1200">
-                <a:solidFill>
-                  <a:schemeClr val="tx1"/>
-                </a:solidFill>
-                <a:latin typeface="+mn-lt"/>
-                <a:ea typeface="+mn-ea"/>
-                <a:cs typeface="+mn-cs"/>
-              </a:defRPr>
-            </a:lvl2pPr>
-            <a:lvl3pPr marL="1143000" indent="-228600" algn="l" defTabSz="914400" rtl="0" eaLnBrk="1" latinLnBrk="1" hangingPunct="1">
-              <a:lnSpc>
-                <a:spcPct val="90000"/>
-              </a:lnSpc>
-              <a:spcBef>
-                <a:spcPts val="500"/>
-              </a:spcBef>
-              <a:buFont typeface="Arial" panose="020B0604020202020204" pitchFamily="34" charset="0"/>
-              <a:buChar char="•"/>
-              <a:defRPr sz="2000" kern="1200">
-                <a:solidFill>
-                  <a:schemeClr val="tx1"/>
-                </a:solidFill>
-                <a:latin typeface="+mn-lt"/>
-                <a:ea typeface="+mn-ea"/>
-                <a:cs typeface="+mn-cs"/>
-              </a:defRPr>
-            </a:lvl3pPr>
-            <a:lvl4pPr marL="1600200" indent="-228600" algn="l" defTabSz="914400" rtl="0" eaLnBrk="1" latinLnBrk="1" hangingPunct="1">
-              <a:lnSpc>
-                <a:spcPct val="90000"/>
-              </a:lnSpc>
-              <a:spcBef>
-                <a:spcPts val="500"/>
-              </a:spcBef>
-              <a:buFont typeface="Arial" panose="020B0604020202020204" pitchFamily="34" charset="0"/>
-              <a:buChar char="•"/>
-              <a:defRPr sz="1800" kern="1200">
-                <a:solidFill>
-                  <a:schemeClr val="tx1"/>
-                </a:solidFill>
-                <a:latin typeface="+mn-lt"/>
-                <a:ea typeface="+mn-ea"/>
-                <a:cs typeface="+mn-cs"/>
-              </a:defRPr>
-            </a:lvl4pPr>
-            <a:lvl5pPr marL="2057400" indent="-228600" algn="l" defTabSz="914400" rtl="0" eaLnBrk="1" latinLnBrk="1" hangingPunct="1">
-              <a:lnSpc>
-                <a:spcPct val="90000"/>
-              </a:lnSpc>
-              <a:spcBef>
-                <a:spcPts val="500"/>
-              </a:spcBef>
-              <a:buFont typeface="Arial" panose="020B0604020202020204" pitchFamily="34" charset="0"/>
-              <a:buChar char="•"/>
-              <a:defRPr sz="1800" kern="1200">
-                <a:solidFill>
-                  <a:schemeClr val="tx1"/>
-                </a:solidFill>
-                <a:latin typeface="+mn-lt"/>
-                <a:ea typeface="+mn-ea"/>
-                <a:cs typeface="+mn-cs"/>
-              </a:defRPr>
-            </a:lvl5pPr>
-            <a:lvl6pPr marL="2514600" indent="-228600" algn="l" defTabSz="914400" rtl="0" eaLnBrk="1" latinLnBrk="1" hangingPunct="1">
-              <a:lnSpc>
-                <a:spcPct val="90000"/>
-              </a:lnSpc>
-              <a:spcBef>
-                <a:spcPts val="500"/>
-              </a:spcBef>
-              <a:buFont typeface="Arial" panose="020B0604020202020204" pitchFamily="34" charset="0"/>
-              <a:buChar char="•"/>
-              <a:defRPr sz="1800" kern="1200">
-                <a:solidFill>
-                  <a:schemeClr val="tx1"/>
-                </a:solidFill>
-                <a:latin typeface="+mn-lt"/>
-                <a:ea typeface="+mn-ea"/>
-                <a:cs typeface="+mn-cs"/>
-              </a:defRPr>
-            </a:lvl6pPr>
-            <a:lvl7pPr marL="2971800" indent="-228600" algn="l" defTabSz="914400" rtl="0" eaLnBrk="1" latinLnBrk="1" hangingPunct="1">
-              <a:lnSpc>
-                <a:spcPct val="90000"/>
-              </a:lnSpc>
-              <a:spcBef>
-                <a:spcPts val="500"/>
-              </a:spcBef>
-              <a:buFont typeface="Arial" panose="020B0604020202020204" pitchFamily="34" charset="0"/>
-              <a:buChar char="•"/>
-              <a:defRPr sz="1800" kern="1200">
-                <a:solidFill>
-                  <a:schemeClr val="tx1"/>
-                </a:solidFill>
-                <a:latin typeface="+mn-lt"/>
-                <a:ea typeface="+mn-ea"/>
-                <a:cs typeface="+mn-cs"/>
-              </a:defRPr>
-            </a:lvl7pPr>
-            <a:lvl8pPr marL="3429000" indent="-228600" algn="l" defTabSz="914400" rtl="0" eaLnBrk="1" latinLnBrk="1" hangingPunct="1">
-              <a:lnSpc>
-                <a:spcPct val="90000"/>
-              </a:lnSpc>
-              <a:spcBef>
-                <a:spcPts val="500"/>
-              </a:spcBef>
-              <a:buFont typeface="Arial" panose="020B0604020202020204" pitchFamily="34" charset="0"/>
-              <a:buChar char="•"/>
-              <a:defRPr sz="1800" kern="1200">
-                <a:solidFill>
-                  <a:schemeClr val="tx1"/>
-                </a:solidFill>
-                <a:latin typeface="+mn-lt"/>
-                <a:ea typeface="+mn-ea"/>
-                <a:cs typeface="+mn-cs"/>
-              </a:defRPr>
-            </a:lvl8pPr>
-            <a:lvl9pPr marL="3886200" indent="-228600" algn="l" defTabSz="914400" rtl="0" eaLnBrk="1" latinLnBrk="1" hangingPunct="1">
-              <a:lnSpc>
-                <a:spcPct val="90000"/>
-              </a:lnSpc>
-              <a:spcBef>
-                <a:spcPts val="500"/>
-              </a:spcBef>
-              <a:buFont typeface="Arial" panose="020B0604020202020204" pitchFamily="34" charset="0"/>
-              <a:buChar char="•"/>
-              <a:defRPr sz="1800" kern="1200">
-                <a:solidFill>
-                  <a:schemeClr val="tx1"/>
-                </a:solidFill>
-                <a:latin typeface="+mn-lt"/>
-                <a:ea typeface="+mn-ea"/>
-                <a:cs typeface="+mn-cs"/>
-              </a:defRPr>
-            </a:lvl9pPr>
-          </a:lstStyle>
-          <a:p>
-            <a:pPr marL="0" indent="0">
-              <a:buFont typeface="Arial" panose="020B0604020202020204" pitchFamily="34" charset="0"/>
-              <a:buNone/>
-            </a:pPr>
-            <a:r>
-              <a:rPr lang="ko-KR" altLang="en-US"/>
-              <a:t>후면</a:t>
-            </a:r>
-            <a:endParaRPr lang="en-US" altLang="ko-KR" dirty="0"/>
-          </a:p>
-        </p:txBody>
-      </p:sp>
-      <p:sp>
-        <p:nvSpPr>
-          <p:cNvPr id="23" name="내용 개체 틀 2">
-            <a:extLst>
-              <a:ext uri="{FF2B5EF4-FFF2-40B4-BE49-F238E27FC236}">
-                <a16:creationId xmlns:a16="http://schemas.microsoft.com/office/drawing/2014/main" id="{143ADF42-5914-1DB8-0AD0-1739268B9CD5}"/>
-              </a:ext>
-            </a:extLst>
-          </p:cNvPr>
-          <p:cNvSpPr txBox="1">
-            <a:spLocks/>
-          </p:cNvSpPr>
-          <p:nvPr/>
-        </p:nvSpPr>
-        <p:spPr>
-          <a:xfrm>
-            <a:off x="9793255" y="2327428"/>
-            <a:ext cx="928955" cy="438073"/>
-          </a:xfrm>
-          <a:prstGeom prst="rect">
-            <a:avLst/>
-          </a:prstGeom>
-        </p:spPr>
-        <p:txBody>
-          <a:bodyPr vert="horz" lIns="91440" tIns="45720" rIns="91440" bIns="45720" rtlCol="0">
-            <a:normAutofit lnSpcReduction="10000"/>
-          </a:bodyPr>
-          <a:lstStyle>
-            <a:lvl1pPr marL="228600" indent="-228600" algn="l" defTabSz="914400" rtl="0" eaLnBrk="1" latinLnBrk="1" hangingPunct="1">
-              <a:lnSpc>
-                <a:spcPct val="90000"/>
-              </a:lnSpc>
-              <a:spcBef>
-                <a:spcPts val="1000"/>
-              </a:spcBef>
-              <a:buFont typeface="Arial" panose="020B0604020202020204" pitchFamily="34" charset="0"/>
-              <a:buChar char="•"/>
-              <a:defRPr sz="2800" kern="1200">
-                <a:solidFill>
-                  <a:schemeClr val="tx1"/>
-                </a:solidFill>
-                <a:latin typeface="+mn-lt"/>
-                <a:ea typeface="+mn-ea"/>
-                <a:cs typeface="+mn-cs"/>
-              </a:defRPr>
-            </a:lvl1pPr>
-            <a:lvl2pPr marL="685800" indent="-228600" algn="l" defTabSz="914400" rtl="0" eaLnBrk="1" latinLnBrk="1" hangingPunct="1">
-              <a:lnSpc>
-                <a:spcPct val="90000"/>
-              </a:lnSpc>
-              <a:spcBef>
-                <a:spcPts val="500"/>
-              </a:spcBef>
-              <a:buFont typeface="Arial" panose="020B0604020202020204" pitchFamily="34" charset="0"/>
-              <a:buChar char="•"/>
-              <a:defRPr sz="2400" kern="1200">
-                <a:solidFill>
-                  <a:schemeClr val="tx1"/>
-                </a:solidFill>
-                <a:latin typeface="+mn-lt"/>
-                <a:ea typeface="+mn-ea"/>
-                <a:cs typeface="+mn-cs"/>
-              </a:defRPr>
-            </a:lvl2pPr>
-            <a:lvl3pPr marL="1143000" indent="-228600" algn="l" defTabSz="914400" rtl="0" eaLnBrk="1" latinLnBrk="1" hangingPunct="1">
-              <a:lnSpc>
-                <a:spcPct val="90000"/>
-              </a:lnSpc>
-              <a:spcBef>
-                <a:spcPts val="500"/>
-              </a:spcBef>
-              <a:buFont typeface="Arial" panose="020B0604020202020204" pitchFamily="34" charset="0"/>
-              <a:buChar char="•"/>
-              <a:defRPr sz="2000" kern="1200">
-                <a:solidFill>
-                  <a:schemeClr val="tx1"/>
-                </a:solidFill>
-                <a:latin typeface="+mn-lt"/>
-                <a:ea typeface="+mn-ea"/>
-                <a:cs typeface="+mn-cs"/>
-              </a:defRPr>
-            </a:lvl3pPr>
-            <a:lvl4pPr marL="1600200" indent="-228600" algn="l" defTabSz="914400" rtl="0" eaLnBrk="1" latinLnBrk="1" hangingPunct="1">
-              <a:lnSpc>
-                <a:spcPct val="90000"/>
-              </a:lnSpc>
-              <a:spcBef>
-                <a:spcPts val="500"/>
-              </a:spcBef>
-              <a:buFont typeface="Arial" panose="020B0604020202020204" pitchFamily="34" charset="0"/>
-              <a:buChar char="•"/>
-              <a:defRPr sz="1800" kern="1200">
-                <a:solidFill>
-                  <a:schemeClr val="tx1"/>
-                </a:solidFill>
-                <a:latin typeface="+mn-lt"/>
-                <a:ea typeface="+mn-ea"/>
-                <a:cs typeface="+mn-cs"/>
-              </a:defRPr>
-            </a:lvl4pPr>
-            <a:lvl5pPr marL="2057400" indent="-228600" algn="l" defTabSz="914400" rtl="0" eaLnBrk="1" latinLnBrk="1" hangingPunct="1">
-              <a:lnSpc>
-                <a:spcPct val="90000"/>
-              </a:lnSpc>
-              <a:spcBef>
-                <a:spcPts val="500"/>
-              </a:spcBef>
-              <a:buFont typeface="Arial" panose="020B0604020202020204" pitchFamily="34" charset="0"/>
-              <a:buChar char="•"/>
-              <a:defRPr sz="1800" kern="1200">
-                <a:solidFill>
-                  <a:schemeClr val="tx1"/>
-                </a:solidFill>
-                <a:latin typeface="+mn-lt"/>
-                <a:ea typeface="+mn-ea"/>
-                <a:cs typeface="+mn-cs"/>
-              </a:defRPr>
-            </a:lvl5pPr>
-            <a:lvl6pPr marL="2514600" indent="-228600" algn="l" defTabSz="914400" rtl="0" eaLnBrk="1" latinLnBrk="1" hangingPunct="1">
-              <a:lnSpc>
-                <a:spcPct val="90000"/>
-              </a:lnSpc>
-              <a:spcBef>
-                <a:spcPts val="500"/>
-              </a:spcBef>
-              <a:buFont typeface="Arial" panose="020B0604020202020204" pitchFamily="34" charset="0"/>
-              <a:buChar char="•"/>
-              <a:defRPr sz="1800" kern="1200">
-                <a:solidFill>
-                  <a:schemeClr val="tx1"/>
-                </a:solidFill>
-                <a:latin typeface="+mn-lt"/>
-                <a:ea typeface="+mn-ea"/>
-                <a:cs typeface="+mn-cs"/>
-              </a:defRPr>
-            </a:lvl6pPr>
-            <a:lvl7pPr marL="2971800" indent="-228600" algn="l" defTabSz="914400" rtl="0" eaLnBrk="1" latinLnBrk="1" hangingPunct="1">
-              <a:lnSpc>
-                <a:spcPct val="90000"/>
-              </a:lnSpc>
-              <a:spcBef>
-                <a:spcPts val="500"/>
-              </a:spcBef>
-              <a:buFont typeface="Arial" panose="020B0604020202020204" pitchFamily="34" charset="0"/>
-              <a:buChar char="•"/>
-              <a:defRPr sz="1800" kern="1200">
-                <a:solidFill>
-                  <a:schemeClr val="tx1"/>
-                </a:solidFill>
-                <a:latin typeface="+mn-lt"/>
-                <a:ea typeface="+mn-ea"/>
-                <a:cs typeface="+mn-cs"/>
-              </a:defRPr>
-            </a:lvl7pPr>
-            <a:lvl8pPr marL="3429000" indent="-228600" algn="l" defTabSz="914400" rtl="0" eaLnBrk="1" latinLnBrk="1" hangingPunct="1">
-              <a:lnSpc>
-                <a:spcPct val="90000"/>
-              </a:lnSpc>
-              <a:spcBef>
-                <a:spcPts val="500"/>
-              </a:spcBef>
-              <a:buFont typeface="Arial" panose="020B0604020202020204" pitchFamily="34" charset="0"/>
-              <a:buChar char="•"/>
-              <a:defRPr sz="1800" kern="1200">
-                <a:solidFill>
-                  <a:schemeClr val="tx1"/>
-                </a:solidFill>
-                <a:latin typeface="+mn-lt"/>
-                <a:ea typeface="+mn-ea"/>
-                <a:cs typeface="+mn-cs"/>
-              </a:defRPr>
-            </a:lvl8pPr>
-            <a:lvl9pPr marL="3886200" indent="-228600" algn="l" defTabSz="914400" rtl="0" eaLnBrk="1" latinLnBrk="1" hangingPunct="1">
-              <a:lnSpc>
-                <a:spcPct val="90000"/>
-              </a:lnSpc>
-              <a:spcBef>
-                <a:spcPts val="500"/>
-              </a:spcBef>
-              <a:buFont typeface="Arial" panose="020B0604020202020204" pitchFamily="34" charset="0"/>
-              <a:buChar char="•"/>
-              <a:defRPr sz="1800" kern="1200">
-                <a:solidFill>
-                  <a:schemeClr val="tx1"/>
-                </a:solidFill>
-                <a:latin typeface="+mn-lt"/>
-                <a:ea typeface="+mn-ea"/>
-                <a:cs typeface="+mn-cs"/>
-              </a:defRPr>
-            </a:lvl9pPr>
-          </a:lstStyle>
-          <a:p>
-            <a:pPr marL="0" indent="0">
-              <a:buFont typeface="Arial" panose="020B0604020202020204" pitchFamily="34" charset="0"/>
-              <a:buNone/>
-            </a:pPr>
-            <a:r>
-              <a:rPr lang="ko-KR" altLang="en-US" dirty="0"/>
-              <a:t>측면</a:t>
-            </a:r>
-            <a:endParaRPr lang="en-US" altLang="ko-KR" dirty="0"/>
-          </a:p>
-        </p:txBody>
-      </p:sp>
-    </p:spTree>
-    <p:extLst>
-      <p:ext uri="{BB962C8B-B14F-4D97-AF65-F5344CB8AC3E}">
-        <p14:creationId xmlns:p14="http://schemas.microsoft.com/office/powerpoint/2010/main" val="3286530850"/>
-      </p:ext>
-    </p:extLst>
-  </p:cSld>
-  <p:clrMapOvr>
-    <a:masterClrMapping/>
-  </p:clrMapOvr>
-</p:sld>
-</file>
-
-<file path=ppt/slides/slide7.xml><?xml version="1.0" encoding="utf-8"?>
-<p:sld xmlns:a="http://schemas.openxmlformats.org/drawingml/2006/main" xmlns:r="http://schemas.openxmlformats.org/officeDocument/2006/relationships" xmlns:p="http://schemas.openxmlformats.org/presentationml/2006/main">
-  <p:cSld>
-    <p:bg>
-      <p:bgPr>
-        <a:solidFill>
-          <a:schemeClr val="bg1"/>
-        </a:solidFill>
-        <a:effectLst/>
-      </p:bgPr>
-    </p:bg>
-    <p:spTree>
-      <p:nvGrpSpPr>
-        <p:cNvPr id="1" name=""/>
-        <p:cNvGrpSpPr/>
-        <p:nvPr/>
-      </p:nvGrpSpPr>
-      <p:grpSpPr>
-        <a:xfrm>
-          <a:off x="0" y="0"/>
-          <a:ext cx="0" cy="0"/>
-          <a:chOff x="0" y="0"/>
-          <a:chExt cx="0" cy="0"/>
-        </a:xfrm>
-      </p:grpSpPr>
-      <p:pic>
-        <p:nvPicPr>
-          <p:cNvPr id="8" name="그림 7">
-            <a:extLst>
-              <a:ext uri="{FF2B5EF4-FFF2-40B4-BE49-F238E27FC236}">
-                <a16:creationId xmlns:a16="http://schemas.microsoft.com/office/drawing/2014/main" id="{8813A562-DF78-8007-467F-93C0E6520FFB}"/>
-              </a:ext>
-            </a:extLst>
-          </p:cNvPr>
-          <p:cNvPicPr>
-            <a:picLocks noChangeAspect="1"/>
-          </p:cNvPicPr>
-          <p:nvPr/>
-        </p:nvPicPr>
-        <p:blipFill>
-          <a:blip r:embed="rId2"/>
-          <a:stretch>
-            <a:fillRect/>
-          </a:stretch>
-        </p:blipFill>
-        <p:spPr>
-          <a:xfrm>
-            <a:off x="1117600" y="1680696"/>
-            <a:ext cx="3521744" cy="2542638"/>
-          </a:xfrm>
-          <a:prstGeom prst="rect">
-            <a:avLst/>
-          </a:prstGeom>
-        </p:spPr>
-      </p:pic>
-      <p:sp>
-        <p:nvSpPr>
-          <p:cNvPr id="7" name="사각형: 둥근 모서리 6">
-            <a:extLst>
-              <a:ext uri="{FF2B5EF4-FFF2-40B4-BE49-F238E27FC236}">
-                <a16:creationId xmlns:a16="http://schemas.microsoft.com/office/drawing/2014/main" id="{01F257F1-A81F-1AE7-AC55-214F084FB51C}"/>
-              </a:ext>
-            </a:extLst>
-          </p:cNvPr>
-          <p:cNvSpPr/>
-          <p:nvPr/>
-        </p:nvSpPr>
-        <p:spPr>
-          <a:xfrm>
-            <a:off x="1898028" y="1902800"/>
-            <a:ext cx="1470401" cy="1410924"/>
-          </a:xfrm>
-          <a:prstGeom prst="roundRect">
-            <a:avLst/>
-          </a:prstGeom>
-          <a:noFill/>
-          <a:ln w="57150">
-            <a:solidFill>
-              <a:srgbClr val="FF0000"/>
-            </a:solidFill>
-          </a:ln>
-        </p:spPr>
-        <p:style>
-          <a:lnRef idx="2">
-            <a:schemeClr val="accent1">
-              <a:shade val="15000"/>
-            </a:schemeClr>
-          </a:lnRef>
-          <a:fillRef idx="1">
-            <a:schemeClr val="accent1"/>
-          </a:fillRef>
-          <a:effectRef idx="0">
-            <a:schemeClr val="accent1"/>
-          </a:effectRef>
-          <a:fontRef idx="minor">
-            <a:schemeClr val="lt1"/>
-          </a:fontRef>
-        </p:style>
-        <p:txBody>
-          <a:bodyPr rtlCol="0" anchor="ctr"/>
-          <a:lstStyle/>
-          <a:p>
-            <a:pPr algn="ctr"/>
-            <a:endParaRPr lang="ko-KR" altLang="en-US"/>
-          </a:p>
-        </p:txBody>
-      </p:sp>
-    </p:spTree>
-    <p:extLst>
-      <p:ext uri="{BB962C8B-B14F-4D97-AF65-F5344CB8AC3E}">
-        <p14:creationId xmlns:p14="http://schemas.microsoft.com/office/powerpoint/2010/main" val="2734230625"/>
-      </p:ext>
-    </p:extLst>
-  </p:cSld>
-  <p:clrMapOvr>
-    <a:masterClrMapping/>
-  </p:clrMapOvr>
-</p:sld>
-</file>
-
-<file path=ppt/slides/slide8.xml><?xml version="1.0" encoding="utf-8"?>
 <p:sld xmlns:a="http://schemas.openxmlformats.org/drawingml/2006/main" xmlns:r="http://schemas.openxmlformats.org/officeDocument/2006/relationships" xmlns:p="http://schemas.openxmlformats.org/presentationml/2006/main">
   <p:cSld>
     <p:bg>
@@ -9080,7 +4858,7 @@
 </p:sld>
 </file>
 
-<file path=ppt/slides/slide9.xml><?xml version="1.0" encoding="utf-8"?>
+<file path=ppt/slides/slide11.xml><?xml version="1.0" encoding="utf-8"?>
 <p:sld xmlns:a="http://schemas.openxmlformats.org/drawingml/2006/main" xmlns:r="http://schemas.openxmlformats.org/officeDocument/2006/relationships" xmlns:p="http://schemas.openxmlformats.org/presentationml/2006/main">
   <p:cSld>
     <p:spTree>
@@ -10483,6 +6261,5104 @@
 </p:sld>
 </file>
 
+<file path=ppt/slides/slide12.xml><?xml version="1.0" encoding="utf-8"?>
+<p:sld xmlns:a="http://schemas.openxmlformats.org/drawingml/2006/main" xmlns:r="http://schemas.openxmlformats.org/officeDocument/2006/relationships" xmlns:p="http://schemas.openxmlformats.org/presentationml/2006/main">
+  <p:cSld>
+    <p:spTree>
+      <p:nvGrpSpPr>
+        <p:cNvPr id="1" name=""/>
+        <p:cNvGrpSpPr/>
+        <p:nvPr/>
+      </p:nvGrpSpPr>
+      <p:grpSpPr>
+        <a:xfrm>
+          <a:off x="0" y="0"/>
+          <a:ext cx="0" cy="0"/>
+          <a:chOff x="0" y="0"/>
+          <a:chExt cx="0" cy="0"/>
+        </a:xfrm>
+      </p:grpSpPr>
+      <p:sp>
+        <p:nvSpPr>
+          <p:cNvPr id="2" name="제목 1">
+            <a:extLst>
+              <a:ext uri="{FF2B5EF4-FFF2-40B4-BE49-F238E27FC236}">
+                <a16:creationId xmlns:a16="http://schemas.microsoft.com/office/drawing/2014/main" id="{03A93382-671C-220A-116F-B6B535BFCE76}"/>
+              </a:ext>
+            </a:extLst>
+          </p:cNvPr>
+          <p:cNvSpPr>
+            <a:spLocks noGrp="1"/>
+          </p:cNvSpPr>
+          <p:nvPr>
+            <p:ph type="title"/>
+          </p:nvPr>
+        </p:nvSpPr>
+        <p:spPr/>
+        <p:txBody>
+          <a:bodyPr/>
+          <a:lstStyle/>
+          <a:p>
+            <a:endParaRPr lang="ko-KR" altLang="en-US"/>
+          </a:p>
+        </p:txBody>
+      </p:sp>
+      <p:sp>
+        <p:nvSpPr>
+          <p:cNvPr id="3" name="내용 개체 틀 2">
+            <a:extLst>
+              <a:ext uri="{FF2B5EF4-FFF2-40B4-BE49-F238E27FC236}">
+                <a16:creationId xmlns:a16="http://schemas.microsoft.com/office/drawing/2014/main" id="{2694D2B8-3409-1115-FF96-B28521515C24}"/>
+              </a:ext>
+            </a:extLst>
+          </p:cNvPr>
+          <p:cNvSpPr>
+            <a:spLocks noGrp="1"/>
+          </p:cNvSpPr>
+          <p:nvPr>
+            <p:ph idx="1"/>
+          </p:nvPr>
+        </p:nvSpPr>
+        <p:spPr/>
+        <p:txBody>
+          <a:bodyPr/>
+          <a:lstStyle/>
+          <a:p>
+            <a:endParaRPr lang="ko-KR" altLang="en-US"/>
+          </a:p>
+        </p:txBody>
+      </p:sp>
+    </p:spTree>
+    <p:extLst>
+      <p:ext uri="{BB962C8B-B14F-4D97-AF65-F5344CB8AC3E}">
+        <p14:creationId xmlns:p14="http://schemas.microsoft.com/office/powerpoint/2010/main" val="2815708057"/>
+      </p:ext>
+    </p:extLst>
+  </p:cSld>
+  <p:clrMapOvr>
+    <a:masterClrMapping/>
+  </p:clrMapOvr>
+</p:sld>
+</file>
+
+<file path=ppt/slides/slide2.xml><?xml version="1.0" encoding="utf-8"?>
+<p:sld xmlns:a="http://schemas.openxmlformats.org/drawingml/2006/main" xmlns:r="http://schemas.openxmlformats.org/officeDocument/2006/relationships" xmlns:p="http://schemas.openxmlformats.org/presentationml/2006/main">
+  <p:cSld>
+    <p:spTree>
+      <p:nvGrpSpPr>
+        <p:cNvPr id="1" name=""/>
+        <p:cNvGrpSpPr/>
+        <p:nvPr/>
+      </p:nvGrpSpPr>
+      <p:grpSpPr>
+        <a:xfrm>
+          <a:off x="0" y="0"/>
+          <a:ext cx="0" cy="0"/>
+          <a:chOff x="0" y="0"/>
+          <a:chExt cx="0" cy="0"/>
+        </a:xfrm>
+      </p:grpSpPr>
+      <p:sp>
+        <p:nvSpPr>
+          <p:cNvPr id="2" name="제목 1">
+            <a:extLst>
+              <a:ext uri="{FF2B5EF4-FFF2-40B4-BE49-F238E27FC236}">
+                <a16:creationId xmlns:a16="http://schemas.microsoft.com/office/drawing/2014/main" id="{EBCF49C2-3F21-E4B2-552D-99456E2E858A}"/>
+              </a:ext>
+            </a:extLst>
+          </p:cNvPr>
+          <p:cNvSpPr>
+            <a:spLocks noGrp="1"/>
+          </p:cNvSpPr>
+          <p:nvPr>
+            <p:ph type="title"/>
+          </p:nvPr>
+        </p:nvSpPr>
+        <p:spPr>
+          <a:xfrm>
+            <a:off x="838200" y="365125"/>
+            <a:ext cx="3254298" cy="1325563"/>
+          </a:xfrm>
+        </p:spPr>
+        <p:txBody>
+          <a:bodyPr/>
+          <a:lstStyle/>
+          <a:p>
+            <a:r>
+              <a:rPr lang="en-US" altLang="ko-KR" dirty="0"/>
+              <a:t>SW </a:t>
+            </a:r>
+            <a:r>
+              <a:rPr lang="ko-KR" altLang="en-US" dirty="0"/>
+              <a:t>구성도</a:t>
+            </a:r>
+          </a:p>
+        </p:txBody>
+      </p:sp>
+      <p:sp>
+        <p:nvSpPr>
+          <p:cNvPr id="3" name="내용 개체 틀 2">
+            <a:extLst>
+              <a:ext uri="{FF2B5EF4-FFF2-40B4-BE49-F238E27FC236}">
+                <a16:creationId xmlns:a16="http://schemas.microsoft.com/office/drawing/2014/main" id="{6A3BDC9B-F596-AE39-BCCE-4F20AB000921}"/>
+              </a:ext>
+            </a:extLst>
+          </p:cNvPr>
+          <p:cNvSpPr>
+            <a:spLocks noGrp="1"/>
+          </p:cNvSpPr>
+          <p:nvPr>
+            <p:ph idx="1"/>
+          </p:nvPr>
+        </p:nvSpPr>
+        <p:spPr>
+          <a:xfrm>
+            <a:off x="838200" y="1825625"/>
+            <a:ext cx="4893527" cy="4351338"/>
+          </a:xfrm>
+        </p:spPr>
+        <p:txBody>
+          <a:bodyPr/>
+          <a:lstStyle/>
+          <a:p>
+            <a:r>
+              <a:rPr lang="ko-KR" altLang="en-US" dirty="0"/>
+              <a:t>소프트웨어 구성도</a:t>
+            </a:r>
+            <a:endParaRPr lang="en-US" altLang="ko-KR" dirty="0"/>
+          </a:p>
+          <a:p>
+            <a:r>
+              <a:rPr lang="ko-KR" altLang="en-US" dirty="0"/>
+              <a:t>플로우 차트</a:t>
+            </a:r>
+            <a:endParaRPr lang="en-US" altLang="ko-KR" dirty="0"/>
+          </a:p>
+          <a:p>
+            <a:r>
+              <a:rPr lang="ko-KR" altLang="en-US" dirty="0" err="1"/>
+              <a:t>모듈별</a:t>
+            </a:r>
+            <a:r>
+              <a:rPr lang="ko-KR" altLang="en-US" dirty="0"/>
+              <a:t> 구성</a:t>
+            </a:r>
+            <a:r>
+              <a:rPr lang="en-US" altLang="ko-KR" dirty="0"/>
+              <a:t>/</a:t>
+            </a:r>
+            <a:r>
+              <a:rPr lang="ko-KR" altLang="en-US" dirty="0"/>
+              <a:t>동작 설명</a:t>
+            </a:r>
+            <a:endParaRPr lang="en-US" altLang="ko-KR" dirty="0"/>
+          </a:p>
+          <a:p>
+            <a:endParaRPr lang="en-US" altLang="ko-KR" dirty="0"/>
+          </a:p>
+        </p:txBody>
+      </p:sp>
+      <p:sp>
+        <p:nvSpPr>
+          <p:cNvPr id="4" name="제목 1">
+            <a:extLst>
+              <a:ext uri="{FF2B5EF4-FFF2-40B4-BE49-F238E27FC236}">
+                <a16:creationId xmlns:a16="http://schemas.microsoft.com/office/drawing/2014/main" id="{836A90E8-F3D5-678A-D516-E08496600E2E}"/>
+              </a:ext>
+            </a:extLst>
+          </p:cNvPr>
+          <p:cNvSpPr txBox="1">
+            <a:spLocks/>
+          </p:cNvSpPr>
+          <p:nvPr/>
+        </p:nvSpPr>
+        <p:spPr>
+          <a:xfrm>
+            <a:off x="6472355" y="365124"/>
+            <a:ext cx="3254298" cy="1325563"/>
+          </a:xfrm>
+          <a:prstGeom prst="rect">
+            <a:avLst/>
+          </a:prstGeom>
+        </p:spPr>
+        <p:txBody>
+          <a:bodyPr vert="horz" lIns="91440" tIns="45720" rIns="91440" bIns="45720" rtlCol="0" anchor="ctr">
+            <a:normAutofit/>
+          </a:bodyPr>
+          <a:lstStyle>
+            <a:lvl1pPr algn="l" defTabSz="914400" rtl="0" eaLnBrk="1" latinLnBrk="1" hangingPunct="1">
+              <a:lnSpc>
+                <a:spcPct val="90000"/>
+              </a:lnSpc>
+              <a:spcBef>
+                <a:spcPct val="0"/>
+              </a:spcBef>
+              <a:buNone/>
+              <a:defRPr sz="4400" kern="1200">
+                <a:solidFill>
+                  <a:schemeClr val="tx1"/>
+                </a:solidFill>
+                <a:latin typeface="+mj-lt"/>
+                <a:ea typeface="+mj-ea"/>
+                <a:cs typeface="+mj-cs"/>
+              </a:defRPr>
+            </a:lvl1pPr>
+          </a:lstStyle>
+          <a:p>
+            <a:r>
+              <a:rPr lang="en-US" altLang="ko-KR" dirty="0"/>
+              <a:t>HW </a:t>
+            </a:r>
+            <a:r>
+              <a:rPr lang="ko-KR" altLang="en-US" dirty="0"/>
+              <a:t>구성도</a:t>
+            </a:r>
+          </a:p>
+        </p:txBody>
+      </p:sp>
+      <p:sp>
+        <p:nvSpPr>
+          <p:cNvPr id="5" name="내용 개체 틀 2">
+            <a:extLst>
+              <a:ext uri="{FF2B5EF4-FFF2-40B4-BE49-F238E27FC236}">
+                <a16:creationId xmlns:a16="http://schemas.microsoft.com/office/drawing/2014/main" id="{D877DB1E-B736-3F8A-E82A-68901149B9D1}"/>
+              </a:ext>
+            </a:extLst>
+          </p:cNvPr>
+          <p:cNvSpPr txBox="1">
+            <a:spLocks/>
+          </p:cNvSpPr>
+          <p:nvPr/>
+        </p:nvSpPr>
+        <p:spPr>
+          <a:xfrm>
+            <a:off x="6460273" y="1825625"/>
+            <a:ext cx="4893527" cy="4351338"/>
+          </a:xfrm>
+          <a:prstGeom prst="rect">
+            <a:avLst/>
+          </a:prstGeom>
+        </p:spPr>
+        <p:txBody>
+          <a:bodyPr vert="horz" lIns="91440" tIns="45720" rIns="91440" bIns="45720" rtlCol="0">
+            <a:normAutofit/>
+          </a:bodyPr>
+          <a:lstStyle>
+            <a:lvl1pPr marL="228600" indent="-228600" algn="l" defTabSz="914400" rtl="0" eaLnBrk="1" latinLnBrk="1" hangingPunct="1">
+              <a:lnSpc>
+                <a:spcPct val="90000"/>
+              </a:lnSpc>
+              <a:spcBef>
+                <a:spcPts val="1000"/>
+              </a:spcBef>
+              <a:buFont typeface="Arial" panose="020B0604020202020204" pitchFamily="34" charset="0"/>
+              <a:buChar char="•"/>
+              <a:defRPr sz="2800" kern="1200">
+                <a:solidFill>
+                  <a:schemeClr val="tx1"/>
+                </a:solidFill>
+                <a:latin typeface="+mn-lt"/>
+                <a:ea typeface="+mn-ea"/>
+                <a:cs typeface="+mn-cs"/>
+              </a:defRPr>
+            </a:lvl1pPr>
+            <a:lvl2pPr marL="685800" indent="-228600" algn="l" defTabSz="914400" rtl="0" eaLnBrk="1" latinLnBrk="1" hangingPunct="1">
+              <a:lnSpc>
+                <a:spcPct val="90000"/>
+              </a:lnSpc>
+              <a:spcBef>
+                <a:spcPts val="500"/>
+              </a:spcBef>
+              <a:buFont typeface="Arial" panose="020B0604020202020204" pitchFamily="34" charset="0"/>
+              <a:buChar char="•"/>
+              <a:defRPr sz="2400" kern="1200">
+                <a:solidFill>
+                  <a:schemeClr val="tx1"/>
+                </a:solidFill>
+                <a:latin typeface="+mn-lt"/>
+                <a:ea typeface="+mn-ea"/>
+                <a:cs typeface="+mn-cs"/>
+              </a:defRPr>
+            </a:lvl2pPr>
+            <a:lvl3pPr marL="1143000" indent="-228600" algn="l" defTabSz="914400" rtl="0" eaLnBrk="1" latinLnBrk="1" hangingPunct="1">
+              <a:lnSpc>
+                <a:spcPct val="90000"/>
+              </a:lnSpc>
+              <a:spcBef>
+                <a:spcPts val="500"/>
+              </a:spcBef>
+              <a:buFont typeface="Arial" panose="020B0604020202020204" pitchFamily="34" charset="0"/>
+              <a:buChar char="•"/>
+              <a:defRPr sz="2000" kern="1200">
+                <a:solidFill>
+                  <a:schemeClr val="tx1"/>
+                </a:solidFill>
+                <a:latin typeface="+mn-lt"/>
+                <a:ea typeface="+mn-ea"/>
+                <a:cs typeface="+mn-cs"/>
+              </a:defRPr>
+            </a:lvl3pPr>
+            <a:lvl4pPr marL="1600200" indent="-228600" algn="l" defTabSz="914400" rtl="0" eaLnBrk="1" latinLnBrk="1" hangingPunct="1">
+              <a:lnSpc>
+                <a:spcPct val="90000"/>
+              </a:lnSpc>
+              <a:spcBef>
+                <a:spcPts val="500"/>
+              </a:spcBef>
+              <a:buFont typeface="Arial" panose="020B0604020202020204" pitchFamily="34" charset="0"/>
+              <a:buChar char="•"/>
+              <a:defRPr sz="1800" kern="1200">
+                <a:solidFill>
+                  <a:schemeClr val="tx1"/>
+                </a:solidFill>
+                <a:latin typeface="+mn-lt"/>
+                <a:ea typeface="+mn-ea"/>
+                <a:cs typeface="+mn-cs"/>
+              </a:defRPr>
+            </a:lvl4pPr>
+            <a:lvl5pPr marL="2057400" indent="-228600" algn="l" defTabSz="914400" rtl="0" eaLnBrk="1" latinLnBrk="1" hangingPunct="1">
+              <a:lnSpc>
+                <a:spcPct val="90000"/>
+              </a:lnSpc>
+              <a:spcBef>
+                <a:spcPts val="500"/>
+              </a:spcBef>
+              <a:buFont typeface="Arial" panose="020B0604020202020204" pitchFamily="34" charset="0"/>
+              <a:buChar char="•"/>
+              <a:defRPr sz="1800" kern="1200">
+                <a:solidFill>
+                  <a:schemeClr val="tx1"/>
+                </a:solidFill>
+                <a:latin typeface="+mn-lt"/>
+                <a:ea typeface="+mn-ea"/>
+                <a:cs typeface="+mn-cs"/>
+              </a:defRPr>
+            </a:lvl5pPr>
+            <a:lvl6pPr marL="2514600" indent="-228600" algn="l" defTabSz="914400" rtl="0" eaLnBrk="1" latinLnBrk="1" hangingPunct="1">
+              <a:lnSpc>
+                <a:spcPct val="90000"/>
+              </a:lnSpc>
+              <a:spcBef>
+                <a:spcPts val="500"/>
+              </a:spcBef>
+              <a:buFont typeface="Arial" panose="020B0604020202020204" pitchFamily="34" charset="0"/>
+              <a:buChar char="•"/>
+              <a:defRPr sz="1800" kern="1200">
+                <a:solidFill>
+                  <a:schemeClr val="tx1"/>
+                </a:solidFill>
+                <a:latin typeface="+mn-lt"/>
+                <a:ea typeface="+mn-ea"/>
+                <a:cs typeface="+mn-cs"/>
+              </a:defRPr>
+            </a:lvl6pPr>
+            <a:lvl7pPr marL="2971800" indent="-228600" algn="l" defTabSz="914400" rtl="0" eaLnBrk="1" latinLnBrk="1" hangingPunct="1">
+              <a:lnSpc>
+                <a:spcPct val="90000"/>
+              </a:lnSpc>
+              <a:spcBef>
+                <a:spcPts val="500"/>
+              </a:spcBef>
+              <a:buFont typeface="Arial" panose="020B0604020202020204" pitchFamily="34" charset="0"/>
+              <a:buChar char="•"/>
+              <a:defRPr sz="1800" kern="1200">
+                <a:solidFill>
+                  <a:schemeClr val="tx1"/>
+                </a:solidFill>
+                <a:latin typeface="+mn-lt"/>
+                <a:ea typeface="+mn-ea"/>
+                <a:cs typeface="+mn-cs"/>
+              </a:defRPr>
+            </a:lvl7pPr>
+            <a:lvl8pPr marL="3429000" indent="-228600" algn="l" defTabSz="914400" rtl="0" eaLnBrk="1" latinLnBrk="1" hangingPunct="1">
+              <a:lnSpc>
+                <a:spcPct val="90000"/>
+              </a:lnSpc>
+              <a:spcBef>
+                <a:spcPts val="500"/>
+              </a:spcBef>
+              <a:buFont typeface="Arial" panose="020B0604020202020204" pitchFamily="34" charset="0"/>
+              <a:buChar char="•"/>
+              <a:defRPr sz="1800" kern="1200">
+                <a:solidFill>
+                  <a:schemeClr val="tx1"/>
+                </a:solidFill>
+                <a:latin typeface="+mn-lt"/>
+                <a:ea typeface="+mn-ea"/>
+                <a:cs typeface="+mn-cs"/>
+              </a:defRPr>
+            </a:lvl8pPr>
+            <a:lvl9pPr marL="3886200" indent="-228600" algn="l" defTabSz="914400" rtl="0" eaLnBrk="1" latinLnBrk="1" hangingPunct="1">
+              <a:lnSpc>
+                <a:spcPct val="90000"/>
+              </a:lnSpc>
+              <a:spcBef>
+                <a:spcPts val="500"/>
+              </a:spcBef>
+              <a:buFont typeface="Arial" panose="020B0604020202020204" pitchFamily="34" charset="0"/>
+              <a:buChar char="•"/>
+              <a:defRPr sz="1800" kern="1200">
+                <a:solidFill>
+                  <a:schemeClr val="tx1"/>
+                </a:solidFill>
+                <a:latin typeface="+mn-lt"/>
+                <a:ea typeface="+mn-ea"/>
+                <a:cs typeface="+mn-cs"/>
+              </a:defRPr>
+            </a:lvl9pPr>
+          </a:lstStyle>
+          <a:p>
+            <a:r>
+              <a:rPr lang="ko-KR" altLang="en-US" dirty="0"/>
+              <a:t>하드웨어 구성도</a:t>
+            </a:r>
+            <a:endParaRPr lang="en-US" altLang="ko-KR" dirty="0"/>
+          </a:p>
+          <a:p>
+            <a:r>
+              <a:rPr lang="ko-KR" altLang="en-US" dirty="0"/>
+              <a:t>플로우 차트</a:t>
+            </a:r>
+            <a:endParaRPr lang="en-US" altLang="ko-KR" dirty="0"/>
+          </a:p>
+          <a:p>
+            <a:r>
+              <a:rPr lang="ko-KR" altLang="en-US" dirty="0" err="1"/>
+              <a:t>모듈별</a:t>
+            </a:r>
+            <a:r>
+              <a:rPr lang="ko-KR" altLang="en-US" dirty="0"/>
+              <a:t> 구성</a:t>
+            </a:r>
+            <a:r>
+              <a:rPr lang="en-US" altLang="ko-KR" dirty="0"/>
+              <a:t>/</a:t>
+            </a:r>
+            <a:r>
+              <a:rPr lang="ko-KR" altLang="en-US" dirty="0"/>
+              <a:t>동작 설명</a:t>
+            </a:r>
+            <a:endParaRPr lang="en-US" altLang="ko-KR" dirty="0"/>
+          </a:p>
+          <a:p>
+            <a:endParaRPr lang="en-US" altLang="ko-KR" dirty="0"/>
+          </a:p>
+        </p:txBody>
+      </p:sp>
+    </p:spTree>
+    <p:extLst>
+      <p:ext uri="{BB962C8B-B14F-4D97-AF65-F5344CB8AC3E}">
+        <p14:creationId xmlns:p14="http://schemas.microsoft.com/office/powerpoint/2010/main" val="1345326681"/>
+      </p:ext>
+    </p:extLst>
+  </p:cSld>
+  <p:clrMapOvr>
+    <a:masterClrMapping/>
+  </p:clrMapOvr>
+</p:sld>
+</file>
+
+<file path=ppt/slides/slide3.xml><?xml version="1.0" encoding="utf-8"?>
+<p:sld xmlns:a="http://schemas.openxmlformats.org/drawingml/2006/main" xmlns:r="http://schemas.openxmlformats.org/officeDocument/2006/relationships" xmlns:p="http://schemas.openxmlformats.org/presentationml/2006/main">
+  <p:cSld>
+    <p:spTree>
+      <p:nvGrpSpPr>
+        <p:cNvPr id="1" name=""/>
+        <p:cNvGrpSpPr/>
+        <p:nvPr/>
+      </p:nvGrpSpPr>
+      <p:grpSpPr>
+        <a:xfrm>
+          <a:off x="0" y="0"/>
+          <a:ext cx="0" cy="0"/>
+          <a:chOff x="0" y="0"/>
+          <a:chExt cx="0" cy="0"/>
+        </a:xfrm>
+      </p:grpSpPr>
+      <p:sp>
+        <p:nvSpPr>
+          <p:cNvPr id="2" name="제목 1">
+            <a:extLst>
+              <a:ext uri="{FF2B5EF4-FFF2-40B4-BE49-F238E27FC236}">
+                <a16:creationId xmlns:a16="http://schemas.microsoft.com/office/drawing/2014/main" id="{2A19060F-6C9C-8D87-2770-2A8552063FCF}"/>
+              </a:ext>
+            </a:extLst>
+          </p:cNvPr>
+          <p:cNvSpPr>
+            <a:spLocks noGrp="1"/>
+          </p:cNvSpPr>
+          <p:nvPr>
+            <p:ph type="title"/>
+          </p:nvPr>
+        </p:nvSpPr>
+        <p:spPr/>
+        <p:txBody>
+          <a:bodyPr/>
+          <a:lstStyle/>
+          <a:p>
+            <a:r>
+              <a:rPr lang="en-US" altLang="ko-KR" dirty="0"/>
+              <a:t>SW</a:t>
+            </a:r>
+            <a:r>
+              <a:rPr lang="ko-KR" altLang="en-US" dirty="0"/>
+              <a:t>구성도</a:t>
+            </a:r>
+          </a:p>
+        </p:txBody>
+      </p:sp>
+      <p:sp>
+        <p:nvSpPr>
+          <p:cNvPr id="3" name="내용 개체 틀 2">
+            <a:extLst>
+              <a:ext uri="{FF2B5EF4-FFF2-40B4-BE49-F238E27FC236}">
+                <a16:creationId xmlns:a16="http://schemas.microsoft.com/office/drawing/2014/main" id="{A9097AED-DA9D-36B7-BE6E-067FCA06BA8B}"/>
+              </a:ext>
+            </a:extLst>
+          </p:cNvPr>
+          <p:cNvSpPr>
+            <a:spLocks noGrp="1"/>
+          </p:cNvSpPr>
+          <p:nvPr>
+            <p:ph idx="1"/>
+          </p:nvPr>
+        </p:nvSpPr>
+        <p:spPr/>
+        <p:txBody>
+          <a:bodyPr/>
+          <a:lstStyle/>
+          <a:p>
+            <a:endParaRPr lang="ko-KR" altLang="en-US"/>
+          </a:p>
+        </p:txBody>
+      </p:sp>
+    </p:spTree>
+    <p:extLst>
+      <p:ext uri="{BB962C8B-B14F-4D97-AF65-F5344CB8AC3E}">
+        <p14:creationId xmlns:p14="http://schemas.microsoft.com/office/powerpoint/2010/main" val="328544763"/>
+      </p:ext>
+    </p:extLst>
+  </p:cSld>
+  <p:clrMapOvr>
+    <a:masterClrMapping/>
+  </p:clrMapOvr>
+</p:sld>
+</file>
+
+<file path=ppt/slides/slide4.xml><?xml version="1.0" encoding="utf-8"?>
+<p:sld xmlns:a="http://schemas.openxmlformats.org/drawingml/2006/main" xmlns:r="http://schemas.openxmlformats.org/officeDocument/2006/relationships" xmlns:p="http://schemas.openxmlformats.org/presentationml/2006/main">
+  <p:cSld>
+    <p:spTree>
+      <p:nvGrpSpPr>
+        <p:cNvPr id="1" name=""/>
+        <p:cNvGrpSpPr/>
+        <p:nvPr/>
+      </p:nvGrpSpPr>
+      <p:grpSpPr>
+        <a:xfrm>
+          <a:off x="0" y="0"/>
+          <a:ext cx="0" cy="0"/>
+          <a:chOff x="0" y="0"/>
+          <a:chExt cx="0" cy="0"/>
+        </a:xfrm>
+      </p:grpSpPr>
+      <p:sp>
+        <p:nvSpPr>
+          <p:cNvPr id="4" name="사각형: 둥근 모서리 3">
+            <a:extLst>
+              <a:ext uri="{FF2B5EF4-FFF2-40B4-BE49-F238E27FC236}">
+                <a16:creationId xmlns:a16="http://schemas.microsoft.com/office/drawing/2014/main" id="{A79955C6-8BCB-E8E6-B59B-7C2FBCFBC029}"/>
+              </a:ext>
+            </a:extLst>
+          </p:cNvPr>
+          <p:cNvSpPr/>
+          <p:nvPr/>
+        </p:nvSpPr>
+        <p:spPr>
+          <a:xfrm>
+            <a:off x="258337" y="913123"/>
+            <a:ext cx="11566603" cy="5255089"/>
+          </a:xfrm>
+          <a:prstGeom prst="roundRect">
+            <a:avLst/>
+          </a:prstGeom>
+          <a:solidFill>
+            <a:schemeClr val="bg2"/>
+          </a:solidFill>
+        </p:spPr>
+        <p:style>
+          <a:lnRef idx="2">
+            <a:schemeClr val="accent1">
+              <a:shade val="15000"/>
+            </a:schemeClr>
+          </a:lnRef>
+          <a:fillRef idx="1">
+            <a:schemeClr val="accent1"/>
+          </a:fillRef>
+          <a:effectRef idx="0">
+            <a:schemeClr val="accent1"/>
+          </a:effectRef>
+          <a:fontRef idx="minor">
+            <a:schemeClr val="lt1"/>
+          </a:fontRef>
+        </p:style>
+        <p:txBody>
+          <a:bodyPr rtlCol="0" anchor="ctr"/>
+          <a:lstStyle/>
+          <a:p>
+            <a:pPr marL="0" marR="0" lvl="0" indent="0" algn="ctr" defTabSz="914400" rtl="0" eaLnBrk="1" fontAlgn="auto" latinLnBrk="1" hangingPunct="1">
+              <a:lnSpc>
+                <a:spcPct val="100000"/>
+              </a:lnSpc>
+              <a:spcBef>
+                <a:spcPts val="0"/>
+              </a:spcBef>
+              <a:spcAft>
+                <a:spcPts val="0"/>
+              </a:spcAft>
+              <a:buClrTx/>
+              <a:buSzTx/>
+              <a:buFontTx/>
+              <a:buNone/>
+              <a:tabLst/>
+              <a:defRPr/>
+            </a:pPr>
+            <a:endParaRPr kumimoji="0" lang="ko-KR" altLang="en-US" sz="1800" b="0" i="0" u="none" strike="noStrike" kern="1200" cap="none" spc="0" normalizeH="0" baseline="0" noProof="0">
+              <a:ln>
+                <a:noFill/>
+              </a:ln>
+              <a:solidFill>
+                <a:prstClr val="white"/>
+              </a:solidFill>
+              <a:effectLst/>
+              <a:uLnTx/>
+              <a:uFillTx/>
+              <a:latin typeface="맑은 고딕" panose="020F0502020204030204"/>
+              <a:ea typeface="맑은 고딕" panose="020B0503020000020004" pitchFamily="50" charset="-127"/>
+              <a:cs typeface="+mn-cs"/>
+            </a:endParaRPr>
+          </a:p>
+        </p:txBody>
+      </p:sp>
+      <p:sp>
+        <p:nvSpPr>
+          <p:cNvPr id="18" name="사각형: 둥근 모서리 17">
+            <a:extLst>
+              <a:ext uri="{FF2B5EF4-FFF2-40B4-BE49-F238E27FC236}">
+                <a16:creationId xmlns:a16="http://schemas.microsoft.com/office/drawing/2014/main" id="{DA6C9A1B-93EB-C9BC-A510-5DDD5518E99B}"/>
+              </a:ext>
+            </a:extLst>
+          </p:cNvPr>
+          <p:cNvSpPr/>
+          <p:nvPr/>
+        </p:nvSpPr>
+        <p:spPr>
+          <a:xfrm>
+            <a:off x="4895669" y="1856767"/>
+            <a:ext cx="3830016" cy="3702021"/>
+          </a:xfrm>
+          <a:prstGeom prst="roundRect">
+            <a:avLst/>
+          </a:prstGeom>
+          <a:solidFill>
+            <a:schemeClr val="bg1"/>
+          </a:solidFill>
+        </p:spPr>
+        <p:style>
+          <a:lnRef idx="2">
+            <a:schemeClr val="accent1">
+              <a:shade val="15000"/>
+            </a:schemeClr>
+          </a:lnRef>
+          <a:fillRef idx="1">
+            <a:schemeClr val="accent1"/>
+          </a:fillRef>
+          <a:effectRef idx="0">
+            <a:schemeClr val="accent1"/>
+          </a:effectRef>
+          <a:fontRef idx="minor">
+            <a:schemeClr val="lt1"/>
+          </a:fontRef>
+        </p:style>
+        <p:txBody>
+          <a:bodyPr rtlCol="0" anchor="ctr"/>
+          <a:lstStyle/>
+          <a:p>
+            <a:pPr algn="ctr"/>
+            <a:endParaRPr lang="ko-KR" altLang="en-US"/>
+          </a:p>
+        </p:txBody>
+      </p:sp>
+      <p:sp>
+        <p:nvSpPr>
+          <p:cNvPr id="14" name="사각형: 둥근 모서리 13">
+            <a:extLst>
+              <a:ext uri="{FF2B5EF4-FFF2-40B4-BE49-F238E27FC236}">
+                <a16:creationId xmlns:a16="http://schemas.microsoft.com/office/drawing/2014/main" id="{2BAC9A4D-D403-38A6-46B1-3AF6C842EE01}"/>
+              </a:ext>
+            </a:extLst>
+          </p:cNvPr>
+          <p:cNvSpPr/>
+          <p:nvPr/>
+        </p:nvSpPr>
+        <p:spPr>
+          <a:xfrm>
+            <a:off x="9079040" y="1856767"/>
+            <a:ext cx="2327705" cy="3702021"/>
+          </a:xfrm>
+          <a:prstGeom prst="roundRect">
+            <a:avLst/>
+          </a:prstGeom>
+          <a:solidFill>
+            <a:schemeClr val="bg1"/>
+          </a:solidFill>
+        </p:spPr>
+        <p:style>
+          <a:lnRef idx="2">
+            <a:schemeClr val="accent1">
+              <a:shade val="15000"/>
+            </a:schemeClr>
+          </a:lnRef>
+          <a:fillRef idx="1">
+            <a:schemeClr val="accent1"/>
+          </a:fillRef>
+          <a:effectRef idx="0">
+            <a:schemeClr val="accent1"/>
+          </a:effectRef>
+          <a:fontRef idx="minor">
+            <a:schemeClr val="lt1"/>
+          </a:fontRef>
+        </p:style>
+        <p:txBody>
+          <a:bodyPr rtlCol="0" anchor="ctr"/>
+          <a:lstStyle/>
+          <a:p>
+            <a:pPr algn="ctr"/>
+            <a:endParaRPr lang="ko-KR" altLang="en-US"/>
+          </a:p>
+        </p:txBody>
+      </p:sp>
+      <p:sp>
+        <p:nvSpPr>
+          <p:cNvPr id="13" name="사각형: 둥근 모서리 12">
+            <a:extLst>
+              <a:ext uri="{FF2B5EF4-FFF2-40B4-BE49-F238E27FC236}">
+                <a16:creationId xmlns:a16="http://schemas.microsoft.com/office/drawing/2014/main" id="{4D395B40-1EF8-AA93-D71E-28B7CA7436D9}"/>
+              </a:ext>
+            </a:extLst>
+          </p:cNvPr>
+          <p:cNvSpPr/>
+          <p:nvPr/>
+        </p:nvSpPr>
+        <p:spPr>
+          <a:xfrm>
+            <a:off x="605859" y="1856768"/>
+            <a:ext cx="4039523" cy="3702021"/>
+          </a:xfrm>
+          <a:prstGeom prst="roundRect">
+            <a:avLst/>
+          </a:prstGeom>
+          <a:solidFill>
+            <a:schemeClr val="bg1"/>
+          </a:solidFill>
+        </p:spPr>
+        <p:style>
+          <a:lnRef idx="2">
+            <a:schemeClr val="accent1">
+              <a:shade val="15000"/>
+            </a:schemeClr>
+          </a:lnRef>
+          <a:fillRef idx="1">
+            <a:schemeClr val="accent1"/>
+          </a:fillRef>
+          <a:effectRef idx="0">
+            <a:schemeClr val="accent1"/>
+          </a:effectRef>
+          <a:fontRef idx="minor">
+            <a:schemeClr val="lt1"/>
+          </a:fontRef>
+        </p:style>
+        <p:txBody>
+          <a:bodyPr rtlCol="0" anchor="ctr"/>
+          <a:lstStyle/>
+          <a:p>
+            <a:pPr algn="ctr"/>
+            <a:endParaRPr lang="ko-KR" altLang="en-US"/>
+          </a:p>
+        </p:txBody>
+      </p:sp>
+      <p:sp>
+        <p:nvSpPr>
+          <p:cNvPr id="5" name="직사각형 4">
+            <a:extLst>
+              <a:ext uri="{FF2B5EF4-FFF2-40B4-BE49-F238E27FC236}">
+                <a16:creationId xmlns:a16="http://schemas.microsoft.com/office/drawing/2014/main" id="{13307D63-260A-C03D-46B0-871BB4072BEC}"/>
+              </a:ext>
+            </a:extLst>
+          </p:cNvPr>
+          <p:cNvSpPr/>
+          <p:nvPr/>
+        </p:nvSpPr>
+        <p:spPr>
+          <a:xfrm>
+            <a:off x="785254" y="3284727"/>
+            <a:ext cx="1583473" cy="752553"/>
+          </a:xfrm>
+          <a:prstGeom prst="rect">
+            <a:avLst/>
+          </a:prstGeom>
+          <a:solidFill>
+            <a:schemeClr val="accent4">
+              <a:lumMod val="40000"/>
+              <a:lumOff val="60000"/>
+            </a:schemeClr>
+          </a:solidFill>
+        </p:spPr>
+        <p:style>
+          <a:lnRef idx="2">
+            <a:schemeClr val="accent1">
+              <a:shade val="15000"/>
+            </a:schemeClr>
+          </a:lnRef>
+          <a:fillRef idx="1">
+            <a:schemeClr val="accent1"/>
+          </a:fillRef>
+          <a:effectRef idx="0">
+            <a:schemeClr val="accent1"/>
+          </a:effectRef>
+          <a:fontRef idx="minor">
+            <a:schemeClr val="lt1"/>
+          </a:fontRef>
+        </p:style>
+        <p:txBody>
+          <a:bodyPr rtlCol="0" anchor="ctr"/>
+          <a:lstStyle/>
+          <a:p>
+            <a:pPr marL="0" marR="0" lvl="0" indent="0" algn="ctr" defTabSz="914400" rtl="0" eaLnBrk="1" fontAlgn="auto" latinLnBrk="1" hangingPunct="1">
+              <a:lnSpc>
+                <a:spcPct val="100000"/>
+              </a:lnSpc>
+              <a:spcBef>
+                <a:spcPts val="0"/>
+              </a:spcBef>
+              <a:spcAft>
+                <a:spcPts val="0"/>
+              </a:spcAft>
+              <a:buClrTx/>
+              <a:buSzTx/>
+              <a:buFontTx/>
+              <a:buNone/>
+              <a:tabLst/>
+              <a:defRPr/>
+            </a:pPr>
+            <a:r>
+              <a:rPr kumimoji="0" lang="en-US" altLang="ko-KR" sz="1800" b="0" i="0" u="none" strike="noStrike" kern="1200" cap="none" spc="0" normalizeH="0" baseline="0" noProof="0" dirty="0" err="1">
+                <a:ln>
+                  <a:noFill/>
+                </a:ln>
+                <a:solidFill>
+                  <a:prstClr val="black"/>
+                </a:solidFill>
+                <a:effectLst/>
+                <a:uLnTx/>
+                <a:uFillTx/>
+                <a:latin typeface="맑은 고딕" panose="020F0502020204030204"/>
+                <a:ea typeface="맑은 고딕" panose="020B0503020000020004" pitchFamily="50" charset="-127"/>
+                <a:cs typeface="+mn-cs"/>
+              </a:rPr>
+              <a:t>Raspi</a:t>
+            </a:r>
+            <a:r>
+              <a:rPr kumimoji="0" lang="en-US" altLang="ko-KR" sz="1800" b="0" i="0" u="none" strike="noStrike" kern="1200" cap="none" spc="0" normalizeH="0" baseline="0" noProof="0" dirty="0">
+                <a:ln>
+                  <a:noFill/>
+                </a:ln>
+                <a:solidFill>
+                  <a:prstClr val="black"/>
+                </a:solidFill>
+                <a:effectLst/>
+                <a:uLnTx/>
+                <a:uFillTx/>
+                <a:latin typeface="맑은 고딕" panose="020F0502020204030204"/>
+                <a:ea typeface="맑은 고딕" panose="020B0503020000020004" pitchFamily="50" charset="-127"/>
+                <a:cs typeface="+mn-cs"/>
+              </a:rPr>
+              <a:t>-camera</a:t>
+            </a:r>
+          </a:p>
+          <a:p>
+            <a:pPr algn="ctr">
+              <a:defRPr/>
+            </a:pPr>
+            <a:r>
+              <a:rPr kumimoji="0" lang="en-US" altLang="ko-KR" sz="1800" b="0" i="0" u="none" strike="noStrike" kern="1200" cap="none" spc="0" normalizeH="0" baseline="0" noProof="0" dirty="0">
+                <a:ln>
+                  <a:noFill/>
+                </a:ln>
+                <a:solidFill>
+                  <a:prstClr val="black"/>
+                </a:solidFill>
+                <a:effectLst/>
+                <a:uLnTx/>
+                <a:uFillTx/>
+                <a:latin typeface="맑은 고딕" panose="020F0502020204030204"/>
+                <a:ea typeface="맑은 고딕" panose="020B0503020000020004" pitchFamily="50" charset="-127"/>
+                <a:cs typeface="+mn-cs"/>
+              </a:rPr>
+              <a:t>process</a:t>
+            </a:r>
+            <a:endParaRPr kumimoji="0" lang="ko-KR" altLang="en-US" sz="1800" b="0" i="0" u="none" strike="noStrike" kern="1200" cap="none" spc="0" normalizeH="0" baseline="0" noProof="0" dirty="0">
+              <a:ln>
+                <a:noFill/>
+              </a:ln>
+              <a:solidFill>
+                <a:prstClr val="black"/>
+              </a:solidFill>
+              <a:effectLst/>
+              <a:uLnTx/>
+              <a:uFillTx/>
+              <a:latin typeface="맑은 고딕" panose="020F0502020204030204"/>
+              <a:ea typeface="맑은 고딕" panose="020B0503020000020004" pitchFamily="50" charset="-127"/>
+              <a:cs typeface="+mn-cs"/>
+            </a:endParaRPr>
+          </a:p>
+        </p:txBody>
+      </p:sp>
+      <p:sp>
+        <p:nvSpPr>
+          <p:cNvPr id="6" name="직사각형 5">
+            <a:extLst>
+              <a:ext uri="{FF2B5EF4-FFF2-40B4-BE49-F238E27FC236}">
+                <a16:creationId xmlns:a16="http://schemas.microsoft.com/office/drawing/2014/main" id="{32657640-9EDE-C06F-B903-38ED5CFC43C4}"/>
+              </a:ext>
+            </a:extLst>
+          </p:cNvPr>
+          <p:cNvSpPr/>
+          <p:nvPr/>
+        </p:nvSpPr>
+        <p:spPr>
+          <a:xfrm>
+            <a:off x="785255" y="2523063"/>
+            <a:ext cx="1583473" cy="752553"/>
+          </a:xfrm>
+          <a:prstGeom prst="rect">
+            <a:avLst/>
+          </a:prstGeom>
+          <a:solidFill>
+            <a:schemeClr val="accent4">
+              <a:lumMod val="60000"/>
+              <a:lumOff val="40000"/>
+            </a:schemeClr>
+          </a:solidFill>
+        </p:spPr>
+        <p:style>
+          <a:lnRef idx="2">
+            <a:schemeClr val="accent1">
+              <a:shade val="15000"/>
+            </a:schemeClr>
+          </a:lnRef>
+          <a:fillRef idx="1">
+            <a:schemeClr val="accent1"/>
+          </a:fillRef>
+          <a:effectRef idx="0">
+            <a:schemeClr val="accent1"/>
+          </a:effectRef>
+          <a:fontRef idx="minor">
+            <a:schemeClr val="lt1"/>
+          </a:fontRef>
+        </p:style>
+        <p:txBody>
+          <a:bodyPr rtlCol="0" anchor="ctr"/>
+          <a:lstStyle/>
+          <a:p>
+            <a:pPr marL="0" marR="0" lvl="0" indent="0" algn="ctr" defTabSz="914400" rtl="0" eaLnBrk="1" fontAlgn="auto" latinLnBrk="1" hangingPunct="1">
+              <a:lnSpc>
+                <a:spcPct val="100000"/>
+              </a:lnSpc>
+              <a:spcBef>
+                <a:spcPts val="0"/>
+              </a:spcBef>
+              <a:spcAft>
+                <a:spcPts val="0"/>
+              </a:spcAft>
+              <a:buClrTx/>
+              <a:buSzTx/>
+              <a:buFontTx/>
+              <a:buNone/>
+              <a:tabLst/>
+              <a:defRPr/>
+            </a:pPr>
+            <a:r>
+              <a:rPr lang="en-US" altLang="ko-KR" dirty="0">
+                <a:solidFill>
+                  <a:prstClr val="black"/>
+                </a:solidFill>
+                <a:latin typeface="맑은 고딕" panose="020F0502020204030204"/>
+                <a:ea typeface="맑은 고딕" panose="020B0503020000020004" pitchFamily="50" charset="-127"/>
+              </a:rPr>
+              <a:t>image</a:t>
+            </a:r>
+            <a:r>
+              <a:rPr lang="ko-KR" altLang="en-US" dirty="0">
+                <a:solidFill>
+                  <a:prstClr val="black"/>
+                </a:solidFill>
+                <a:latin typeface="맑은 고딕" panose="020F0502020204030204"/>
+                <a:ea typeface="맑은 고딕" panose="020B0503020000020004" pitchFamily="50" charset="-127"/>
+              </a:rPr>
+              <a:t> </a:t>
+            </a:r>
+            <a:r>
+              <a:rPr lang="en-US" altLang="ko-KR" dirty="0">
+                <a:solidFill>
+                  <a:prstClr val="black"/>
+                </a:solidFill>
+                <a:latin typeface="맑은 고딕" panose="020F0502020204030204"/>
+                <a:ea typeface="맑은 고딕" panose="020B0503020000020004" pitchFamily="50" charset="-127"/>
+              </a:rPr>
+              <a:t>process</a:t>
+            </a:r>
+            <a:endParaRPr kumimoji="0" lang="ko-KR" altLang="en-US" sz="1800" b="0" i="0" u="none" strike="noStrike" kern="1200" cap="none" spc="0" normalizeH="0" baseline="0" noProof="0" dirty="0">
+              <a:ln>
+                <a:noFill/>
+              </a:ln>
+              <a:solidFill>
+                <a:prstClr val="black"/>
+              </a:solidFill>
+              <a:effectLst/>
+              <a:uLnTx/>
+              <a:uFillTx/>
+              <a:latin typeface="맑은 고딕" panose="020F0502020204030204"/>
+              <a:ea typeface="맑은 고딕" panose="020B0503020000020004" pitchFamily="50" charset="-127"/>
+              <a:cs typeface="+mn-cs"/>
+            </a:endParaRPr>
+          </a:p>
+        </p:txBody>
+      </p:sp>
+      <p:sp>
+        <p:nvSpPr>
+          <p:cNvPr id="7" name="직사각형 6">
+            <a:extLst>
+              <a:ext uri="{FF2B5EF4-FFF2-40B4-BE49-F238E27FC236}">
+                <a16:creationId xmlns:a16="http://schemas.microsoft.com/office/drawing/2014/main" id="{DB4E07A8-A3E1-9DD6-7B02-0FD22C147C72}"/>
+              </a:ext>
+            </a:extLst>
+          </p:cNvPr>
+          <p:cNvSpPr/>
+          <p:nvPr/>
+        </p:nvSpPr>
+        <p:spPr>
+          <a:xfrm>
+            <a:off x="9633502" y="3262340"/>
+            <a:ext cx="1265373" cy="587745"/>
+          </a:xfrm>
+          <a:prstGeom prst="rect">
+            <a:avLst/>
+          </a:prstGeom>
+          <a:solidFill>
+            <a:schemeClr val="accent4">
+              <a:lumMod val="40000"/>
+              <a:lumOff val="60000"/>
+            </a:schemeClr>
+          </a:solidFill>
+        </p:spPr>
+        <p:style>
+          <a:lnRef idx="2">
+            <a:schemeClr val="accent1">
+              <a:shade val="15000"/>
+            </a:schemeClr>
+          </a:lnRef>
+          <a:fillRef idx="1">
+            <a:schemeClr val="accent1"/>
+          </a:fillRef>
+          <a:effectRef idx="0">
+            <a:schemeClr val="accent1"/>
+          </a:effectRef>
+          <a:fontRef idx="minor">
+            <a:schemeClr val="lt1"/>
+          </a:fontRef>
+        </p:style>
+        <p:txBody>
+          <a:bodyPr rtlCol="0" anchor="ctr"/>
+          <a:lstStyle/>
+          <a:p>
+            <a:pPr marL="0" marR="0" lvl="0" indent="0" algn="ctr" defTabSz="914400" rtl="0" eaLnBrk="1" fontAlgn="auto" latinLnBrk="1" hangingPunct="1">
+              <a:lnSpc>
+                <a:spcPct val="100000"/>
+              </a:lnSpc>
+              <a:spcBef>
+                <a:spcPts val="0"/>
+              </a:spcBef>
+              <a:spcAft>
+                <a:spcPts val="0"/>
+              </a:spcAft>
+              <a:buClrTx/>
+              <a:buSzTx/>
+              <a:buFontTx/>
+              <a:buNone/>
+              <a:tabLst/>
+              <a:defRPr/>
+            </a:pPr>
+            <a:r>
+              <a:rPr kumimoji="0" lang="en-US" altLang="ko-KR" sz="1800" b="0" i="0" u="none" strike="noStrike" kern="1200" cap="none" spc="0" normalizeH="0" baseline="0" noProof="0" dirty="0">
+                <a:ln>
+                  <a:noFill/>
+                </a:ln>
+                <a:solidFill>
+                  <a:prstClr val="black"/>
+                </a:solidFill>
+                <a:effectLst/>
+                <a:uLnTx/>
+                <a:uFillTx/>
+                <a:latin typeface="맑은 고딕" panose="020F0502020204030204"/>
+                <a:ea typeface="맑은 고딕" panose="020B0503020000020004" pitchFamily="50" charset="-127"/>
+                <a:cs typeface="+mn-cs"/>
+              </a:rPr>
+              <a:t>image sender</a:t>
+            </a:r>
+            <a:endParaRPr kumimoji="0" lang="ko-KR" altLang="en-US" sz="1800" b="0" i="0" u="none" strike="noStrike" kern="1200" cap="none" spc="0" normalizeH="0" baseline="0" noProof="0" dirty="0">
+              <a:ln>
+                <a:noFill/>
+              </a:ln>
+              <a:solidFill>
+                <a:prstClr val="black"/>
+              </a:solidFill>
+              <a:effectLst/>
+              <a:uLnTx/>
+              <a:uFillTx/>
+              <a:latin typeface="맑은 고딕" panose="020F0502020204030204"/>
+              <a:ea typeface="맑은 고딕" panose="020B0503020000020004" pitchFamily="50" charset="-127"/>
+              <a:cs typeface="+mn-cs"/>
+            </a:endParaRPr>
+          </a:p>
+        </p:txBody>
+      </p:sp>
+      <p:sp>
+        <p:nvSpPr>
+          <p:cNvPr id="8" name="직사각형 7">
+            <a:extLst>
+              <a:ext uri="{FF2B5EF4-FFF2-40B4-BE49-F238E27FC236}">
+                <a16:creationId xmlns:a16="http://schemas.microsoft.com/office/drawing/2014/main" id="{6A7D4841-58CF-4B5D-3346-B42AE09DFF80}"/>
+              </a:ext>
+            </a:extLst>
+          </p:cNvPr>
+          <p:cNvSpPr/>
+          <p:nvPr/>
+        </p:nvSpPr>
+        <p:spPr>
+          <a:xfrm>
+            <a:off x="2519530" y="3275616"/>
+            <a:ext cx="1583473" cy="752553"/>
+          </a:xfrm>
+          <a:prstGeom prst="rect">
+            <a:avLst/>
+          </a:prstGeom>
+          <a:solidFill>
+            <a:schemeClr val="accent4">
+              <a:lumMod val="40000"/>
+              <a:lumOff val="60000"/>
+            </a:schemeClr>
+          </a:solidFill>
+        </p:spPr>
+        <p:style>
+          <a:lnRef idx="2">
+            <a:schemeClr val="accent1">
+              <a:shade val="15000"/>
+            </a:schemeClr>
+          </a:lnRef>
+          <a:fillRef idx="1">
+            <a:schemeClr val="accent1"/>
+          </a:fillRef>
+          <a:effectRef idx="0">
+            <a:schemeClr val="accent1"/>
+          </a:effectRef>
+          <a:fontRef idx="minor">
+            <a:schemeClr val="lt1"/>
+          </a:fontRef>
+        </p:style>
+        <p:txBody>
+          <a:bodyPr rtlCol="0" anchor="ctr"/>
+          <a:lstStyle/>
+          <a:p>
+            <a:pPr marL="0" marR="0" lvl="0" indent="0" algn="ctr" defTabSz="914400" rtl="0" eaLnBrk="1" fontAlgn="auto" latinLnBrk="1" hangingPunct="1">
+              <a:lnSpc>
+                <a:spcPct val="100000"/>
+              </a:lnSpc>
+              <a:spcBef>
+                <a:spcPts val="0"/>
+              </a:spcBef>
+              <a:spcAft>
+                <a:spcPts val="0"/>
+              </a:spcAft>
+              <a:buClrTx/>
+              <a:buSzTx/>
+              <a:buFontTx/>
+              <a:buNone/>
+              <a:tabLst/>
+              <a:defRPr/>
+            </a:pPr>
+            <a:r>
+              <a:rPr kumimoji="0" lang="en-US" altLang="ko-KR" sz="1800" b="0" i="0" u="none" strike="noStrike" kern="1200" cap="none" spc="0" normalizeH="0" baseline="0" noProof="0" dirty="0">
+                <a:ln>
+                  <a:noFill/>
+                </a:ln>
+                <a:solidFill>
+                  <a:prstClr val="black"/>
+                </a:solidFill>
+                <a:effectLst/>
+                <a:uLnTx/>
+                <a:uFillTx/>
+                <a:latin typeface="맑은 고딕" panose="020F0502020204030204"/>
+                <a:ea typeface="맑은 고딕" panose="020B0503020000020004" pitchFamily="50" charset="-127"/>
+                <a:cs typeface="+mn-cs"/>
+              </a:rPr>
+              <a:t>motor</a:t>
+            </a:r>
+          </a:p>
+          <a:p>
+            <a:pPr marL="0" marR="0" lvl="0" indent="0" algn="ctr" defTabSz="914400" rtl="0" eaLnBrk="1" fontAlgn="auto" latinLnBrk="1" hangingPunct="1">
+              <a:lnSpc>
+                <a:spcPct val="100000"/>
+              </a:lnSpc>
+              <a:spcBef>
+                <a:spcPts val="0"/>
+              </a:spcBef>
+              <a:spcAft>
+                <a:spcPts val="0"/>
+              </a:spcAft>
+              <a:buClrTx/>
+              <a:buSzTx/>
+              <a:buFontTx/>
+              <a:buNone/>
+              <a:tabLst/>
+              <a:defRPr/>
+            </a:pPr>
+            <a:r>
+              <a:rPr kumimoji="0" lang="en-US" altLang="ko-KR" sz="1800" b="0" i="0" u="none" strike="noStrike" kern="1200" cap="none" spc="0" normalizeH="0" baseline="0" noProof="0" dirty="0">
+                <a:ln>
+                  <a:noFill/>
+                </a:ln>
+                <a:solidFill>
+                  <a:prstClr val="black"/>
+                </a:solidFill>
+                <a:effectLst/>
+                <a:uLnTx/>
+                <a:uFillTx/>
+                <a:latin typeface="맑은 고딕" panose="020F0502020204030204"/>
+                <a:ea typeface="맑은 고딕" panose="020B0503020000020004" pitchFamily="50" charset="-127"/>
+                <a:cs typeface="+mn-cs"/>
+              </a:rPr>
+              <a:t>process</a:t>
+            </a:r>
+            <a:endParaRPr kumimoji="0" lang="ko-KR" altLang="en-US" sz="1800" b="0" i="0" u="none" strike="noStrike" kern="1200" cap="none" spc="0" normalizeH="0" baseline="0" noProof="0" dirty="0">
+              <a:ln>
+                <a:noFill/>
+              </a:ln>
+              <a:solidFill>
+                <a:prstClr val="black"/>
+              </a:solidFill>
+              <a:effectLst/>
+              <a:uLnTx/>
+              <a:uFillTx/>
+              <a:latin typeface="맑은 고딕" panose="020F0502020204030204"/>
+              <a:ea typeface="맑은 고딕" panose="020B0503020000020004" pitchFamily="50" charset="-127"/>
+              <a:cs typeface="+mn-cs"/>
+            </a:endParaRPr>
+          </a:p>
+        </p:txBody>
+      </p:sp>
+      <p:sp>
+        <p:nvSpPr>
+          <p:cNvPr id="9" name="직사각형 8">
+            <a:extLst>
+              <a:ext uri="{FF2B5EF4-FFF2-40B4-BE49-F238E27FC236}">
+                <a16:creationId xmlns:a16="http://schemas.microsoft.com/office/drawing/2014/main" id="{FE825840-1905-D796-0F2F-C45CDF8E9754}"/>
+              </a:ext>
+            </a:extLst>
+          </p:cNvPr>
+          <p:cNvSpPr/>
+          <p:nvPr/>
+        </p:nvSpPr>
+        <p:spPr>
+          <a:xfrm>
+            <a:off x="9633502" y="3853441"/>
+            <a:ext cx="1265373" cy="587745"/>
+          </a:xfrm>
+          <a:prstGeom prst="rect">
+            <a:avLst/>
+          </a:prstGeom>
+          <a:solidFill>
+            <a:schemeClr val="accent4">
+              <a:lumMod val="40000"/>
+              <a:lumOff val="60000"/>
+            </a:schemeClr>
+          </a:solidFill>
+        </p:spPr>
+        <p:style>
+          <a:lnRef idx="2">
+            <a:schemeClr val="accent1">
+              <a:shade val="15000"/>
+            </a:schemeClr>
+          </a:lnRef>
+          <a:fillRef idx="1">
+            <a:schemeClr val="accent1"/>
+          </a:fillRef>
+          <a:effectRef idx="0">
+            <a:schemeClr val="accent1"/>
+          </a:effectRef>
+          <a:fontRef idx="minor">
+            <a:schemeClr val="lt1"/>
+          </a:fontRef>
+        </p:style>
+        <p:txBody>
+          <a:bodyPr rtlCol="0" anchor="ctr"/>
+          <a:lstStyle/>
+          <a:p>
+            <a:pPr marL="0" marR="0" lvl="0" indent="0" algn="ctr" defTabSz="914400" rtl="0" eaLnBrk="1" fontAlgn="auto" latinLnBrk="1" hangingPunct="1">
+              <a:lnSpc>
+                <a:spcPct val="100000"/>
+              </a:lnSpc>
+              <a:spcBef>
+                <a:spcPts val="0"/>
+              </a:spcBef>
+              <a:spcAft>
+                <a:spcPts val="0"/>
+              </a:spcAft>
+              <a:buClrTx/>
+              <a:buSzTx/>
+              <a:buFontTx/>
+              <a:buNone/>
+              <a:tabLst/>
+              <a:defRPr/>
+            </a:pPr>
+            <a:r>
+              <a:rPr kumimoji="0" lang="en-US" altLang="ko-KR" sz="1800" b="0" i="0" u="none" strike="noStrike" kern="1200" cap="none" spc="0" normalizeH="0" baseline="0" noProof="0" dirty="0">
+                <a:ln>
+                  <a:noFill/>
+                </a:ln>
+                <a:solidFill>
+                  <a:prstClr val="black"/>
+                </a:solidFill>
+                <a:effectLst/>
+                <a:uLnTx/>
+                <a:uFillTx/>
+                <a:latin typeface="맑은 고딕" panose="020F0502020204030204"/>
+                <a:ea typeface="맑은 고딕" panose="020B0503020000020004" pitchFamily="50" charset="-127"/>
+                <a:cs typeface="+mn-cs"/>
+              </a:rPr>
+              <a:t>signal </a:t>
+            </a:r>
+            <a:r>
+              <a:rPr kumimoji="0" lang="en-US" altLang="ko-KR" sz="1800" b="0" i="0" u="none" strike="noStrike" kern="1200" cap="none" spc="0" normalizeH="0" baseline="0" noProof="0" dirty="0" err="1">
+                <a:ln>
+                  <a:noFill/>
+                </a:ln>
+                <a:solidFill>
+                  <a:prstClr val="black"/>
+                </a:solidFill>
+                <a:effectLst/>
+                <a:uLnTx/>
+                <a:uFillTx/>
+                <a:latin typeface="맑은 고딕" panose="020F0502020204030204"/>
+                <a:ea typeface="맑은 고딕" panose="020B0503020000020004" pitchFamily="50" charset="-127"/>
+                <a:cs typeface="+mn-cs"/>
+              </a:rPr>
+              <a:t>recevier</a:t>
+            </a:r>
+            <a:endParaRPr kumimoji="0" lang="ko-KR" altLang="en-US" sz="1800" b="0" i="0" u="none" strike="noStrike" kern="1200" cap="none" spc="0" normalizeH="0" baseline="0" noProof="0" dirty="0">
+              <a:ln>
+                <a:noFill/>
+              </a:ln>
+              <a:solidFill>
+                <a:prstClr val="black"/>
+              </a:solidFill>
+              <a:effectLst/>
+              <a:uLnTx/>
+              <a:uFillTx/>
+              <a:latin typeface="맑은 고딕" panose="020F0502020204030204"/>
+              <a:ea typeface="맑은 고딕" panose="020B0503020000020004" pitchFamily="50" charset="-127"/>
+              <a:cs typeface="+mn-cs"/>
+            </a:endParaRPr>
+          </a:p>
+        </p:txBody>
+      </p:sp>
+      <p:sp>
+        <p:nvSpPr>
+          <p:cNvPr id="10" name="직사각형 9">
+            <a:extLst>
+              <a:ext uri="{FF2B5EF4-FFF2-40B4-BE49-F238E27FC236}">
+                <a16:creationId xmlns:a16="http://schemas.microsoft.com/office/drawing/2014/main" id="{3E4A348B-5190-7F12-A858-3DBB6848240A}"/>
+              </a:ext>
+            </a:extLst>
+          </p:cNvPr>
+          <p:cNvSpPr/>
+          <p:nvPr/>
+        </p:nvSpPr>
+        <p:spPr>
+          <a:xfrm>
+            <a:off x="2519530" y="4047325"/>
+            <a:ext cx="1583473" cy="752553"/>
+          </a:xfrm>
+          <a:prstGeom prst="rect">
+            <a:avLst/>
+          </a:prstGeom>
+          <a:solidFill>
+            <a:schemeClr val="accent4">
+              <a:lumMod val="40000"/>
+              <a:lumOff val="60000"/>
+            </a:schemeClr>
+          </a:solidFill>
+        </p:spPr>
+        <p:style>
+          <a:lnRef idx="2">
+            <a:schemeClr val="accent1">
+              <a:shade val="15000"/>
+            </a:schemeClr>
+          </a:lnRef>
+          <a:fillRef idx="1">
+            <a:schemeClr val="accent1"/>
+          </a:fillRef>
+          <a:effectRef idx="0">
+            <a:schemeClr val="accent1"/>
+          </a:effectRef>
+          <a:fontRef idx="minor">
+            <a:schemeClr val="lt1"/>
+          </a:fontRef>
+        </p:style>
+        <p:txBody>
+          <a:bodyPr rtlCol="0" anchor="ctr"/>
+          <a:lstStyle/>
+          <a:p>
+            <a:pPr marL="0" marR="0" lvl="0" indent="0" algn="ctr" defTabSz="914400" rtl="0" eaLnBrk="1" fontAlgn="auto" latinLnBrk="1" hangingPunct="1">
+              <a:lnSpc>
+                <a:spcPct val="100000"/>
+              </a:lnSpc>
+              <a:spcBef>
+                <a:spcPts val="0"/>
+              </a:spcBef>
+              <a:spcAft>
+                <a:spcPts val="0"/>
+              </a:spcAft>
+              <a:buClrTx/>
+              <a:buSzTx/>
+              <a:buFontTx/>
+              <a:buNone/>
+              <a:tabLst/>
+              <a:defRPr/>
+            </a:pPr>
+            <a:r>
+              <a:rPr kumimoji="0" lang="en-US" altLang="ko-KR" sz="1800" b="0" i="0" u="none" strike="noStrike" kern="1200" cap="none" spc="0" normalizeH="0" baseline="0" noProof="0" dirty="0">
+                <a:ln>
+                  <a:noFill/>
+                </a:ln>
+                <a:solidFill>
+                  <a:prstClr val="black"/>
+                </a:solidFill>
+                <a:effectLst/>
+                <a:uLnTx/>
+                <a:uFillTx/>
+                <a:latin typeface="맑은 고딕" panose="020F0502020204030204"/>
+                <a:ea typeface="맑은 고딕" panose="020B0503020000020004" pitchFamily="50" charset="-127"/>
+                <a:cs typeface="+mn-cs"/>
+              </a:rPr>
+              <a:t>Collusion</a:t>
+            </a:r>
+          </a:p>
+          <a:p>
+            <a:pPr algn="ctr">
+              <a:defRPr/>
+            </a:pPr>
+            <a:r>
+              <a:rPr kumimoji="0" lang="en-US" altLang="ko-KR" sz="1800" b="0" i="0" u="none" strike="noStrike" kern="1200" cap="none" spc="0" normalizeH="0" baseline="0" noProof="0" dirty="0">
+                <a:ln>
+                  <a:noFill/>
+                </a:ln>
+                <a:solidFill>
+                  <a:prstClr val="black"/>
+                </a:solidFill>
+                <a:effectLst/>
+                <a:uLnTx/>
+                <a:uFillTx/>
+                <a:latin typeface="맑은 고딕" panose="020F0502020204030204"/>
+                <a:ea typeface="맑은 고딕" panose="020B0503020000020004" pitchFamily="50" charset="-127"/>
+                <a:cs typeface="+mn-cs"/>
+              </a:rPr>
+              <a:t>process</a:t>
+            </a:r>
+            <a:endParaRPr kumimoji="0" lang="ko-KR" altLang="en-US" sz="1800" b="0" i="0" u="none" strike="noStrike" kern="1200" cap="none" spc="0" normalizeH="0" baseline="0" noProof="0" dirty="0">
+              <a:ln>
+                <a:noFill/>
+              </a:ln>
+              <a:solidFill>
+                <a:prstClr val="black"/>
+              </a:solidFill>
+              <a:effectLst/>
+              <a:uLnTx/>
+              <a:uFillTx/>
+              <a:latin typeface="맑은 고딕" panose="020F0502020204030204"/>
+              <a:ea typeface="맑은 고딕" panose="020B0503020000020004" pitchFamily="50" charset="-127"/>
+              <a:cs typeface="+mn-cs"/>
+            </a:endParaRPr>
+          </a:p>
+        </p:txBody>
+      </p:sp>
+      <p:sp>
+        <p:nvSpPr>
+          <p:cNvPr id="3" name="사각형: 둥근 모서리 2">
+            <a:extLst>
+              <a:ext uri="{FF2B5EF4-FFF2-40B4-BE49-F238E27FC236}">
+                <a16:creationId xmlns:a16="http://schemas.microsoft.com/office/drawing/2014/main" id="{DBDB9A8B-564F-2C0C-73E1-48E74F825579}"/>
+              </a:ext>
+            </a:extLst>
+          </p:cNvPr>
+          <p:cNvSpPr/>
+          <p:nvPr/>
+        </p:nvSpPr>
+        <p:spPr>
+          <a:xfrm>
+            <a:off x="258337" y="366324"/>
+            <a:ext cx="3211551" cy="1006167"/>
+          </a:xfrm>
+          <a:prstGeom prst="roundRect">
+            <a:avLst/>
+          </a:prstGeom>
+          <a:solidFill>
+            <a:schemeClr val="tx1">
+              <a:lumMod val="50000"/>
+              <a:lumOff val="50000"/>
+            </a:schemeClr>
+          </a:solidFill>
+        </p:spPr>
+        <p:style>
+          <a:lnRef idx="2">
+            <a:schemeClr val="accent1">
+              <a:shade val="15000"/>
+            </a:schemeClr>
+          </a:lnRef>
+          <a:fillRef idx="1">
+            <a:schemeClr val="accent1"/>
+          </a:fillRef>
+          <a:effectRef idx="0">
+            <a:schemeClr val="accent1"/>
+          </a:effectRef>
+          <a:fontRef idx="minor">
+            <a:schemeClr val="lt1"/>
+          </a:fontRef>
+        </p:style>
+        <p:txBody>
+          <a:bodyPr rtlCol="0" anchor="ctr"/>
+          <a:lstStyle/>
+          <a:p>
+            <a:pPr algn="ctr"/>
+            <a:r>
+              <a:rPr lang="en-US" altLang="ko-KR" dirty="0"/>
+              <a:t>SW </a:t>
+            </a:r>
+            <a:r>
+              <a:rPr lang="ko-KR" altLang="en-US" dirty="0"/>
+              <a:t>구성도</a:t>
+            </a:r>
+          </a:p>
+        </p:txBody>
+      </p:sp>
+      <p:sp>
+        <p:nvSpPr>
+          <p:cNvPr id="16" name="사각형: 둥근 모서리 15">
+            <a:extLst>
+              <a:ext uri="{FF2B5EF4-FFF2-40B4-BE49-F238E27FC236}">
+                <a16:creationId xmlns:a16="http://schemas.microsoft.com/office/drawing/2014/main" id="{A5765013-A8AA-C332-3D1B-6B25051C50DE}"/>
+              </a:ext>
+            </a:extLst>
+          </p:cNvPr>
+          <p:cNvSpPr/>
+          <p:nvPr/>
+        </p:nvSpPr>
+        <p:spPr>
+          <a:xfrm>
+            <a:off x="1576990" y="1564406"/>
+            <a:ext cx="1811947" cy="584721"/>
+          </a:xfrm>
+          <a:prstGeom prst="roundRect">
+            <a:avLst/>
+          </a:prstGeom>
+          <a:solidFill>
+            <a:schemeClr val="tx1">
+              <a:lumMod val="50000"/>
+              <a:lumOff val="50000"/>
+            </a:schemeClr>
+          </a:solidFill>
+        </p:spPr>
+        <p:style>
+          <a:lnRef idx="2">
+            <a:schemeClr val="accent1">
+              <a:shade val="15000"/>
+            </a:schemeClr>
+          </a:lnRef>
+          <a:fillRef idx="1">
+            <a:schemeClr val="accent1"/>
+          </a:fillRef>
+          <a:effectRef idx="0">
+            <a:schemeClr val="accent1"/>
+          </a:effectRef>
+          <a:fontRef idx="minor">
+            <a:schemeClr val="lt1"/>
+          </a:fontRef>
+        </p:style>
+        <p:txBody>
+          <a:bodyPr rtlCol="0" anchor="ctr"/>
+          <a:lstStyle/>
+          <a:p>
+            <a:pPr algn="ctr"/>
+            <a:r>
+              <a:rPr lang="ko-KR" altLang="en-US"/>
+              <a:t>모듈 제어</a:t>
+            </a:r>
+            <a:endParaRPr lang="ko-KR" altLang="en-US" dirty="0"/>
+          </a:p>
+        </p:txBody>
+      </p:sp>
+      <p:sp>
+        <p:nvSpPr>
+          <p:cNvPr id="17" name="사각형: 둥근 모서리 16">
+            <a:extLst>
+              <a:ext uri="{FF2B5EF4-FFF2-40B4-BE49-F238E27FC236}">
+                <a16:creationId xmlns:a16="http://schemas.microsoft.com/office/drawing/2014/main" id="{5F5CDFBE-2388-6DDA-98DE-FD85D2201FC3}"/>
+              </a:ext>
+            </a:extLst>
+          </p:cNvPr>
+          <p:cNvSpPr/>
+          <p:nvPr/>
+        </p:nvSpPr>
+        <p:spPr>
+          <a:xfrm>
+            <a:off x="9532399" y="1616924"/>
+            <a:ext cx="1811947" cy="584721"/>
+          </a:xfrm>
+          <a:prstGeom prst="roundRect">
+            <a:avLst/>
+          </a:prstGeom>
+          <a:solidFill>
+            <a:schemeClr val="tx1">
+              <a:lumMod val="50000"/>
+              <a:lumOff val="50000"/>
+            </a:schemeClr>
+          </a:solidFill>
+        </p:spPr>
+        <p:style>
+          <a:lnRef idx="2">
+            <a:schemeClr val="accent1">
+              <a:shade val="15000"/>
+            </a:schemeClr>
+          </a:lnRef>
+          <a:fillRef idx="1">
+            <a:schemeClr val="accent1"/>
+          </a:fillRef>
+          <a:effectRef idx="0">
+            <a:schemeClr val="accent1"/>
+          </a:effectRef>
+          <a:fontRef idx="minor">
+            <a:schemeClr val="lt1"/>
+          </a:fontRef>
+        </p:style>
+        <p:txBody>
+          <a:bodyPr rtlCol="0" anchor="ctr"/>
+          <a:lstStyle/>
+          <a:p>
+            <a:pPr algn="ctr"/>
+            <a:r>
+              <a:rPr lang="ko-KR" altLang="en-US" dirty="0"/>
+              <a:t>송수신 제어</a:t>
+            </a:r>
+          </a:p>
+        </p:txBody>
+      </p:sp>
+      <p:sp>
+        <p:nvSpPr>
+          <p:cNvPr id="19" name="직사각형 18">
+            <a:extLst>
+              <a:ext uri="{FF2B5EF4-FFF2-40B4-BE49-F238E27FC236}">
+                <a16:creationId xmlns:a16="http://schemas.microsoft.com/office/drawing/2014/main" id="{E608C1F0-96FB-2AB6-D5C4-ED94A0FF1A86}"/>
+              </a:ext>
+            </a:extLst>
+          </p:cNvPr>
+          <p:cNvSpPr/>
+          <p:nvPr/>
+        </p:nvSpPr>
+        <p:spPr>
+          <a:xfrm>
+            <a:off x="9633502" y="2698788"/>
+            <a:ext cx="1265373" cy="587745"/>
+          </a:xfrm>
+          <a:prstGeom prst="rect">
+            <a:avLst/>
+          </a:prstGeom>
+          <a:solidFill>
+            <a:schemeClr val="accent4">
+              <a:lumMod val="60000"/>
+              <a:lumOff val="40000"/>
+            </a:schemeClr>
+          </a:solidFill>
+        </p:spPr>
+        <p:style>
+          <a:lnRef idx="2">
+            <a:schemeClr val="accent1">
+              <a:shade val="15000"/>
+            </a:schemeClr>
+          </a:lnRef>
+          <a:fillRef idx="1">
+            <a:schemeClr val="accent1"/>
+          </a:fillRef>
+          <a:effectRef idx="0">
+            <a:schemeClr val="accent1"/>
+          </a:effectRef>
+          <a:fontRef idx="minor">
+            <a:schemeClr val="lt1"/>
+          </a:fontRef>
+        </p:style>
+        <p:txBody>
+          <a:bodyPr rtlCol="0" anchor="ctr"/>
+          <a:lstStyle/>
+          <a:p>
+            <a:pPr marL="0" marR="0" lvl="0" indent="0" algn="ctr" defTabSz="914400" rtl="0" eaLnBrk="1" fontAlgn="auto" latinLnBrk="1" hangingPunct="1">
+              <a:lnSpc>
+                <a:spcPct val="100000"/>
+              </a:lnSpc>
+              <a:spcBef>
+                <a:spcPts val="0"/>
+              </a:spcBef>
+              <a:spcAft>
+                <a:spcPts val="0"/>
+              </a:spcAft>
+              <a:buClrTx/>
+              <a:buSzTx/>
+              <a:buFontTx/>
+              <a:buNone/>
+              <a:tabLst/>
+              <a:defRPr/>
+            </a:pPr>
+            <a:r>
+              <a:rPr kumimoji="0" lang="en-US" altLang="ko-KR" sz="1800" b="0" i="0" u="none" strike="noStrike" kern="1200" cap="none" spc="0" normalizeH="0" baseline="0" noProof="0" dirty="0">
+                <a:ln>
+                  <a:noFill/>
+                </a:ln>
+                <a:solidFill>
+                  <a:prstClr val="black"/>
+                </a:solidFill>
+                <a:effectLst/>
+                <a:uLnTx/>
+                <a:uFillTx/>
+                <a:latin typeface="맑은 고딕" panose="020F0502020204030204"/>
+                <a:ea typeface="맑은 고딕" panose="020B0503020000020004" pitchFamily="50" charset="-127"/>
+                <a:cs typeface="+mn-cs"/>
+              </a:rPr>
+              <a:t>MQTT protocol</a:t>
+            </a:r>
+            <a:endParaRPr kumimoji="0" lang="ko-KR" altLang="en-US" sz="1800" b="0" i="0" u="none" strike="noStrike" kern="1200" cap="none" spc="0" normalizeH="0" baseline="0" noProof="0" dirty="0">
+              <a:ln>
+                <a:noFill/>
+              </a:ln>
+              <a:solidFill>
+                <a:prstClr val="black"/>
+              </a:solidFill>
+              <a:effectLst/>
+              <a:uLnTx/>
+              <a:uFillTx/>
+              <a:latin typeface="맑은 고딕" panose="020F0502020204030204"/>
+              <a:ea typeface="맑은 고딕" panose="020B0503020000020004" pitchFamily="50" charset="-127"/>
+              <a:cs typeface="+mn-cs"/>
+            </a:endParaRPr>
+          </a:p>
+        </p:txBody>
+      </p:sp>
+      <p:sp>
+        <p:nvSpPr>
+          <p:cNvPr id="20" name="사각형: 둥근 모서리 19">
+            <a:extLst>
+              <a:ext uri="{FF2B5EF4-FFF2-40B4-BE49-F238E27FC236}">
+                <a16:creationId xmlns:a16="http://schemas.microsoft.com/office/drawing/2014/main" id="{C87034BD-74CB-D333-E44D-8652C06653D9}"/>
+              </a:ext>
+            </a:extLst>
+          </p:cNvPr>
+          <p:cNvSpPr/>
+          <p:nvPr/>
+        </p:nvSpPr>
+        <p:spPr>
+          <a:xfrm>
+            <a:off x="5684493" y="1564406"/>
+            <a:ext cx="1811947" cy="584721"/>
+          </a:xfrm>
+          <a:prstGeom prst="roundRect">
+            <a:avLst/>
+          </a:prstGeom>
+          <a:solidFill>
+            <a:schemeClr val="tx1">
+              <a:lumMod val="50000"/>
+              <a:lumOff val="50000"/>
+            </a:schemeClr>
+          </a:solidFill>
+        </p:spPr>
+        <p:style>
+          <a:lnRef idx="2">
+            <a:schemeClr val="accent1">
+              <a:shade val="15000"/>
+            </a:schemeClr>
+          </a:lnRef>
+          <a:fillRef idx="1">
+            <a:schemeClr val="accent1"/>
+          </a:fillRef>
+          <a:effectRef idx="0">
+            <a:schemeClr val="accent1"/>
+          </a:effectRef>
+          <a:fontRef idx="minor">
+            <a:schemeClr val="lt1"/>
+          </a:fontRef>
+        </p:style>
+        <p:txBody>
+          <a:bodyPr rtlCol="0" anchor="ctr"/>
+          <a:lstStyle/>
+          <a:p>
+            <a:pPr algn="ctr"/>
+            <a:r>
+              <a:rPr lang="ko-KR" altLang="en-US" dirty="0"/>
+              <a:t>중앙 제어</a:t>
+            </a:r>
+          </a:p>
+        </p:txBody>
+      </p:sp>
+      <p:sp>
+        <p:nvSpPr>
+          <p:cNvPr id="21" name="직사각형 20">
+            <a:extLst>
+              <a:ext uri="{FF2B5EF4-FFF2-40B4-BE49-F238E27FC236}">
+                <a16:creationId xmlns:a16="http://schemas.microsoft.com/office/drawing/2014/main" id="{B5025705-C79B-6053-84AB-7B7BD6C54BA4}"/>
+              </a:ext>
+            </a:extLst>
+          </p:cNvPr>
+          <p:cNvSpPr/>
+          <p:nvPr/>
+        </p:nvSpPr>
+        <p:spPr>
+          <a:xfrm>
+            <a:off x="5224938" y="3295357"/>
+            <a:ext cx="1583473" cy="752553"/>
+          </a:xfrm>
+          <a:prstGeom prst="rect">
+            <a:avLst/>
+          </a:prstGeom>
+          <a:solidFill>
+            <a:schemeClr val="accent4">
+              <a:lumMod val="40000"/>
+              <a:lumOff val="60000"/>
+            </a:schemeClr>
+          </a:solidFill>
+        </p:spPr>
+        <p:style>
+          <a:lnRef idx="2">
+            <a:schemeClr val="accent1">
+              <a:shade val="15000"/>
+            </a:schemeClr>
+          </a:lnRef>
+          <a:fillRef idx="1">
+            <a:schemeClr val="accent1"/>
+          </a:fillRef>
+          <a:effectRef idx="0">
+            <a:schemeClr val="accent1"/>
+          </a:effectRef>
+          <a:fontRef idx="minor">
+            <a:schemeClr val="lt1"/>
+          </a:fontRef>
+        </p:style>
+        <p:txBody>
+          <a:bodyPr rtlCol="0" anchor="ctr"/>
+          <a:lstStyle/>
+          <a:p>
+            <a:pPr marL="0" marR="0" lvl="0" indent="0" algn="ctr" defTabSz="914400" rtl="0" eaLnBrk="1" fontAlgn="auto" latinLnBrk="1" hangingPunct="1">
+              <a:lnSpc>
+                <a:spcPct val="100000"/>
+              </a:lnSpc>
+              <a:spcBef>
+                <a:spcPts val="0"/>
+              </a:spcBef>
+              <a:spcAft>
+                <a:spcPts val="0"/>
+              </a:spcAft>
+              <a:buClrTx/>
+              <a:buSzTx/>
+              <a:buFontTx/>
+              <a:buNone/>
+              <a:tabLst/>
+              <a:defRPr/>
+            </a:pPr>
+            <a:r>
+              <a:rPr kumimoji="0" lang="ko-KR" altLang="en-US" sz="1800" b="0" i="0" u="none" strike="noStrike" kern="1200" cap="none" spc="0" normalizeH="0" baseline="0" noProof="0" dirty="0">
+                <a:ln>
+                  <a:noFill/>
+                </a:ln>
+                <a:solidFill>
+                  <a:prstClr val="black"/>
+                </a:solidFill>
+                <a:effectLst/>
+                <a:uLnTx/>
+                <a:uFillTx/>
+                <a:latin typeface="맑은 고딕" panose="020F0502020204030204"/>
+                <a:ea typeface="맑은 고딕" panose="020B0503020000020004" pitchFamily="50" charset="-127"/>
+                <a:cs typeface="+mn-cs"/>
+              </a:rPr>
+              <a:t>핀 초기화</a:t>
+            </a:r>
+          </a:p>
+        </p:txBody>
+      </p:sp>
+      <p:sp>
+        <p:nvSpPr>
+          <p:cNvPr id="23" name="직사각형 22">
+            <a:extLst>
+              <a:ext uri="{FF2B5EF4-FFF2-40B4-BE49-F238E27FC236}">
+                <a16:creationId xmlns:a16="http://schemas.microsoft.com/office/drawing/2014/main" id="{C2796C5E-42F3-D24C-A4EC-82FC8EAA356C}"/>
+              </a:ext>
+            </a:extLst>
+          </p:cNvPr>
+          <p:cNvSpPr/>
+          <p:nvPr/>
+        </p:nvSpPr>
+        <p:spPr>
+          <a:xfrm>
+            <a:off x="6966350" y="4064910"/>
+            <a:ext cx="1583473" cy="752553"/>
+          </a:xfrm>
+          <a:prstGeom prst="rect">
+            <a:avLst/>
+          </a:prstGeom>
+          <a:solidFill>
+            <a:schemeClr val="accent4">
+              <a:lumMod val="40000"/>
+              <a:lumOff val="60000"/>
+            </a:schemeClr>
+          </a:solidFill>
+        </p:spPr>
+        <p:style>
+          <a:lnRef idx="2">
+            <a:schemeClr val="accent1">
+              <a:shade val="15000"/>
+            </a:schemeClr>
+          </a:lnRef>
+          <a:fillRef idx="1">
+            <a:schemeClr val="accent1"/>
+          </a:fillRef>
+          <a:effectRef idx="0">
+            <a:schemeClr val="accent1"/>
+          </a:effectRef>
+          <a:fontRef idx="minor">
+            <a:schemeClr val="lt1"/>
+          </a:fontRef>
+        </p:style>
+        <p:txBody>
+          <a:bodyPr rtlCol="0" anchor="ctr"/>
+          <a:lstStyle/>
+          <a:p>
+            <a:pPr marL="0" marR="0" lvl="0" indent="0" algn="ctr" defTabSz="914400" rtl="0" eaLnBrk="1" fontAlgn="auto" latinLnBrk="1" hangingPunct="1">
+              <a:lnSpc>
+                <a:spcPct val="100000"/>
+              </a:lnSpc>
+              <a:spcBef>
+                <a:spcPts val="0"/>
+              </a:spcBef>
+              <a:spcAft>
+                <a:spcPts val="0"/>
+              </a:spcAft>
+              <a:buClrTx/>
+              <a:buSzTx/>
+              <a:buFontTx/>
+              <a:buNone/>
+              <a:tabLst/>
+              <a:defRPr/>
+            </a:pPr>
+            <a:r>
+              <a:rPr lang="ko-KR" altLang="en-US" dirty="0">
+                <a:solidFill>
+                  <a:prstClr val="black"/>
+                </a:solidFill>
+                <a:latin typeface="맑은 고딕" panose="020F0502020204030204"/>
+                <a:ea typeface="맑은 고딕" panose="020B0503020000020004" pitchFamily="50" charset="-127"/>
+              </a:rPr>
+              <a:t>이미지 처리</a:t>
+            </a:r>
+            <a:endParaRPr kumimoji="0" lang="ko-KR" altLang="en-US" sz="1800" b="0" i="0" u="none" strike="noStrike" kern="1200" cap="none" spc="0" normalizeH="0" baseline="0" noProof="0" dirty="0">
+              <a:ln>
+                <a:noFill/>
+              </a:ln>
+              <a:solidFill>
+                <a:prstClr val="black"/>
+              </a:solidFill>
+              <a:effectLst/>
+              <a:uLnTx/>
+              <a:uFillTx/>
+              <a:latin typeface="맑은 고딕" panose="020F0502020204030204"/>
+              <a:ea typeface="맑은 고딕" panose="020B0503020000020004" pitchFamily="50" charset="-127"/>
+              <a:cs typeface="+mn-cs"/>
+            </a:endParaRPr>
+          </a:p>
+        </p:txBody>
+      </p:sp>
+      <p:sp>
+        <p:nvSpPr>
+          <p:cNvPr id="22" name="직사각형 21">
+            <a:extLst>
+              <a:ext uri="{FF2B5EF4-FFF2-40B4-BE49-F238E27FC236}">
+                <a16:creationId xmlns:a16="http://schemas.microsoft.com/office/drawing/2014/main" id="{4F9797CB-7E16-920D-631D-0F53E88CEDDD}"/>
+              </a:ext>
+            </a:extLst>
+          </p:cNvPr>
+          <p:cNvSpPr/>
+          <p:nvPr/>
+        </p:nvSpPr>
+        <p:spPr>
+          <a:xfrm>
+            <a:off x="5224938" y="4027466"/>
+            <a:ext cx="1583473" cy="752553"/>
+          </a:xfrm>
+          <a:prstGeom prst="rect">
+            <a:avLst/>
+          </a:prstGeom>
+          <a:solidFill>
+            <a:schemeClr val="accent4">
+              <a:lumMod val="40000"/>
+              <a:lumOff val="60000"/>
+            </a:schemeClr>
+          </a:solidFill>
+        </p:spPr>
+        <p:style>
+          <a:lnRef idx="2">
+            <a:schemeClr val="accent1">
+              <a:shade val="15000"/>
+            </a:schemeClr>
+          </a:lnRef>
+          <a:fillRef idx="1">
+            <a:schemeClr val="accent1"/>
+          </a:fillRef>
+          <a:effectRef idx="0">
+            <a:schemeClr val="accent1"/>
+          </a:effectRef>
+          <a:fontRef idx="minor">
+            <a:schemeClr val="lt1"/>
+          </a:fontRef>
+        </p:style>
+        <p:txBody>
+          <a:bodyPr rtlCol="0" anchor="ctr"/>
+          <a:lstStyle/>
+          <a:p>
+            <a:pPr marL="0" marR="0" lvl="0" indent="0" algn="ctr" defTabSz="914400" rtl="0" eaLnBrk="1" fontAlgn="auto" latinLnBrk="1" hangingPunct="1">
+              <a:lnSpc>
+                <a:spcPct val="100000"/>
+              </a:lnSpc>
+              <a:spcBef>
+                <a:spcPts val="0"/>
+              </a:spcBef>
+              <a:spcAft>
+                <a:spcPts val="0"/>
+              </a:spcAft>
+              <a:buClrTx/>
+              <a:buSzTx/>
+              <a:buFontTx/>
+              <a:buNone/>
+              <a:tabLst/>
+              <a:defRPr/>
+            </a:pPr>
+            <a:r>
+              <a:rPr kumimoji="0" lang="ko-KR" altLang="en-US" sz="1800" b="0" i="0" u="none" strike="noStrike" kern="1200" cap="none" spc="0" normalizeH="0" baseline="0" noProof="0" dirty="0">
+                <a:ln>
+                  <a:noFill/>
+                </a:ln>
+                <a:solidFill>
+                  <a:prstClr val="black"/>
+                </a:solidFill>
+                <a:effectLst/>
+                <a:uLnTx/>
+                <a:uFillTx/>
+                <a:latin typeface="맑은 고딕" panose="020F0502020204030204"/>
+                <a:ea typeface="맑은 고딕" panose="020B0503020000020004" pitchFamily="50" charset="-127"/>
+                <a:cs typeface="+mn-cs"/>
+              </a:rPr>
+              <a:t>모듈 작동</a:t>
+            </a:r>
+          </a:p>
+        </p:txBody>
+      </p:sp>
+      <p:sp>
+        <p:nvSpPr>
+          <p:cNvPr id="24" name="직사각형 23">
+            <a:extLst>
+              <a:ext uri="{FF2B5EF4-FFF2-40B4-BE49-F238E27FC236}">
+                <a16:creationId xmlns:a16="http://schemas.microsoft.com/office/drawing/2014/main" id="{1C105D40-2D55-422F-49B7-3C01CEC4777A}"/>
+              </a:ext>
+            </a:extLst>
+          </p:cNvPr>
+          <p:cNvSpPr/>
+          <p:nvPr/>
+        </p:nvSpPr>
+        <p:spPr>
+          <a:xfrm>
+            <a:off x="6966350" y="3295357"/>
+            <a:ext cx="1583473" cy="752553"/>
+          </a:xfrm>
+          <a:prstGeom prst="rect">
+            <a:avLst/>
+          </a:prstGeom>
+          <a:solidFill>
+            <a:schemeClr val="accent4">
+              <a:lumMod val="40000"/>
+              <a:lumOff val="60000"/>
+            </a:schemeClr>
+          </a:solidFill>
+        </p:spPr>
+        <p:style>
+          <a:lnRef idx="2">
+            <a:schemeClr val="accent1">
+              <a:shade val="15000"/>
+            </a:schemeClr>
+          </a:lnRef>
+          <a:fillRef idx="1">
+            <a:schemeClr val="accent1"/>
+          </a:fillRef>
+          <a:effectRef idx="0">
+            <a:schemeClr val="accent1"/>
+          </a:effectRef>
+          <a:fontRef idx="minor">
+            <a:schemeClr val="lt1"/>
+          </a:fontRef>
+        </p:style>
+        <p:txBody>
+          <a:bodyPr rtlCol="0" anchor="ctr"/>
+          <a:lstStyle/>
+          <a:p>
+            <a:pPr marL="0" marR="0" lvl="0" indent="0" algn="ctr" defTabSz="914400" rtl="0" eaLnBrk="1" fontAlgn="auto" latinLnBrk="1" hangingPunct="1">
+              <a:lnSpc>
+                <a:spcPct val="100000"/>
+              </a:lnSpc>
+              <a:spcBef>
+                <a:spcPts val="0"/>
+              </a:spcBef>
+              <a:spcAft>
+                <a:spcPts val="0"/>
+              </a:spcAft>
+              <a:buClrTx/>
+              <a:buSzTx/>
+              <a:buFontTx/>
+              <a:buNone/>
+              <a:tabLst/>
+              <a:defRPr/>
+            </a:pPr>
+            <a:r>
+              <a:rPr kumimoji="0" lang="ko-KR" altLang="en-US" sz="1800" b="0" i="0" u="none" strike="noStrike" kern="1200" cap="none" spc="0" normalizeH="0" baseline="0" noProof="0" dirty="0">
+                <a:ln>
+                  <a:noFill/>
+                </a:ln>
+                <a:solidFill>
+                  <a:prstClr val="black"/>
+                </a:solidFill>
+                <a:effectLst/>
+                <a:uLnTx/>
+                <a:uFillTx/>
+                <a:latin typeface="맑은 고딕" panose="020F0502020204030204"/>
+                <a:ea typeface="맑은 고딕" panose="020B0503020000020004" pitchFamily="50" charset="-127"/>
+                <a:cs typeface="+mn-cs"/>
+              </a:rPr>
+              <a:t>신호 처리</a:t>
+            </a:r>
+          </a:p>
+        </p:txBody>
+      </p:sp>
+      <p:sp>
+        <p:nvSpPr>
+          <p:cNvPr id="15" name="타원 14">
+            <a:extLst>
+              <a:ext uri="{FF2B5EF4-FFF2-40B4-BE49-F238E27FC236}">
+                <a16:creationId xmlns:a16="http://schemas.microsoft.com/office/drawing/2014/main" id="{3BE6F005-6D49-58F1-1E74-2D7862C079AD}"/>
+              </a:ext>
+            </a:extLst>
+          </p:cNvPr>
+          <p:cNvSpPr/>
+          <p:nvPr/>
+        </p:nvSpPr>
+        <p:spPr>
+          <a:xfrm>
+            <a:off x="1339012" y="1597252"/>
+            <a:ext cx="528918" cy="477663"/>
+          </a:xfrm>
+          <a:prstGeom prst="ellipse">
+            <a:avLst/>
+          </a:prstGeom>
+          <a:solidFill>
+            <a:schemeClr val="bg1">
+              <a:lumMod val="65000"/>
+            </a:schemeClr>
+          </a:solidFill>
+          <a:ln>
+            <a:solidFill>
+              <a:schemeClr val="bg1">
+                <a:lumMod val="65000"/>
+              </a:schemeClr>
+            </a:solidFill>
+          </a:ln>
+        </p:spPr>
+        <p:style>
+          <a:lnRef idx="2">
+            <a:schemeClr val="accent1">
+              <a:shade val="15000"/>
+            </a:schemeClr>
+          </a:lnRef>
+          <a:fillRef idx="1">
+            <a:schemeClr val="accent1"/>
+          </a:fillRef>
+          <a:effectRef idx="0">
+            <a:schemeClr val="accent1"/>
+          </a:effectRef>
+          <a:fontRef idx="minor">
+            <a:schemeClr val="lt1"/>
+          </a:fontRef>
+        </p:style>
+        <p:txBody>
+          <a:bodyPr rtlCol="0" anchor="ctr"/>
+          <a:lstStyle/>
+          <a:p>
+            <a:pPr algn="ctr"/>
+            <a:r>
+              <a:rPr lang="en-US" altLang="ko-KR" dirty="0"/>
+              <a:t>1</a:t>
+            </a:r>
+            <a:endParaRPr lang="ko-KR" altLang="en-US" dirty="0"/>
+          </a:p>
+        </p:txBody>
+      </p:sp>
+      <p:sp>
+        <p:nvSpPr>
+          <p:cNvPr id="25" name="타원 24">
+            <a:extLst>
+              <a:ext uri="{FF2B5EF4-FFF2-40B4-BE49-F238E27FC236}">
+                <a16:creationId xmlns:a16="http://schemas.microsoft.com/office/drawing/2014/main" id="{C0C1BB48-C12C-49A4-A782-40A3609B43EA}"/>
+              </a:ext>
+            </a:extLst>
+          </p:cNvPr>
+          <p:cNvSpPr/>
+          <p:nvPr/>
+        </p:nvSpPr>
+        <p:spPr>
+          <a:xfrm>
+            <a:off x="5558393" y="1617934"/>
+            <a:ext cx="528918" cy="477663"/>
+          </a:xfrm>
+          <a:prstGeom prst="ellipse">
+            <a:avLst/>
+          </a:prstGeom>
+          <a:solidFill>
+            <a:schemeClr val="bg1">
+              <a:lumMod val="65000"/>
+            </a:schemeClr>
+          </a:solidFill>
+          <a:ln>
+            <a:solidFill>
+              <a:schemeClr val="bg1">
+                <a:lumMod val="65000"/>
+              </a:schemeClr>
+            </a:solidFill>
+          </a:ln>
+        </p:spPr>
+        <p:style>
+          <a:lnRef idx="2">
+            <a:schemeClr val="accent1">
+              <a:shade val="15000"/>
+            </a:schemeClr>
+          </a:lnRef>
+          <a:fillRef idx="1">
+            <a:schemeClr val="accent1"/>
+          </a:fillRef>
+          <a:effectRef idx="0">
+            <a:schemeClr val="accent1"/>
+          </a:effectRef>
+          <a:fontRef idx="minor">
+            <a:schemeClr val="lt1"/>
+          </a:fontRef>
+        </p:style>
+        <p:txBody>
+          <a:bodyPr rtlCol="0" anchor="ctr"/>
+          <a:lstStyle/>
+          <a:p>
+            <a:pPr algn="ctr"/>
+            <a:r>
+              <a:rPr lang="en-US" altLang="ko-KR" dirty="0"/>
+              <a:t>2</a:t>
+            </a:r>
+            <a:endParaRPr lang="ko-KR" altLang="en-US" dirty="0"/>
+          </a:p>
+        </p:txBody>
+      </p:sp>
+      <p:sp>
+        <p:nvSpPr>
+          <p:cNvPr id="26" name="타원 25">
+            <a:extLst>
+              <a:ext uri="{FF2B5EF4-FFF2-40B4-BE49-F238E27FC236}">
+                <a16:creationId xmlns:a16="http://schemas.microsoft.com/office/drawing/2014/main" id="{79D7AC21-93BD-08E8-61C7-4A94BA9D3086}"/>
+              </a:ext>
+            </a:extLst>
+          </p:cNvPr>
+          <p:cNvSpPr/>
+          <p:nvPr/>
+        </p:nvSpPr>
+        <p:spPr>
+          <a:xfrm>
+            <a:off x="9231362" y="1655650"/>
+            <a:ext cx="528918" cy="477663"/>
+          </a:xfrm>
+          <a:prstGeom prst="ellipse">
+            <a:avLst/>
+          </a:prstGeom>
+          <a:solidFill>
+            <a:schemeClr val="bg1">
+              <a:lumMod val="65000"/>
+            </a:schemeClr>
+          </a:solidFill>
+          <a:ln>
+            <a:solidFill>
+              <a:schemeClr val="bg1">
+                <a:lumMod val="65000"/>
+              </a:schemeClr>
+            </a:solidFill>
+          </a:ln>
+        </p:spPr>
+        <p:style>
+          <a:lnRef idx="2">
+            <a:schemeClr val="accent1">
+              <a:shade val="15000"/>
+            </a:schemeClr>
+          </a:lnRef>
+          <a:fillRef idx="1">
+            <a:schemeClr val="accent1"/>
+          </a:fillRef>
+          <a:effectRef idx="0">
+            <a:schemeClr val="accent1"/>
+          </a:effectRef>
+          <a:fontRef idx="minor">
+            <a:schemeClr val="lt1"/>
+          </a:fontRef>
+        </p:style>
+        <p:txBody>
+          <a:bodyPr rtlCol="0" anchor="ctr"/>
+          <a:lstStyle/>
+          <a:p>
+            <a:pPr algn="ctr"/>
+            <a:r>
+              <a:rPr lang="en-US" altLang="ko-KR" dirty="0"/>
+              <a:t>3</a:t>
+            </a:r>
+            <a:endParaRPr lang="ko-KR" altLang="en-US" dirty="0"/>
+          </a:p>
+        </p:txBody>
+      </p:sp>
+      <p:sp>
+        <p:nvSpPr>
+          <p:cNvPr id="27" name="직사각형 26">
+            <a:extLst>
+              <a:ext uri="{FF2B5EF4-FFF2-40B4-BE49-F238E27FC236}">
+                <a16:creationId xmlns:a16="http://schemas.microsoft.com/office/drawing/2014/main" id="{82EFE257-2E5B-E639-DD4F-B4515C095E7B}"/>
+              </a:ext>
+            </a:extLst>
+          </p:cNvPr>
+          <p:cNvSpPr/>
+          <p:nvPr/>
+        </p:nvSpPr>
+        <p:spPr>
+          <a:xfrm>
+            <a:off x="2519530" y="2523063"/>
+            <a:ext cx="1583473" cy="752553"/>
+          </a:xfrm>
+          <a:prstGeom prst="rect">
+            <a:avLst/>
+          </a:prstGeom>
+          <a:solidFill>
+            <a:schemeClr val="accent4">
+              <a:lumMod val="60000"/>
+              <a:lumOff val="40000"/>
+            </a:schemeClr>
+          </a:solidFill>
+        </p:spPr>
+        <p:style>
+          <a:lnRef idx="2">
+            <a:schemeClr val="accent1">
+              <a:shade val="15000"/>
+            </a:schemeClr>
+          </a:lnRef>
+          <a:fillRef idx="1">
+            <a:schemeClr val="accent1"/>
+          </a:fillRef>
+          <a:effectRef idx="0">
+            <a:schemeClr val="accent1"/>
+          </a:effectRef>
+          <a:fontRef idx="minor">
+            <a:schemeClr val="lt1"/>
+          </a:fontRef>
+        </p:style>
+        <p:txBody>
+          <a:bodyPr rtlCol="0" anchor="ctr"/>
+          <a:lstStyle/>
+          <a:p>
+            <a:pPr marL="0" marR="0" lvl="0" indent="0" algn="ctr" defTabSz="914400" rtl="0" eaLnBrk="1" fontAlgn="auto" latinLnBrk="1" hangingPunct="1">
+              <a:lnSpc>
+                <a:spcPct val="100000"/>
+              </a:lnSpc>
+              <a:spcBef>
+                <a:spcPts val="0"/>
+              </a:spcBef>
+              <a:spcAft>
+                <a:spcPts val="0"/>
+              </a:spcAft>
+              <a:buClrTx/>
+              <a:buSzTx/>
+              <a:buFontTx/>
+              <a:buNone/>
+              <a:tabLst/>
+              <a:defRPr/>
+            </a:pPr>
+            <a:r>
+              <a:rPr lang="en-US" altLang="ko-KR" dirty="0">
+                <a:solidFill>
+                  <a:prstClr val="black"/>
+                </a:solidFill>
+                <a:latin typeface="맑은 고딕" panose="020F0502020204030204"/>
+                <a:ea typeface="맑은 고딕" panose="020B0503020000020004" pitchFamily="50" charset="-127"/>
+              </a:rPr>
+              <a:t>movement</a:t>
+            </a:r>
+            <a:endParaRPr kumimoji="0" lang="en-US" altLang="ko-KR" sz="1800" b="0" i="0" u="none" strike="noStrike" kern="1200" cap="none" spc="0" normalizeH="0" baseline="0" noProof="0" dirty="0">
+              <a:ln>
+                <a:noFill/>
+              </a:ln>
+              <a:solidFill>
+                <a:prstClr val="black"/>
+              </a:solidFill>
+              <a:effectLst/>
+              <a:uLnTx/>
+              <a:uFillTx/>
+              <a:latin typeface="맑은 고딕" panose="020F0502020204030204"/>
+              <a:ea typeface="맑은 고딕" panose="020B0503020000020004" pitchFamily="50" charset="-127"/>
+              <a:cs typeface="+mn-cs"/>
+            </a:endParaRPr>
+          </a:p>
+          <a:p>
+            <a:pPr marL="0" marR="0" lvl="0" indent="0" algn="ctr" defTabSz="914400" rtl="0" eaLnBrk="1" fontAlgn="auto" latinLnBrk="1" hangingPunct="1">
+              <a:lnSpc>
+                <a:spcPct val="100000"/>
+              </a:lnSpc>
+              <a:spcBef>
+                <a:spcPts val="0"/>
+              </a:spcBef>
+              <a:spcAft>
+                <a:spcPts val="0"/>
+              </a:spcAft>
+              <a:buClrTx/>
+              <a:buSzTx/>
+              <a:buFontTx/>
+              <a:buNone/>
+              <a:tabLst/>
+              <a:defRPr/>
+            </a:pPr>
+            <a:r>
+              <a:rPr lang="en-US" altLang="ko-KR" dirty="0">
+                <a:solidFill>
+                  <a:prstClr val="black"/>
+                </a:solidFill>
+                <a:latin typeface="맑은 고딕" panose="020F0502020204030204"/>
+                <a:ea typeface="맑은 고딕" panose="020B0503020000020004" pitchFamily="50" charset="-127"/>
+              </a:rPr>
+              <a:t>Control</a:t>
+            </a:r>
+            <a:endParaRPr kumimoji="0" lang="ko-KR" altLang="en-US" sz="1800" b="0" i="0" u="none" strike="noStrike" kern="1200" cap="none" spc="0" normalizeH="0" baseline="0" noProof="0" dirty="0">
+              <a:ln>
+                <a:noFill/>
+              </a:ln>
+              <a:solidFill>
+                <a:prstClr val="black"/>
+              </a:solidFill>
+              <a:effectLst/>
+              <a:uLnTx/>
+              <a:uFillTx/>
+              <a:latin typeface="맑은 고딕" panose="020F0502020204030204"/>
+              <a:ea typeface="맑은 고딕" panose="020B0503020000020004" pitchFamily="50" charset="-127"/>
+              <a:cs typeface="+mn-cs"/>
+            </a:endParaRPr>
+          </a:p>
+        </p:txBody>
+      </p:sp>
+      <p:sp>
+        <p:nvSpPr>
+          <p:cNvPr id="28" name="직사각형 27">
+            <a:extLst>
+              <a:ext uri="{FF2B5EF4-FFF2-40B4-BE49-F238E27FC236}">
+                <a16:creationId xmlns:a16="http://schemas.microsoft.com/office/drawing/2014/main" id="{F9074B0E-627C-F417-8399-B6C77B3EAC31}"/>
+              </a:ext>
+            </a:extLst>
+          </p:cNvPr>
+          <p:cNvSpPr/>
+          <p:nvPr/>
+        </p:nvSpPr>
+        <p:spPr>
+          <a:xfrm>
+            <a:off x="5224937" y="2542804"/>
+            <a:ext cx="1583473" cy="752553"/>
+          </a:xfrm>
+          <a:prstGeom prst="rect">
+            <a:avLst/>
+          </a:prstGeom>
+          <a:solidFill>
+            <a:schemeClr val="accent4">
+              <a:lumMod val="60000"/>
+              <a:lumOff val="40000"/>
+            </a:schemeClr>
+          </a:solidFill>
+        </p:spPr>
+        <p:style>
+          <a:lnRef idx="2">
+            <a:schemeClr val="accent1">
+              <a:shade val="15000"/>
+            </a:schemeClr>
+          </a:lnRef>
+          <a:fillRef idx="1">
+            <a:schemeClr val="accent1"/>
+          </a:fillRef>
+          <a:effectRef idx="0">
+            <a:schemeClr val="accent1"/>
+          </a:effectRef>
+          <a:fontRef idx="minor">
+            <a:schemeClr val="lt1"/>
+          </a:fontRef>
+        </p:style>
+        <p:txBody>
+          <a:bodyPr rtlCol="0" anchor="ctr"/>
+          <a:lstStyle/>
+          <a:p>
+            <a:pPr marL="0" marR="0" lvl="0" indent="0" algn="ctr" defTabSz="914400" rtl="0" eaLnBrk="1" fontAlgn="auto" latinLnBrk="1" hangingPunct="1">
+              <a:lnSpc>
+                <a:spcPct val="100000"/>
+              </a:lnSpc>
+              <a:spcBef>
+                <a:spcPts val="0"/>
+              </a:spcBef>
+              <a:spcAft>
+                <a:spcPts val="0"/>
+              </a:spcAft>
+              <a:buClrTx/>
+              <a:buSzTx/>
+              <a:buFontTx/>
+              <a:buNone/>
+              <a:tabLst/>
+              <a:defRPr/>
+            </a:pPr>
+            <a:r>
+              <a:rPr kumimoji="0" lang="ko-KR" altLang="en-US" sz="1800" b="0" i="0" u="none" strike="noStrike" kern="1200" cap="none" spc="0" normalizeH="0" baseline="0" noProof="0" dirty="0">
+                <a:ln>
+                  <a:noFill/>
+                </a:ln>
+                <a:solidFill>
+                  <a:prstClr val="black"/>
+                </a:solidFill>
+                <a:effectLst/>
+                <a:uLnTx/>
+                <a:uFillTx/>
+                <a:latin typeface="맑은 고딕" panose="020F0502020204030204"/>
+                <a:ea typeface="맑은 고딕" panose="020B0503020000020004" pitchFamily="50" charset="-127"/>
+                <a:cs typeface="+mn-cs"/>
+              </a:rPr>
+              <a:t>동작제어</a:t>
+            </a:r>
+          </a:p>
+        </p:txBody>
+      </p:sp>
+      <p:sp>
+        <p:nvSpPr>
+          <p:cNvPr id="36" name="직사각형 35">
+            <a:extLst>
+              <a:ext uri="{FF2B5EF4-FFF2-40B4-BE49-F238E27FC236}">
+                <a16:creationId xmlns:a16="http://schemas.microsoft.com/office/drawing/2014/main" id="{37848F0D-F22D-FE98-AA37-72DB03996C23}"/>
+              </a:ext>
+            </a:extLst>
+          </p:cNvPr>
+          <p:cNvSpPr/>
+          <p:nvPr/>
+        </p:nvSpPr>
+        <p:spPr>
+          <a:xfrm>
+            <a:off x="6966349" y="2534228"/>
+            <a:ext cx="1583473" cy="752553"/>
+          </a:xfrm>
+          <a:prstGeom prst="rect">
+            <a:avLst/>
+          </a:prstGeom>
+          <a:solidFill>
+            <a:schemeClr val="accent4">
+              <a:lumMod val="60000"/>
+              <a:lumOff val="40000"/>
+            </a:schemeClr>
+          </a:solidFill>
+        </p:spPr>
+        <p:style>
+          <a:lnRef idx="2">
+            <a:schemeClr val="accent1">
+              <a:shade val="15000"/>
+            </a:schemeClr>
+          </a:lnRef>
+          <a:fillRef idx="1">
+            <a:schemeClr val="accent1"/>
+          </a:fillRef>
+          <a:effectRef idx="0">
+            <a:schemeClr val="accent1"/>
+          </a:effectRef>
+          <a:fontRef idx="minor">
+            <a:schemeClr val="lt1"/>
+          </a:fontRef>
+        </p:style>
+        <p:txBody>
+          <a:bodyPr rtlCol="0" anchor="ctr"/>
+          <a:lstStyle/>
+          <a:p>
+            <a:pPr marL="0" marR="0" lvl="0" indent="0" algn="ctr" defTabSz="914400" rtl="0" eaLnBrk="1" fontAlgn="auto" latinLnBrk="1" hangingPunct="1">
+              <a:lnSpc>
+                <a:spcPct val="100000"/>
+              </a:lnSpc>
+              <a:spcBef>
+                <a:spcPts val="0"/>
+              </a:spcBef>
+              <a:spcAft>
+                <a:spcPts val="0"/>
+              </a:spcAft>
+              <a:buClrTx/>
+              <a:buSzTx/>
+              <a:buFontTx/>
+              <a:buNone/>
+              <a:tabLst/>
+              <a:defRPr/>
+            </a:pPr>
+            <a:r>
+              <a:rPr lang="ko-KR" altLang="en-US" dirty="0">
+                <a:solidFill>
+                  <a:prstClr val="black"/>
+                </a:solidFill>
+                <a:latin typeface="맑은 고딕" panose="020F0502020204030204"/>
+                <a:ea typeface="맑은 고딕" panose="020B0503020000020004" pitchFamily="50" charset="-127"/>
+              </a:rPr>
+              <a:t>서버 통신</a:t>
+            </a:r>
+            <a:endParaRPr kumimoji="0" lang="ko-KR" altLang="en-US" sz="1800" b="0" i="0" u="none" strike="noStrike" kern="1200" cap="none" spc="0" normalizeH="0" baseline="0" noProof="0" dirty="0">
+              <a:ln>
+                <a:noFill/>
+              </a:ln>
+              <a:solidFill>
+                <a:prstClr val="black"/>
+              </a:solidFill>
+              <a:effectLst/>
+              <a:uLnTx/>
+              <a:uFillTx/>
+              <a:latin typeface="맑은 고딕" panose="020F0502020204030204"/>
+              <a:ea typeface="맑은 고딕" panose="020B0503020000020004" pitchFamily="50" charset="-127"/>
+              <a:cs typeface="+mn-cs"/>
+            </a:endParaRPr>
+          </a:p>
+        </p:txBody>
+      </p:sp>
+      <p:sp>
+        <p:nvSpPr>
+          <p:cNvPr id="42" name="화살표: 왼쪽/오른쪽 41">
+            <a:extLst>
+              <a:ext uri="{FF2B5EF4-FFF2-40B4-BE49-F238E27FC236}">
+                <a16:creationId xmlns:a16="http://schemas.microsoft.com/office/drawing/2014/main" id="{08D67E0C-5F99-4622-6AC8-367C4BB2BE4E}"/>
+              </a:ext>
+            </a:extLst>
+          </p:cNvPr>
+          <p:cNvSpPr/>
+          <p:nvPr/>
+        </p:nvSpPr>
+        <p:spPr>
+          <a:xfrm>
+            <a:off x="3188782" y="4971813"/>
+            <a:ext cx="2707063" cy="342349"/>
+          </a:xfrm>
+          <a:prstGeom prst="leftRightArrow">
+            <a:avLst/>
+          </a:prstGeom>
+        </p:spPr>
+        <p:style>
+          <a:lnRef idx="2">
+            <a:schemeClr val="accent1">
+              <a:shade val="15000"/>
+            </a:schemeClr>
+          </a:lnRef>
+          <a:fillRef idx="1">
+            <a:schemeClr val="accent1"/>
+          </a:fillRef>
+          <a:effectRef idx="0">
+            <a:schemeClr val="accent1"/>
+          </a:effectRef>
+          <a:fontRef idx="minor">
+            <a:schemeClr val="lt1"/>
+          </a:fontRef>
+        </p:style>
+        <p:txBody>
+          <a:bodyPr rtlCol="0" anchor="ctr"/>
+          <a:lstStyle/>
+          <a:p>
+            <a:pPr algn="ctr"/>
+            <a:endParaRPr lang="ko-KR" altLang="en-US"/>
+          </a:p>
+        </p:txBody>
+      </p:sp>
+      <p:sp>
+        <p:nvSpPr>
+          <p:cNvPr id="43" name="화살표: 왼쪽/오른쪽 42">
+            <a:extLst>
+              <a:ext uri="{FF2B5EF4-FFF2-40B4-BE49-F238E27FC236}">
+                <a16:creationId xmlns:a16="http://schemas.microsoft.com/office/drawing/2014/main" id="{88B9BF2E-912A-A358-84E9-68E4606A4D69}"/>
+              </a:ext>
+            </a:extLst>
+          </p:cNvPr>
+          <p:cNvSpPr/>
+          <p:nvPr/>
+        </p:nvSpPr>
+        <p:spPr>
+          <a:xfrm>
+            <a:off x="7525354" y="4987985"/>
+            <a:ext cx="2707063" cy="342349"/>
+          </a:xfrm>
+          <a:prstGeom prst="leftRightArrow">
+            <a:avLst/>
+          </a:prstGeom>
+        </p:spPr>
+        <p:style>
+          <a:lnRef idx="2">
+            <a:schemeClr val="accent1">
+              <a:shade val="15000"/>
+            </a:schemeClr>
+          </a:lnRef>
+          <a:fillRef idx="1">
+            <a:schemeClr val="accent1"/>
+          </a:fillRef>
+          <a:effectRef idx="0">
+            <a:schemeClr val="accent1"/>
+          </a:effectRef>
+          <a:fontRef idx="minor">
+            <a:schemeClr val="lt1"/>
+          </a:fontRef>
+        </p:style>
+        <p:txBody>
+          <a:bodyPr rtlCol="0" anchor="ctr"/>
+          <a:lstStyle/>
+          <a:p>
+            <a:pPr algn="ctr"/>
+            <a:endParaRPr lang="ko-KR" altLang="en-US"/>
+          </a:p>
+        </p:txBody>
+      </p:sp>
+    </p:spTree>
+    <p:extLst>
+      <p:ext uri="{BB962C8B-B14F-4D97-AF65-F5344CB8AC3E}">
+        <p14:creationId xmlns:p14="http://schemas.microsoft.com/office/powerpoint/2010/main" val="725331236"/>
+      </p:ext>
+    </p:extLst>
+  </p:cSld>
+  <p:clrMapOvr>
+    <a:masterClrMapping/>
+  </p:clrMapOvr>
+</p:sld>
+</file>
+
+<file path=ppt/slides/slide5.xml><?xml version="1.0" encoding="utf-8"?>
+<p:sld xmlns:a="http://schemas.openxmlformats.org/drawingml/2006/main" xmlns:r="http://schemas.openxmlformats.org/officeDocument/2006/relationships" xmlns:p="http://schemas.openxmlformats.org/presentationml/2006/main">
+  <p:cSld>
+    <p:spTree>
+      <p:nvGrpSpPr>
+        <p:cNvPr id="1" name=""/>
+        <p:cNvGrpSpPr/>
+        <p:nvPr/>
+      </p:nvGrpSpPr>
+      <p:grpSpPr>
+        <a:xfrm>
+          <a:off x="0" y="0"/>
+          <a:ext cx="0" cy="0"/>
+          <a:chOff x="0" y="0"/>
+          <a:chExt cx="0" cy="0"/>
+        </a:xfrm>
+      </p:grpSpPr>
+      <p:sp>
+        <p:nvSpPr>
+          <p:cNvPr id="2" name="제목 1">
+            <a:extLst>
+              <a:ext uri="{FF2B5EF4-FFF2-40B4-BE49-F238E27FC236}">
+                <a16:creationId xmlns:a16="http://schemas.microsoft.com/office/drawing/2014/main" id="{505559E9-3920-03F1-F46E-EF162A68F10B}"/>
+              </a:ext>
+            </a:extLst>
+          </p:cNvPr>
+          <p:cNvSpPr>
+            <a:spLocks noGrp="1"/>
+          </p:cNvSpPr>
+          <p:nvPr>
+            <p:ph type="title"/>
+          </p:nvPr>
+        </p:nvSpPr>
+        <p:spPr>
+          <a:xfrm>
+            <a:off x="318780" y="117224"/>
+            <a:ext cx="10515600" cy="1325563"/>
+          </a:xfrm>
+        </p:spPr>
+        <p:txBody>
+          <a:bodyPr/>
+          <a:lstStyle/>
+          <a:p>
+            <a:r>
+              <a:rPr lang="ko-KR" altLang="en-US" dirty="0"/>
+              <a:t>플로우 차트</a:t>
+            </a:r>
+          </a:p>
+        </p:txBody>
+      </p:sp>
+      <p:sp>
+        <p:nvSpPr>
+          <p:cNvPr id="8" name="사각형: 둥근 모서리 7">
+            <a:extLst>
+              <a:ext uri="{FF2B5EF4-FFF2-40B4-BE49-F238E27FC236}">
+                <a16:creationId xmlns:a16="http://schemas.microsoft.com/office/drawing/2014/main" id="{9D1B73A8-AB2E-2BB0-A394-6E31C80C9045}"/>
+              </a:ext>
+            </a:extLst>
+          </p:cNvPr>
+          <p:cNvSpPr/>
+          <p:nvPr/>
+        </p:nvSpPr>
+        <p:spPr>
+          <a:xfrm>
+            <a:off x="5331759" y="468675"/>
+            <a:ext cx="1283662" cy="242120"/>
+          </a:xfrm>
+          <a:prstGeom prst="roundRect">
+            <a:avLst/>
+          </a:prstGeom>
+          <a:solidFill>
+            <a:schemeClr val="bg1"/>
+          </a:solidFill>
+          <a:ln>
+            <a:solidFill>
+              <a:schemeClr val="tx1"/>
+            </a:solidFill>
+          </a:ln>
+        </p:spPr>
+        <p:style>
+          <a:lnRef idx="2">
+            <a:schemeClr val="accent1">
+              <a:shade val="50000"/>
+            </a:schemeClr>
+          </a:lnRef>
+          <a:fillRef idx="1">
+            <a:schemeClr val="accent1"/>
+          </a:fillRef>
+          <a:effectRef idx="0">
+            <a:schemeClr val="accent1"/>
+          </a:effectRef>
+          <a:fontRef idx="minor">
+            <a:schemeClr val="lt1"/>
+          </a:fontRef>
+        </p:style>
+        <p:txBody>
+          <a:bodyPr rtlCol="0" anchor="ctr"/>
+          <a:lstStyle/>
+          <a:p>
+            <a:pPr algn="ctr"/>
+            <a:r>
+              <a:rPr lang="ko-KR" altLang="en-US" sz="1100" dirty="0">
+                <a:solidFill>
+                  <a:schemeClr val="tx1"/>
+                </a:solidFill>
+              </a:rPr>
+              <a:t>중앙 시스템</a:t>
+            </a:r>
+          </a:p>
+        </p:txBody>
+      </p:sp>
+      <p:cxnSp>
+        <p:nvCxnSpPr>
+          <p:cNvPr id="9" name="직선 화살표 연결선 8">
+            <a:extLst>
+              <a:ext uri="{FF2B5EF4-FFF2-40B4-BE49-F238E27FC236}">
+                <a16:creationId xmlns:a16="http://schemas.microsoft.com/office/drawing/2014/main" id="{D7616F14-DCA9-0EAD-F93A-8D118ACA5D93}"/>
+              </a:ext>
+            </a:extLst>
+          </p:cNvPr>
+          <p:cNvCxnSpPr>
+            <a:cxnSpLocks/>
+          </p:cNvCxnSpPr>
+          <p:nvPr/>
+        </p:nvCxnSpPr>
+        <p:spPr>
+          <a:xfrm>
+            <a:off x="5973590" y="710795"/>
+            <a:ext cx="2261" cy="403068"/>
+          </a:xfrm>
+          <a:prstGeom prst="straightConnector1">
+            <a:avLst/>
+          </a:prstGeom>
+          <a:ln>
+            <a:solidFill>
+              <a:schemeClr val="tx1"/>
+            </a:solidFill>
+            <a:tailEnd type="triangle"/>
+          </a:ln>
+        </p:spPr>
+        <p:style>
+          <a:lnRef idx="1">
+            <a:schemeClr val="accent1"/>
+          </a:lnRef>
+          <a:fillRef idx="0">
+            <a:schemeClr val="accent1"/>
+          </a:fillRef>
+          <a:effectRef idx="0">
+            <a:schemeClr val="accent1"/>
+          </a:effectRef>
+          <a:fontRef idx="minor">
+            <a:schemeClr val="tx1"/>
+          </a:fontRef>
+        </p:style>
+      </p:cxnSp>
+      <p:sp>
+        <p:nvSpPr>
+          <p:cNvPr id="10" name="직사각형 9">
+            <a:extLst>
+              <a:ext uri="{FF2B5EF4-FFF2-40B4-BE49-F238E27FC236}">
+                <a16:creationId xmlns:a16="http://schemas.microsoft.com/office/drawing/2014/main" id="{22180C4B-D04C-B1D1-EAFA-171078592444}"/>
+              </a:ext>
+            </a:extLst>
+          </p:cNvPr>
+          <p:cNvSpPr/>
+          <p:nvPr/>
+        </p:nvSpPr>
+        <p:spPr>
+          <a:xfrm>
+            <a:off x="5274471" y="2438045"/>
+            <a:ext cx="1414092" cy="242120"/>
+          </a:xfrm>
+          <a:prstGeom prst="rect">
+            <a:avLst/>
+          </a:prstGeom>
+          <a:solidFill>
+            <a:schemeClr val="bg1"/>
+          </a:solidFill>
+          <a:ln>
+            <a:solidFill>
+              <a:schemeClr val="tx1"/>
+            </a:solidFill>
+          </a:ln>
+        </p:spPr>
+        <p:style>
+          <a:lnRef idx="2">
+            <a:schemeClr val="accent1">
+              <a:shade val="50000"/>
+            </a:schemeClr>
+          </a:lnRef>
+          <a:fillRef idx="1">
+            <a:schemeClr val="accent1"/>
+          </a:fillRef>
+          <a:effectRef idx="0">
+            <a:schemeClr val="accent1"/>
+          </a:effectRef>
+          <a:fontRef idx="minor">
+            <a:schemeClr val="lt1"/>
+          </a:fontRef>
+        </p:style>
+        <p:txBody>
+          <a:bodyPr rtlCol="0" anchor="ctr"/>
+          <a:lstStyle/>
+          <a:p>
+            <a:pPr algn="ctr"/>
+            <a:r>
+              <a:rPr lang="ko-KR" altLang="en-US" sz="1100" dirty="0">
+                <a:solidFill>
+                  <a:schemeClr val="tx1"/>
+                </a:solidFill>
+              </a:rPr>
+              <a:t>레일 순방향 이동</a:t>
+            </a:r>
+          </a:p>
+        </p:txBody>
+      </p:sp>
+      <p:cxnSp>
+        <p:nvCxnSpPr>
+          <p:cNvPr id="11" name="직선 연결선 10">
+            <a:extLst>
+              <a:ext uri="{FF2B5EF4-FFF2-40B4-BE49-F238E27FC236}">
+                <a16:creationId xmlns:a16="http://schemas.microsoft.com/office/drawing/2014/main" id="{2FB7A791-F100-B380-CA83-45FCBB299061}"/>
+              </a:ext>
+            </a:extLst>
+          </p:cNvPr>
+          <p:cNvCxnSpPr>
+            <a:cxnSpLocks/>
+            <a:endCxn id="15" idx="0"/>
+          </p:cNvCxnSpPr>
+          <p:nvPr/>
+        </p:nvCxnSpPr>
+        <p:spPr>
+          <a:xfrm flipH="1">
+            <a:off x="5975851" y="2680165"/>
+            <a:ext cx="5666" cy="466960"/>
+          </a:xfrm>
+          <a:prstGeom prst="line">
+            <a:avLst/>
+          </a:prstGeom>
+          <a:ln>
+            <a:solidFill>
+              <a:schemeClr val="tx1"/>
+            </a:solidFill>
+          </a:ln>
+        </p:spPr>
+        <p:style>
+          <a:lnRef idx="1">
+            <a:schemeClr val="accent1"/>
+          </a:lnRef>
+          <a:fillRef idx="0">
+            <a:schemeClr val="accent1"/>
+          </a:fillRef>
+          <a:effectRef idx="0">
+            <a:schemeClr val="accent1"/>
+          </a:effectRef>
+          <a:fontRef idx="minor">
+            <a:schemeClr val="tx1"/>
+          </a:fontRef>
+        </p:style>
+      </p:cxnSp>
+      <p:sp>
+        <p:nvSpPr>
+          <p:cNvPr id="12" name="직사각형 11">
+            <a:extLst>
+              <a:ext uri="{FF2B5EF4-FFF2-40B4-BE49-F238E27FC236}">
+                <a16:creationId xmlns:a16="http://schemas.microsoft.com/office/drawing/2014/main" id="{81D8DA0E-E43B-CEE7-7BD2-5D97A2715574}"/>
+              </a:ext>
+            </a:extLst>
+          </p:cNvPr>
+          <p:cNvSpPr/>
+          <p:nvPr/>
+        </p:nvSpPr>
+        <p:spPr>
+          <a:xfrm>
+            <a:off x="3956538" y="4156104"/>
+            <a:ext cx="1478796" cy="242120"/>
+          </a:xfrm>
+          <a:prstGeom prst="rect">
+            <a:avLst/>
+          </a:prstGeom>
+          <a:solidFill>
+            <a:schemeClr val="bg1"/>
+          </a:solidFill>
+          <a:ln>
+            <a:solidFill>
+              <a:schemeClr val="tx1"/>
+            </a:solidFill>
+          </a:ln>
+        </p:spPr>
+        <p:style>
+          <a:lnRef idx="2">
+            <a:schemeClr val="accent1">
+              <a:shade val="50000"/>
+            </a:schemeClr>
+          </a:lnRef>
+          <a:fillRef idx="1">
+            <a:schemeClr val="accent1"/>
+          </a:fillRef>
+          <a:effectRef idx="0">
+            <a:schemeClr val="accent1"/>
+          </a:effectRef>
+          <a:fontRef idx="minor">
+            <a:schemeClr val="lt1"/>
+          </a:fontRef>
+        </p:style>
+        <p:txBody>
+          <a:bodyPr rtlCol="0" anchor="ctr"/>
+          <a:lstStyle/>
+          <a:p>
+            <a:pPr algn="ctr"/>
+            <a:r>
+              <a:rPr lang="ko-KR" altLang="en-US" sz="1100" dirty="0">
+                <a:solidFill>
+                  <a:schemeClr val="tx1"/>
+                </a:solidFill>
+              </a:rPr>
+              <a:t>모터 역방향 이동</a:t>
+            </a:r>
+          </a:p>
+        </p:txBody>
+      </p:sp>
+      <p:sp>
+        <p:nvSpPr>
+          <p:cNvPr id="13" name="다이아몬드 12">
+            <a:extLst>
+              <a:ext uri="{FF2B5EF4-FFF2-40B4-BE49-F238E27FC236}">
+                <a16:creationId xmlns:a16="http://schemas.microsoft.com/office/drawing/2014/main" id="{01CA5897-5E24-A569-8FAF-F7DEAE0CB7F6}"/>
+              </a:ext>
+            </a:extLst>
+          </p:cNvPr>
+          <p:cNvSpPr/>
+          <p:nvPr/>
+        </p:nvSpPr>
+        <p:spPr>
+          <a:xfrm>
+            <a:off x="5099208" y="4829066"/>
+            <a:ext cx="1852339" cy="635645"/>
+          </a:xfrm>
+          <a:prstGeom prst="diamond">
+            <a:avLst/>
+          </a:prstGeom>
+          <a:solidFill>
+            <a:schemeClr val="bg1"/>
+          </a:solidFill>
+          <a:ln>
+            <a:solidFill>
+              <a:schemeClr val="tx1"/>
+            </a:solidFill>
+          </a:ln>
+        </p:spPr>
+        <p:style>
+          <a:lnRef idx="2">
+            <a:schemeClr val="accent1">
+              <a:shade val="50000"/>
+            </a:schemeClr>
+          </a:lnRef>
+          <a:fillRef idx="1">
+            <a:schemeClr val="accent1"/>
+          </a:fillRef>
+          <a:effectRef idx="0">
+            <a:schemeClr val="accent1"/>
+          </a:effectRef>
+          <a:fontRef idx="minor">
+            <a:schemeClr val="lt1"/>
+          </a:fontRef>
+        </p:style>
+        <p:txBody>
+          <a:bodyPr rtlCol="0" anchor="ctr"/>
+          <a:lstStyle/>
+          <a:p>
+            <a:pPr algn="ctr"/>
+            <a:r>
+              <a:rPr lang="ko-KR" altLang="en-US" sz="1100" dirty="0">
+                <a:solidFill>
+                  <a:schemeClr val="tx1"/>
+                </a:solidFill>
+              </a:rPr>
+              <a:t>타이머가 지났는가</a:t>
+            </a:r>
+            <a:r>
+              <a:rPr lang="en-US" altLang="ko-KR" sz="1100" dirty="0">
+                <a:solidFill>
+                  <a:schemeClr val="tx1"/>
+                </a:solidFill>
+              </a:rPr>
+              <a:t>?</a:t>
+            </a:r>
+          </a:p>
+        </p:txBody>
+      </p:sp>
+      <p:sp>
+        <p:nvSpPr>
+          <p:cNvPr id="14" name="순서도: 대체 처리 13">
+            <a:extLst>
+              <a:ext uri="{FF2B5EF4-FFF2-40B4-BE49-F238E27FC236}">
+                <a16:creationId xmlns:a16="http://schemas.microsoft.com/office/drawing/2014/main" id="{AF3DB19F-A500-9840-FACC-CFA5D4663805}"/>
+              </a:ext>
+            </a:extLst>
+          </p:cNvPr>
+          <p:cNvSpPr/>
+          <p:nvPr/>
+        </p:nvSpPr>
+        <p:spPr>
+          <a:xfrm>
+            <a:off x="1234027" y="6081289"/>
+            <a:ext cx="2073679" cy="242120"/>
+          </a:xfrm>
+          <a:prstGeom prst="flowChartAlternateProcess">
+            <a:avLst/>
+          </a:prstGeom>
+          <a:solidFill>
+            <a:schemeClr val="bg1"/>
+          </a:solidFill>
+          <a:ln w="28575">
+            <a:solidFill>
+              <a:srgbClr val="C00000"/>
+            </a:solidFill>
+          </a:ln>
+        </p:spPr>
+        <p:style>
+          <a:lnRef idx="2">
+            <a:schemeClr val="accent1">
+              <a:shade val="50000"/>
+            </a:schemeClr>
+          </a:lnRef>
+          <a:fillRef idx="1">
+            <a:schemeClr val="accent1"/>
+          </a:fillRef>
+          <a:effectRef idx="0">
+            <a:schemeClr val="accent1"/>
+          </a:effectRef>
+          <a:fontRef idx="minor">
+            <a:schemeClr val="lt1"/>
+          </a:fontRef>
+        </p:style>
+        <p:txBody>
+          <a:bodyPr rtlCol="0" anchor="ctr"/>
+          <a:lstStyle/>
+          <a:p>
+            <a:pPr algn="ctr"/>
+            <a:r>
+              <a:rPr lang="ko-KR" altLang="en-US" sz="1100" dirty="0">
+                <a:solidFill>
+                  <a:schemeClr val="tx1"/>
+                </a:solidFill>
+                <a:highlight>
+                  <a:srgbClr val="FFFF00"/>
+                </a:highlight>
+              </a:rPr>
+              <a:t>종료</a:t>
+            </a:r>
+          </a:p>
+        </p:txBody>
+      </p:sp>
+      <p:sp>
+        <p:nvSpPr>
+          <p:cNvPr id="15" name="다이아몬드 14">
+            <a:extLst>
+              <a:ext uri="{FF2B5EF4-FFF2-40B4-BE49-F238E27FC236}">
+                <a16:creationId xmlns:a16="http://schemas.microsoft.com/office/drawing/2014/main" id="{FA97B736-89B8-A5DB-C3AF-4A5A07738DBB}"/>
+              </a:ext>
+            </a:extLst>
+          </p:cNvPr>
+          <p:cNvSpPr/>
+          <p:nvPr/>
+        </p:nvSpPr>
+        <p:spPr>
+          <a:xfrm>
+            <a:off x="5049682" y="3147125"/>
+            <a:ext cx="1852338" cy="635645"/>
+          </a:xfrm>
+          <a:prstGeom prst="diamond">
+            <a:avLst/>
+          </a:prstGeom>
+          <a:solidFill>
+            <a:schemeClr val="bg1"/>
+          </a:solidFill>
+          <a:ln>
+            <a:solidFill>
+              <a:schemeClr val="tx1"/>
+            </a:solidFill>
+          </a:ln>
+        </p:spPr>
+        <p:style>
+          <a:lnRef idx="2">
+            <a:schemeClr val="accent1">
+              <a:shade val="50000"/>
+            </a:schemeClr>
+          </a:lnRef>
+          <a:fillRef idx="1">
+            <a:schemeClr val="accent1"/>
+          </a:fillRef>
+          <a:effectRef idx="0">
+            <a:schemeClr val="accent1"/>
+          </a:effectRef>
+          <a:fontRef idx="minor">
+            <a:schemeClr val="lt1"/>
+          </a:fontRef>
+        </p:style>
+        <p:txBody>
+          <a:bodyPr rtlCol="0" anchor="ctr"/>
+          <a:lstStyle/>
+          <a:p>
+            <a:pPr algn="ctr"/>
+            <a:r>
+              <a:rPr lang="ko-KR" altLang="en-US" sz="1100" dirty="0">
+                <a:solidFill>
+                  <a:schemeClr val="tx1"/>
+                </a:solidFill>
+              </a:rPr>
+              <a:t>한계 위치까지 이동했는가</a:t>
+            </a:r>
+            <a:r>
+              <a:rPr lang="en-US" altLang="ko-KR" sz="1100" dirty="0">
+                <a:solidFill>
+                  <a:schemeClr val="tx1"/>
+                </a:solidFill>
+              </a:rPr>
+              <a:t>?</a:t>
+            </a:r>
+          </a:p>
+        </p:txBody>
+      </p:sp>
+      <p:sp>
+        <p:nvSpPr>
+          <p:cNvPr id="16" name="TextBox 15">
+            <a:extLst>
+              <a:ext uri="{FF2B5EF4-FFF2-40B4-BE49-F238E27FC236}">
+                <a16:creationId xmlns:a16="http://schemas.microsoft.com/office/drawing/2014/main" id="{FB5CB75E-2159-FE26-A079-4A5923D0FC95}"/>
+              </a:ext>
+            </a:extLst>
+          </p:cNvPr>
+          <p:cNvSpPr txBox="1"/>
+          <p:nvPr/>
+        </p:nvSpPr>
+        <p:spPr>
+          <a:xfrm>
+            <a:off x="5022756" y="3702882"/>
+            <a:ext cx="543677" cy="261610"/>
+          </a:xfrm>
+          <a:prstGeom prst="rect">
+            <a:avLst/>
+          </a:prstGeom>
+          <a:noFill/>
+        </p:spPr>
+        <p:txBody>
+          <a:bodyPr wrap="square" rtlCol="0">
+            <a:spAutoFit/>
+          </a:bodyPr>
+          <a:lstStyle/>
+          <a:p>
+            <a:pPr algn="ctr"/>
+            <a:r>
+              <a:rPr lang="en-US" altLang="ko-KR" sz="1100" dirty="0"/>
+              <a:t>yes</a:t>
+            </a:r>
+            <a:endParaRPr lang="ko-KR" altLang="en-US" sz="1100" dirty="0"/>
+          </a:p>
+        </p:txBody>
+      </p:sp>
+      <p:sp>
+        <p:nvSpPr>
+          <p:cNvPr id="17" name="TextBox 16">
+            <a:extLst>
+              <a:ext uri="{FF2B5EF4-FFF2-40B4-BE49-F238E27FC236}">
+                <a16:creationId xmlns:a16="http://schemas.microsoft.com/office/drawing/2014/main" id="{216478D3-C650-5E46-21F2-FD88C8273DAA}"/>
+              </a:ext>
+            </a:extLst>
+          </p:cNvPr>
+          <p:cNvSpPr txBox="1"/>
+          <p:nvPr/>
+        </p:nvSpPr>
+        <p:spPr>
+          <a:xfrm>
+            <a:off x="6549010" y="3711356"/>
+            <a:ext cx="381388" cy="261610"/>
+          </a:xfrm>
+          <a:prstGeom prst="rect">
+            <a:avLst/>
+          </a:prstGeom>
+          <a:noFill/>
+        </p:spPr>
+        <p:txBody>
+          <a:bodyPr wrap="square" rtlCol="0">
+            <a:spAutoFit/>
+          </a:bodyPr>
+          <a:lstStyle/>
+          <a:p>
+            <a:pPr algn="ctr"/>
+            <a:r>
+              <a:rPr lang="en-US" altLang="ko-KR" sz="1100" dirty="0"/>
+              <a:t>no</a:t>
+            </a:r>
+            <a:endParaRPr lang="ko-KR" altLang="en-US" sz="1100" dirty="0"/>
+          </a:p>
+        </p:txBody>
+      </p:sp>
+      <p:sp>
+        <p:nvSpPr>
+          <p:cNvPr id="18" name="직사각형 17">
+            <a:extLst>
+              <a:ext uri="{FF2B5EF4-FFF2-40B4-BE49-F238E27FC236}">
+                <a16:creationId xmlns:a16="http://schemas.microsoft.com/office/drawing/2014/main" id="{852F8C5D-9086-B9D6-495A-01DAD901ACB1}"/>
+              </a:ext>
+            </a:extLst>
+          </p:cNvPr>
+          <p:cNvSpPr/>
+          <p:nvPr/>
+        </p:nvSpPr>
+        <p:spPr>
+          <a:xfrm>
+            <a:off x="8168332" y="4910145"/>
+            <a:ext cx="1126615" cy="473486"/>
+          </a:xfrm>
+          <a:prstGeom prst="rect">
+            <a:avLst/>
+          </a:prstGeom>
+          <a:solidFill>
+            <a:schemeClr val="bg1"/>
+          </a:solidFill>
+          <a:ln>
+            <a:solidFill>
+              <a:schemeClr val="tx1"/>
+            </a:solidFill>
+          </a:ln>
+        </p:spPr>
+        <p:style>
+          <a:lnRef idx="2">
+            <a:schemeClr val="accent1">
+              <a:shade val="50000"/>
+            </a:schemeClr>
+          </a:lnRef>
+          <a:fillRef idx="1">
+            <a:schemeClr val="accent1"/>
+          </a:fillRef>
+          <a:effectRef idx="0">
+            <a:schemeClr val="accent1"/>
+          </a:effectRef>
+          <a:fontRef idx="minor">
+            <a:schemeClr val="lt1"/>
+          </a:fontRef>
+        </p:style>
+        <p:txBody>
+          <a:bodyPr rtlCol="0" anchor="ctr"/>
+          <a:lstStyle/>
+          <a:p>
+            <a:pPr algn="ctr"/>
+            <a:r>
+              <a:rPr lang="ko-KR" altLang="en-US" sz="1100" dirty="0">
+                <a:solidFill>
+                  <a:schemeClr val="tx1"/>
+                </a:solidFill>
+              </a:rPr>
+              <a:t>사진 촬영 후</a:t>
+            </a:r>
+            <a:endParaRPr lang="en-US" altLang="ko-KR" sz="1100" dirty="0">
+              <a:solidFill>
+                <a:schemeClr val="tx1"/>
+              </a:solidFill>
+            </a:endParaRPr>
+          </a:p>
+          <a:p>
+            <a:pPr algn="ctr"/>
+            <a:r>
+              <a:rPr lang="ko-KR" altLang="en-US" sz="1100" dirty="0">
+                <a:solidFill>
+                  <a:schemeClr val="tx1"/>
+                </a:solidFill>
+              </a:rPr>
+              <a:t>사진 전송</a:t>
+            </a:r>
+          </a:p>
+        </p:txBody>
+      </p:sp>
+      <p:sp>
+        <p:nvSpPr>
+          <p:cNvPr id="19" name="직사각형 18">
+            <a:extLst>
+              <a:ext uri="{FF2B5EF4-FFF2-40B4-BE49-F238E27FC236}">
+                <a16:creationId xmlns:a16="http://schemas.microsoft.com/office/drawing/2014/main" id="{BD263BA7-851D-9D31-5F5B-23B905DAF5EB}"/>
+              </a:ext>
+            </a:extLst>
+          </p:cNvPr>
+          <p:cNvSpPr/>
+          <p:nvPr/>
+        </p:nvSpPr>
+        <p:spPr>
+          <a:xfrm>
+            <a:off x="5339686" y="1794288"/>
+            <a:ext cx="1283662" cy="242120"/>
+          </a:xfrm>
+          <a:prstGeom prst="rect">
+            <a:avLst/>
+          </a:prstGeom>
+          <a:solidFill>
+            <a:schemeClr val="bg1"/>
+          </a:solidFill>
+          <a:ln>
+            <a:solidFill>
+              <a:schemeClr val="tx1"/>
+            </a:solidFill>
+          </a:ln>
+        </p:spPr>
+        <p:style>
+          <a:lnRef idx="2">
+            <a:schemeClr val="accent1">
+              <a:shade val="50000"/>
+            </a:schemeClr>
+          </a:lnRef>
+          <a:fillRef idx="1">
+            <a:schemeClr val="accent1"/>
+          </a:fillRef>
+          <a:effectRef idx="0">
+            <a:schemeClr val="accent1"/>
+          </a:effectRef>
+          <a:fontRef idx="minor">
+            <a:schemeClr val="lt1"/>
+          </a:fontRef>
+        </p:style>
+        <p:txBody>
+          <a:bodyPr rtlCol="0" anchor="ctr"/>
+          <a:lstStyle/>
+          <a:p>
+            <a:pPr algn="ctr"/>
+            <a:r>
+              <a:rPr lang="ko-KR" altLang="en-US" sz="1100" dirty="0">
+                <a:solidFill>
+                  <a:schemeClr val="tx1"/>
+                </a:solidFill>
+              </a:rPr>
+              <a:t>라즈베리 파이</a:t>
+            </a:r>
+          </a:p>
+        </p:txBody>
+      </p:sp>
+      <p:cxnSp>
+        <p:nvCxnSpPr>
+          <p:cNvPr id="20" name="직선 화살표 연결선 19">
+            <a:extLst>
+              <a:ext uri="{FF2B5EF4-FFF2-40B4-BE49-F238E27FC236}">
+                <a16:creationId xmlns:a16="http://schemas.microsoft.com/office/drawing/2014/main" id="{B8D6200C-4CCD-5187-8B63-8F6F112BE013}"/>
+              </a:ext>
+            </a:extLst>
+          </p:cNvPr>
+          <p:cNvCxnSpPr>
+            <a:cxnSpLocks/>
+          </p:cNvCxnSpPr>
+          <p:nvPr/>
+        </p:nvCxnSpPr>
+        <p:spPr>
+          <a:xfrm>
+            <a:off x="5975851" y="1436217"/>
+            <a:ext cx="5666" cy="358071"/>
+          </a:xfrm>
+          <a:prstGeom prst="straightConnector1">
+            <a:avLst/>
+          </a:prstGeom>
+          <a:ln>
+            <a:solidFill>
+              <a:schemeClr val="tx1"/>
+            </a:solidFill>
+            <a:tailEnd type="triangle"/>
+          </a:ln>
+        </p:spPr>
+        <p:style>
+          <a:lnRef idx="1">
+            <a:schemeClr val="accent1"/>
+          </a:lnRef>
+          <a:fillRef idx="0">
+            <a:schemeClr val="accent1"/>
+          </a:fillRef>
+          <a:effectRef idx="0">
+            <a:schemeClr val="accent1"/>
+          </a:effectRef>
+          <a:fontRef idx="minor">
+            <a:schemeClr val="tx1"/>
+          </a:fontRef>
+        </p:style>
+      </p:cxnSp>
+      <p:cxnSp>
+        <p:nvCxnSpPr>
+          <p:cNvPr id="21" name="직선 화살표 연결선 20">
+            <a:extLst>
+              <a:ext uri="{FF2B5EF4-FFF2-40B4-BE49-F238E27FC236}">
+                <a16:creationId xmlns:a16="http://schemas.microsoft.com/office/drawing/2014/main" id="{580BC3F8-5341-6094-EFCB-D8CFF6674800}"/>
+              </a:ext>
+            </a:extLst>
+          </p:cNvPr>
+          <p:cNvCxnSpPr>
+            <a:cxnSpLocks/>
+          </p:cNvCxnSpPr>
+          <p:nvPr/>
+        </p:nvCxnSpPr>
+        <p:spPr>
+          <a:xfrm>
+            <a:off x="5981517" y="2036408"/>
+            <a:ext cx="0" cy="401637"/>
+          </a:xfrm>
+          <a:prstGeom prst="straightConnector1">
+            <a:avLst/>
+          </a:prstGeom>
+          <a:ln>
+            <a:solidFill>
+              <a:schemeClr val="tx1"/>
+            </a:solidFill>
+            <a:tailEnd type="triangle"/>
+          </a:ln>
+        </p:spPr>
+        <p:style>
+          <a:lnRef idx="1">
+            <a:schemeClr val="accent1"/>
+          </a:lnRef>
+          <a:fillRef idx="0">
+            <a:schemeClr val="accent1"/>
+          </a:fillRef>
+          <a:effectRef idx="0">
+            <a:schemeClr val="accent1"/>
+          </a:effectRef>
+          <a:fontRef idx="minor">
+            <a:schemeClr val="tx1"/>
+          </a:fontRef>
+        </p:style>
+      </p:cxnSp>
+      <p:cxnSp>
+        <p:nvCxnSpPr>
+          <p:cNvPr id="22" name="연결선: 꺾임 21">
+            <a:extLst>
+              <a:ext uri="{FF2B5EF4-FFF2-40B4-BE49-F238E27FC236}">
+                <a16:creationId xmlns:a16="http://schemas.microsoft.com/office/drawing/2014/main" id="{D1DBDF25-FDBE-5DE1-156F-59B67D9F503A}"/>
+              </a:ext>
+            </a:extLst>
+          </p:cNvPr>
+          <p:cNvCxnSpPr>
+            <a:cxnSpLocks/>
+            <a:stCxn id="15" idx="2"/>
+          </p:cNvCxnSpPr>
+          <p:nvPr/>
+        </p:nvCxnSpPr>
+        <p:spPr>
+          <a:xfrm rot="5400000">
+            <a:off x="5149227" y="3329480"/>
+            <a:ext cx="373334" cy="1279915"/>
+          </a:xfrm>
+          <a:prstGeom prst="bentConnector3">
+            <a:avLst/>
+          </a:prstGeom>
+          <a:ln>
+            <a:solidFill>
+              <a:schemeClr val="tx1"/>
+            </a:solidFill>
+            <a:tailEnd type="triangle"/>
+          </a:ln>
+        </p:spPr>
+        <p:style>
+          <a:lnRef idx="1">
+            <a:schemeClr val="accent1"/>
+          </a:lnRef>
+          <a:fillRef idx="0">
+            <a:schemeClr val="accent1"/>
+          </a:fillRef>
+          <a:effectRef idx="0">
+            <a:schemeClr val="accent1"/>
+          </a:effectRef>
+          <a:fontRef idx="minor">
+            <a:schemeClr val="tx1"/>
+          </a:fontRef>
+        </p:style>
+      </p:cxnSp>
+      <p:cxnSp>
+        <p:nvCxnSpPr>
+          <p:cNvPr id="23" name="연결선: 꺾임 22">
+            <a:extLst>
+              <a:ext uri="{FF2B5EF4-FFF2-40B4-BE49-F238E27FC236}">
+                <a16:creationId xmlns:a16="http://schemas.microsoft.com/office/drawing/2014/main" id="{765ACB7D-465D-72D5-D2DA-87578B3ACD0A}"/>
+              </a:ext>
+            </a:extLst>
+          </p:cNvPr>
+          <p:cNvCxnSpPr>
+            <a:cxnSpLocks/>
+          </p:cNvCxnSpPr>
+          <p:nvPr/>
+        </p:nvCxnSpPr>
+        <p:spPr>
+          <a:xfrm rot="5400000" flipH="1" flipV="1">
+            <a:off x="5628457" y="2909332"/>
+            <a:ext cx="1410332" cy="709879"/>
+          </a:xfrm>
+          <a:prstGeom prst="bentConnector4">
+            <a:avLst>
+              <a:gd name="adj1" fmla="val 198"/>
+              <a:gd name="adj2" fmla="val 192893"/>
+            </a:avLst>
+          </a:prstGeom>
+          <a:ln>
+            <a:solidFill>
+              <a:schemeClr val="tx1"/>
+            </a:solidFill>
+            <a:tailEnd type="triangle"/>
+          </a:ln>
+        </p:spPr>
+        <p:style>
+          <a:lnRef idx="1">
+            <a:schemeClr val="accent1"/>
+          </a:lnRef>
+          <a:fillRef idx="0">
+            <a:schemeClr val="accent1"/>
+          </a:fillRef>
+          <a:effectRef idx="0">
+            <a:schemeClr val="accent1"/>
+          </a:effectRef>
+          <a:fontRef idx="minor">
+            <a:schemeClr val="tx1"/>
+          </a:fontRef>
+        </p:style>
+      </p:cxnSp>
+      <p:sp>
+        <p:nvSpPr>
+          <p:cNvPr id="24" name="직사각형 23">
+            <a:extLst>
+              <a:ext uri="{FF2B5EF4-FFF2-40B4-BE49-F238E27FC236}">
+                <a16:creationId xmlns:a16="http://schemas.microsoft.com/office/drawing/2014/main" id="{CA31D618-9C8E-F7B7-DC29-942824AD4E97}"/>
+              </a:ext>
+            </a:extLst>
+          </p:cNvPr>
+          <p:cNvSpPr/>
+          <p:nvPr/>
+        </p:nvSpPr>
+        <p:spPr>
+          <a:xfrm>
+            <a:off x="5301633" y="1113863"/>
+            <a:ext cx="1348436" cy="322354"/>
+          </a:xfrm>
+          <a:prstGeom prst="rect">
+            <a:avLst/>
+          </a:prstGeom>
+          <a:solidFill>
+            <a:schemeClr val="bg1"/>
+          </a:solidFill>
+          <a:ln>
+            <a:solidFill>
+              <a:schemeClr val="tx1"/>
+            </a:solidFill>
+          </a:ln>
+        </p:spPr>
+        <p:style>
+          <a:lnRef idx="2">
+            <a:schemeClr val="accent1">
+              <a:shade val="50000"/>
+            </a:schemeClr>
+          </a:lnRef>
+          <a:fillRef idx="1">
+            <a:schemeClr val="accent1"/>
+          </a:fillRef>
+          <a:effectRef idx="0">
+            <a:schemeClr val="accent1"/>
+          </a:effectRef>
+          <a:fontRef idx="minor">
+            <a:schemeClr val="lt1"/>
+          </a:fontRef>
+        </p:style>
+        <p:txBody>
+          <a:bodyPr rtlCol="0" anchor="ctr"/>
+          <a:lstStyle/>
+          <a:p>
+            <a:pPr algn="ctr"/>
+            <a:r>
+              <a:rPr lang="ko-KR" altLang="en-US" sz="1100" dirty="0">
+                <a:solidFill>
+                  <a:schemeClr val="tx1"/>
+                </a:solidFill>
+              </a:rPr>
+              <a:t>시작 신호 전송 </a:t>
+            </a:r>
+          </a:p>
+        </p:txBody>
+      </p:sp>
+      <p:sp>
+        <p:nvSpPr>
+          <p:cNvPr id="25" name="다이아몬드 24">
+            <a:extLst>
+              <a:ext uri="{FF2B5EF4-FFF2-40B4-BE49-F238E27FC236}">
+                <a16:creationId xmlns:a16="http://schemas.microsoft.com/office/drawing/2014/main" id="{FAFF143A-B615-D8F5-7750-97C2D793BC80}"/>
+              </a:ext>
+            </a:extLst>
+          </p:cNvPr>
+          <p:cNvSpPr/>
+          <p:nvPr/>
+        </p:nvSpPr>
+        <p:spPr>
+          <a:xfrm>
+            <a:off x="2630929" y="4829066"/>
+            <a:ext cx="1852338" cy="635645"/>
+          </a:xfrm>
+          <a:prstGeom prst="diamond">
+            <a:avLst/>
+          </a:prstGeom>
+          <a:solidFill>
+            <a:schemeClr val="bg1"/>
+          </a:solidFill>
+          <a:ln>
+            <a:solidFill>
+              <a:schemeClr val="tx1"/>
+            </a:solidFill>
+          </a:ln>
+        </p:spPr>
+        <p:style>
+          <a:lnRef idx="2">
+            <a:schemeClr val="accent1">
+              <a:shade val="50000"/>
+            </a:schemeClr>
+          </a:lnRef>
+          <a:fillRef idx="1">
+            <a:schemeClr val="accent1"/>
+          </a:fillRef>
+          <a:effectRef idx="0">
+            <a:schemeClr val="accent1"/>
+          </a:effectRef>
+          <a:fontRef idx="minor">
+            <a:schemeClr val="lt1"/>
+          </a:fontRef>
+        </p:style>
+        <p:txBody>
+          <a:bodyPr rtlCol="0" anchor="ctr"/>
+          <a:lstStyle/>
+          <a:p>
+            <a:pPr algn="ctr"/>
+            <a:r>
+              <a:rPr lang="ko-KR" altLang="en-US" sz="1100" dirty="0">
+                <a:solidFill>
+                  <a:schemeClr val="tx1"/>
+                </a:solidFill>
+              </a:rPr>
+              <a:t>시작 위치 까지 복귀 했는가</a:t>
+            </a:r>
+            <a:r>
+              <a:rPr lang="en-US" altLang="ko-KR" sz="1100" dirty="0">
+                <a:solidFill>
+                  <a:schemeClr val="tx1"/>
+                </a:solidFill>
+              </a:rPr>
+              <a:t>?</a:t>
+            </a:r>
+            <a:r>
+              <a:rPr lang="ko-KR" altLang="en-US" sz="1100" dirty="0">
+                <a:solidFill>
+                  <a:schemeClr val="tx1"/>
+                </a:solidFill>
+              </a:rPr>
+              <a:t> </a:t>
+            </a:r>
+          </a:p>
+        </p:txBody>
+      </p:sp>
+      <p:sp>
+        <p:nvSpPr>
+          <p:cNvPr id="26" name="TextBox 25">
+            <a:extLst>
+              <a:ext uri="{FF2B5EF4-FFF2-40B4-BE49-F238E27FC236}">
+                <a16:creationId xmlns:a16="http://schemas.microsoft.com/office/drawing/2014/main" id="{3B02258E-F1B9-5015-809E-965C6F402248}"/>
+              </a:ext>
+            </a:extLst>
+          </p:cNvPr>
+          <p:cNvSpPr txBox="1"/>
+          <p:nvPr/>
+        </p:nvSpPr>
+        <p:spPr>
+          <a:xfrm>
+            <a:off x="7401692" y="4872845"/>
+            <a:ext cx="543677" cy="261610"/>
+          </a:xfrm>
+          <a:prstGeom prst="rect">
+            <a:avLst/>
+          </a:prstGeom>
+          <a:noFill/>
+        </p:spPr>
+        <p:txBody>
+          <a:bodyPr wrap="square" rtlCol="0">
+            <a:spAutoFit/>
+          </a:bodyPr>
+          <a:lstStyle/>
+          <a:p>
+            <a:pPr algn="ctr"/>
+            <a:r>
+              <a:rPr lang="en-US" altLang="ko-KR" sz="1100" dirty="0"/>
+              <a:t>yes</a:t>
+            </a:r>
+            <a:endParaRPr lang="ko-KR" altLang="en-US" sz="1100" dirty="0"/>
+          </a:p>
+        </p:txBody>
+      </p:sp>
+      <p:cxnSp>
+        <p:nvCxnSpPr>
+          <p:cNvPr id="27" name="연결선: 꺾임 26">
+            <a:extLst>
+              <a:ext uri="{FF2B5EF4-FFF2-40B4-BE49-F238E27FC236}">
+                <a16:creationId xmlns:a16="http://schemas.microsoft.com/office/drawing/2014/main" id="{192802A7-C8A0-4B0F-7412-B4FAB1D4D8AC}"/>
+              </a:ext>
+            </a:extLst>
+          </p:cNvPr>
+          <p:cNvCxnSpPr>
+            <a:cxnSpLocks/>
+            <a:endCxn id="25" idx="0"/>
+          </p:cNvCxnSpPr>
+          <p:nvPr/>
+        </p:nvCxnSpPr>
+        <p:spPr>
+          <a:xfrm rot="5400000">
+            <a:off x="3911096" y="4044226"/>
+            <a:ext cx="430842" cy="1138838"/>
+          </a:xfrm>
+          <a:prstGeom prst="bentConnector3">
+            <a:avLst>
+              <a:gd name="adj1" fmla="val 50000"/>
+            </a:avLst>
+          </a:prstGeom>
+          <a:ln>
+            <a:solidFill>
+              <a:schemeClr val="tx1"/>
+            </a:solidFill>
+          </a:ln>
+        </p:spPr>
+        <p:style>
+          <a:lnRef idx="1">
+            <a:schemeClr val="accent1"/>
+          </a:lnRef>
+          <a:fillRef idx="0">
+            <a:schemeClr val="accent1"/>
+          </a:fillRef>
+          <a:effectRef idx="0">
+            <a:schemeClr val="accent1"/>
+          </a:effectRef>
+          <a:fontRef idx="minor">
+            <a:schemeClr val="tx1"/>
+          </a:fontRef>
+        </p:style>
+      </p:cxnSp>
+      <p:cxnSp>
+        <p:nvCxnSpPr>
+          <p:cNvPr id="28" name="연결선: 꺾임 27">
+            <a:extLst>
+              <a:ext uri="{FF2B5EF4-FFF2-40B4-BE49-F238E27FC236}">
+                <a16:creationId xmlns:a16="http://schemas.microsoft.com/office/drawing/2014/main" id="{8F5F9ABC-2FE9-38EA-D6C7-A602EA8CD3DB}"/>
+              </a:ext>
+            </a:extLst>
+          </p:cNvPr>
+          <p:cNvCxnSpPr>
+            <a:cxnSpLocks/>
+            <a:endCxn id="13" idx="0"/>
+          </p:cNvCxnSpPr>
+          <p:nvPr/>
+        </p:nvCxnSpPr>
+        <p:spPr>
+          <a:xfrm rot="16200000" flipH="1">
+            <a:off x="5145236" y="3948924"/>
+            <a:ext cx="430842" cy="1329442"/>
+          </a:xfrm>
+          <a:prstGeom prst="bentConnector3">
+            <a:avLst>
+              <a:gd name="adj1" fmla="val 50000"/>
+            </a:avLst>
+          </a:prstGeom>
+          <a:ln>
+            <a:solidFill>
+              <a:schemeClr val="tx1"/>
+            </a:solidFill>
+          </a:ln>
+        </p:spPr>
+        <p:style>
+          <a:lnRef idx="1">
+            <a:schemeClr val="accent1"/>
+          </a:lnRef>
+          <a:fillRef idx="0">
+            <a:schemeClr val="accent1"/>
+          </a:fillRef>
+          <a:effectRef idx="0">
+            <a:schemeClr val="accent1"/>
+          </a:effectRef>
+          <a:fontRef idx="minor">
+            <a:schemeClr val="tx1"/>
+          </a:fontRef>
+        </p:style>
+      </p:cxnSp>
+      <p:cxnSp>
+        <p:nvCxnSpPr>
+          <p:cNvPr id="29" name="연결선: 꺾임 28">
+            <a:extLst>
+              <a:ext uri="{FF2B5EF4-FFF2-40B4-BE49-F238E27FC236}">
+                <a16:creationId xmlns:a16="http://schemas.microsoft.com/office/drawing/2014/main" id="{9B28FA62-7B27-837C-302F-746080274908}"/>
+              </a:ext>
+            </a:extLst>
+          </p:cNvPr>
+          <p:cNvCxnSpPr>
+            <a:cxnSpLocks/>
+          </p:cNvCxnSpPr>
+          <p:nvPr/>
+        </p:nvCxnSpPr>
+        <p:spPr>
+          <a:xfrm rot="16200000" flipV="1">
+            <a:off x="5513326" y="1691830"/>
+            <a:ext cx="4320410" cy="2116219"/>
+          </a:xfrm>
+          <a:prstGeom prst="bentConnector2">
+            <a:avLst/>
+          </a:prstGeom>
+          <a:ln>
+            <a:solidFill>
+              <a:schemeClr val="tx1"/>
+            </a:solidFill>
+            <a:tailEnd type="triangle"/>
+          </a:ln>
+        </p:spPr>
+        <p:style>
+          <a:lnRef idx="1">
+            <a:schemeClr val="accent1"/>
+          </a:lnRef>
+          <a:fillRef idx="0">
+            <a:schemeClr val="accent1"/>
+          </a:fillRef>
+          <a:effectRef idx="0">
+            <a:schemeClr val="accent1"/>
+          </a:effectRef>
+          <a:fontRef idx="minor">
+            <a:schemeClr val="tx1"/>
+          </a:fontRef>
+        </p:style>
+      </p:cxnSp>
+      <p:sp>
+        <p:nvSpPr>
+          <p:cNvPr id="30" name="TextBox 29">
+            <a:extLst>
+              <a:ext uri="{FF2B5EF4-FFF2-40B4-BE49-F238E27FC236}">
+                <a16:creationId xmlns:a16="http://schemas.microsoft.com/office/drawing/2014/main" id="{91BD4515-FB0C-EAFE-8E3F-58F1BC8089D8}"/>
+              </a:ext>
+            </a:extLst>
+          </p:cNvPr>
+          <p:cNvSpPr txBox="1"/>
+          <p:nvPr/>
+        </p:nvSpPr>
+        <p:spPr>
+          <a:xfrm>
+            <a:off x="2544150" y="5466079"/>
+            <a:ext cx="543677" cy="261610"/>
+          </a:xfrm>
+          <a:prstGeom prst="rect">
+            <a:avLst/>
+          </a:prstGeom>
+          <a:noFill/>
+        </p:spPr>
+        <p:txBody>
+          <a:bodyPr wrap="square" rtlCol="0">
+            <a:spAutoFit/>
+          </a:bodyPr>
+          <a:lstStyle/>
+          <a:p>
+            <a:pPr algn="ctr"/>
+            <a:r>
+              <a:rPr lang="en-US" altLang="ko-KR" sz="1100" dirty="0"/>
+              <a:t>yes</a:t>
+            </a:r>
+            <a:endParaRPr lang="ko-KR" altLang="en-US" sz="1100" dirty="0"/>
+          </a:p>
+        </p:txBody>
+      </p:sp>
+      <p:cxnSp>
+        <p:nvCxnSpPr>
+          <p:cNvPr id="31" name="연결선: 꺾임 30">
+            <a:extLst>
+              <a:ext uri="{FF2B5EF4-FFF2-40B4-BE49-F238E27FC236}">
+                <a16:creationId xmlns:a16="http://schemas.microsoft.com/office/drawing/2014/main" id="{5C72E2D7-EA22-FF77-D170-ADAF5F945EFB}"/>
+              </a:ext>
+            </a:extLst>
+          </p:cNvPr>
+          <p:cNvCxnSpPr>
+            <a:stCxn id="25" idx="2"/>
+            <a:endCxn id="14" idx="0"/>
+          </p:cNvCxnSpPr>
+          <p:nvPr/>
+        </p:nvCxnSpPr>
+        <p:spPr>
+          <a:xfrm rot="5400000">
+            <a:off x="2605694" y="5129885"/>
+            <a:ext cx="616578" cy="1286231"/>
+          </a:xfrm>
+          <a:prstGeom prst="bentConnector3">
+            <a:avLst/>
+          </a:prstGeom>
+          <a:ln>
+            <a:solidFill>
+              <a:schemeClr val="tx1"/>
+            </a:solidFill>
+            <a:tailEnd type="triangle"/>
+          </a:ln>
+        </p:spPr>
+        <p:style>
+          <a:lnRef idx="1">
+            <a:schemeClr val="accent1"/>
+          </a:lnRef>
+          <a:fillRef idx="0">
+            <a:schemeClr val="accent1"/>
+          </a:fillRef>
+          <a:effectRef idx="0">
+            <a:schemeClr val="accent1"/>
+          </a:effectRef>
+          <a:fontRef idx="minor">
+            <a:schemeClr val="tx1"/>
+          </a:fontRef>
+        </p:style>
+      </p:cxnSp>
+      <p:cxnSp>
+        <p:nvCxnSpPr>
+          <p:cNvPr id="32" name="직선 화살표 연결선 31">
+            <a:extLst>
+              <a:ext uri="{FF2B5EF4-FFF2-40B4-BE49-F238E27FC236}">
+                <a16:creationId xmlns:a16="http://schemas.microsoft.com/office/drawing/2014/main" id="{D8931F02-15B3-0391-4FF9-F831B0F9EBBC}"/>
+              </a:ext>
+            </a:extLst>
+          </p:cNvPr>
+          <p:cNvCxnSpPr>
+            <a:stCxn id="13" idx="3"/>
+          </p:cNvCxnSpPr>
+          <p:nvPr/>
+        </p:nvCxnSpPr>
+        <p:spPr>
+          <a:xfrm flipV="1">
+            <a:off x="6951547" y="5146888"/>
+            <a:ext cx="1216785" cy="1"/>
+          </a:xfrm>
+          <a:prstGeom prst="straightConnector1">
+            <a:avLst/>
+          </a:prstGeom>
+          <a:ln>
+            <a:solidFill>
+              <a:schemeClr val="tx1"/>
+            </a:solidFill>
+            <a:tailEnd type="triangle"/>
+          </a:ln>
+        </p:spPr>
+        <p:style>
+          <a:lnRef idx="1">
+            <a:schemeClr val="accent1"/>
+          </a:lnRef>
+          <a:fillRef idx="0">
+            <a:schemeClr val="accent1"/>
+          </a:fillRef>
+          <a:effectRef idx="0">
+            <a:schemeClr val="accent1"/>
+          </a:effectRef>
+          <a:fontRef idx="minor">
+            <a:schemeClr val="tx1"/>
+          </a:fontRef>
+        </p:style>
+      </p:cxnSp>
+    </p:spTree>
+    <p:extLst>
+      <p:ext uri="{BB962C8B-B14F-4D97-AF65-F5344CB8AC3E}">
+        <p14:creationId xmlns:p14="http://schemas.microsoft.com/office/powerpoint/2010/main" val="1925698285"/>
+      </p:ext>
+    </p:extLst>
+  </p:cSld>
+  <p:clrMapOvr>
+    <a:masterClrMapping/>
+  </p:clrMapOvr>
+</p:sld>
+</file>
+
+<file path=ppt/slides/slide6.xml><?xml version="1.0" encoding="utf-8"?>
+<p:sld xmlns:a="http://schemas.openxmlformats.org/drawingml/2006/main" xmlns:r="http://schemas.openxmlformats.org/officeDocument/2006/relationships" xmlns:p="http://schemas.openxmlformats.org/presentationml/2006/main">
+  <p:cSld>
+    <p:spTree>
+      <p:nvGrpSpPr>
+        <p:cNvPr id="1" name=""/>
+        <p:cNvGrpSpPr/>
+        <p:nvPr/>
+      </p:nvGrpSpPr>
+      <p:grpSpPr>
+        <a:xfrm>
+          <a:off x="0" y="0"/>
+          <a:ext cx="0" cy="0"/>
+          <a:chOff x="0" y="0"/>
+          <a:chExt cx="0" cy="0"/>
+        </a:xfrm>
+      </p:grpSpPr>
+      <p:sp>
+        <p:nvSpPr>
+          <p:cNvPr id="2" name="제목 1">
+            <a:extLst>
+              <a:ext uri="{FF2B5EF4-FFF2-40B4-BE49-F238E27FC236}">
+                <a16:creationId xmlns:a16="http://schemas.microsoft.com/office/drawing/2014/main" id="{319EF890-415B-1B6B-65FC-605F0FD769D4}"/>
+              </a:ext>
+            </a:extLst>
+          </p:cNvPr>
+          <p:cNvSpPr>
+            <a:spLocks noGrp="1"/>
+          </p:cNvSpPr>
+          <p:nvPr>
+            <p:ph type="title"/>
+          </p:nvPr>
+        </p:nvSpPr>
+        <p:spPr>
+          <a:xfrm>
+            <a:off x="838200" y="249517"/>
+            <a:ext cx="3706906" cy="863040"/>
+          </a:xfrm>
+        </p:spPr>
+        <p:txBody>
+          <a:bodyPr/>
+          <a:lstStyle/>
+          <a:p>
+            <a:r>
+              <a:rPr lang="ko-KR" altLang="en-US" dirty="0"/>
+              <a:t>모듈 제어</a:t>
+            </a:r>
+          </a:p>
+        </p:txBody>
+      </p:sp>
+      <p:sp>
+        <p:nvSpPr>
+          <p:cNvPr id="3" name="내용 개체 틀 2">
+            <a:extLst>
+              <a:ext uri="{FF2B5EF4-FFF2-40B4-BE49-F238E27FC236}">
+                <a16:creationId xmlns:a16="http://schemas.microsoft.com/office/drawing/2014/main" id="{3775F9BB-F756-1E8A-E8DE-7FC5A666251D}"/>
+              </a:ext>
+            </a:extLst>
+          </p:cNvPr>
+          <p:cNvSpPr>
+            <a:spLocks noGrp="1"/>
+          </p:cNvSpPr>
+          <p:nvPr>
+            <p:ph idx="1"/>
+          </p:nvPr>
+        </p:nvSpPr>
+        <p:spPr>
+          <a:xfrm>
+            <a:off x="838200" y="1264024"/>
+            <a:ext cx="10515600" cy="4912939"/>
+          </a:xfrm>
+        </p:spPr>
+        <p:txBody>
+          <a:bodyPr/>
+          <a:lstStyle/>
+          <a:p>
+            <a:pPr>
+              <a:buFont typeface="Wingdings" panose="05000000000000000000" pitchFamily="2" charset="2"/>
+              <a:buChar char="§"/>
+            </a:pPr>
+            <a:r>
+              <a:rPr lang="ko-KR" altLang="en-US" dirty="0"/>
+              <a:t> 영상 처리</a:t>
+            </a:r>
+            <a:endParaRPr lang="en-US" altLang="ko-KR" dirty="0"/>
+          </a:p>
+          <a:p>
+            <a:pPr marL="0" indent="0">
+              <a:buNone/>
+            </a:pPr>
+            <a:r>
+              <a:rPr lang="en-US" altLang="ko-KR" dirty="0"/>
+              <a:t> - </a:t>
+            </a:r>
+            <a:r>
+              <a:rPr lang="ko-KR" altLang="en-US" dirty="0" err="1"/>
+              <a:t>라즈베리파이</a:t>
+            </a:r>
+            <a:r>
+              <a:rPr lang="ko-KR" altLang="en-US" dirty="0"/>
+              <a:t> 모듈 중 하나로</a:t>
+            </a:r>
+            <a:endParaRPr lang="en-US" altLang="ko-KR" dirty="0"/>
+          </a:p>
+        </p:txBody>
+      </p:sp>
+    </p:spTree>
+    <p:extLst>
+      <p:ext uri="{BB962C8B-B14F-4D97-AF65-F5344CB8AC3E}">
+        <p14:creationId xmlns:p14="http://schemas.microsoft.com/office/powerpoint/2010/main" val="31326555"/>
+      </p:ext>
+    </p:extLst>
+  </p:cSld>
+  <p:clrMapOvr>
+    <a:masterClrMapping/>
+  </p:clrMapOvr>
+</p:sld>
+</file>
+
+<file path=ppt/slides/slide7.xml><?xml version="1.0" encoding="utf-8"?>
+<p:sld xmlns:a="http://schemas.openxmlformats.org/drawingml/2006/main" xmlns:r="http://schemas.openxmlformats.org/officeDocument/2006/relationships" xmlns:p="http://schemas.openxmlformats.org/presentationml/2006/main">
+  <p:cSld>
+    <p:spTree>
+      <p:nvGrpSpPr>
+        <p:cNvPr id="1" name=""/>
+        <p:cNvGrpSpPr/>
+        <p:nvPr/>
+      </p:nvGrpSpPr>
+      <p:grpSpPr>
+        <a:xfrm>
+          <a:off x="0" y="0"/>
+          <a:ext cx="0" cy="0"/>
+          <a:chOff x="0" y="0"/>
+          <a:chExt cx="0" cy="0"/>
+        </a:xfrm>
+      </p:grpSpPr>
+      <p:sp>
+        <p:nvSpPr>
+          <p:cNvPr id="2" name="제목 1">
+            <a:extLst>
+              <a:ext uri="{FF2B5EF4-FFF2-40B4-BE49-F238E27FC236}">
+                <a16:creationId xmlns:a16="http://schemas.microsoft.com/office/drawing/2014/main" id="{091FE82A-6881-591D-8FB7-D0AE49814CBD}"/>
+              </a:ext>
+            </a:extLst>
+          </p:cNvPr>
+          <p:cNvSpPr>
+            <a:spLocks noGrp="1"/>
+          </p:cNvSpPr>
+          <p:nvPr>
+            <p:ph type="title"/>
+          </p:nvPr>
+        </p:nvSpPr>
+        <p:spPr/>
+        <p:txBody>
+          <a:bodyPr/>
+          <a:lstStyle/>
+          <a:p>
+            <a:r>
+              <a:rPr lang="en-US" altLang="ko-KR" dirty="0"/>
+              <a:t>HW</a:t>
+            </a:r>
+            <a:r>
+              <a:rPr lang="ko-KR" altLang="en-US" dirty="0"/>
+              <a:t>구성도</a:t>
+            </a:r>
+          </a:p>
+        </p:txBody>
+      </p:sp>
+      <p:sp>
+        <p:nvSpPr>
+          <p:cNvPr id="3" name="내용 개체 틀 2">
+            <a:extLst>
+              <a:ext uri="{FF2B5EF4-FFF2-40B4-BE49-F238E27FC236}">
+                <a16:creationId xmlns:a16="http://schemas.microsoft.com/office/drawing/2014/main" id="{49F4F6A6-992F-3F90-C2C5-2867A3EA62D4}"/>
+              </a:ext>
+            </a:extLst>
+          </p:cNvPr>
+          <p:cNvSpPr>
+            <a:spLocks noGrp="1"/>
+          </p:cNvSpPr>
+          <p:nvPr>
+            <p:ph idx="1"/>
+          </p:nvPr>
+        </p:nvSpPr>
+        <p:spPr/>
+        <p:txBody>
+          <a:bodyPr/>
+          <a:lstStyle/>
+          <a:p>
+            <a:endParaRPr lang="ko-KR" altLang="en-US"/>
+          </a:p>
+        </p:txBody>
+      </p:sp>
+    </p:spTree>
+    <p:extLst>
+      <p:ext uri="{BB962C8B-B14F-4D97-AF65-F5344CB8AC3E}">
+        <p14:creationId xmlns:p14="http://schemas.microsoft.com/office/powerpoint/2010/main" val="506358187"/>
+      </p:ext>
+    </p:extLst>
+  </p:cSld>
+  <p:clrMapOvr>
+    <a:masterClrMapping/>
+  </p:clrMapOvr>
+</p:sld>
+</file>
+
+<file path=ppt/slides/slide8.xml><?xml version="1.0" encoding="utf-8"?>
+<p:sld xmlns:a="http://schemas.openxmlformats.org/drawingml/2006/main" xmlns:r="http://schemas.openxmlformats.org/officeDocument/2006/relationships" xmlns:p="http://schemas.openxmlformats.org/presentationml/2006/main">
+  <p:cSld>
+    <p:spTree>
+      <p:nvGrpSpPr>
+        <p:cNvPr id="1" name=""/>
+        <p:cNvGrpSpPr/>
+        <p:nvPr/>
+      </p:nvGrpSpPr>
+      <p:grpSpPr>
+        <a:xfrm>
+          <a:off x="0" y="0"/>
+          <a:ext cx="0" cy="0"/>
+          <a:chOff x="0" y="0"/>
+          <a:chExt cx="0" cy="0"/>
+        </a:xfrm>
+      </p:grpSpPr>
+      <p:sp>
+        <p:nvSpPr>
+          <p:cNvPr id="2" name="제목 1">
+            <a:extLst>
+              <a:ext uri="{FF2B5EF4-FFF2-40B4-BE49-F238E27FC236}">
+                <a16:creationId xmlns:a16="http://schemas.microsoft.com/office/drawing/2014/main" id="{7DD24BEF-08DB-1E08-34E2-CAEBE2AF41A6}"/>
+              </a:ext>
+            </a:extLst>
+          </p:cNvPr>
+          <p:cNvSpPr>
+            <a:spLocks noGrp="1"/>
+          </p:cNvSpPr>
+          <p:nvPr>
+            <p:ph type="title"/>
+          </p:nvPr>
+        </p:nvSpPr>
+        <p:spPr/>
+        <p:txBody>
+          <a:bodyPr/>
+          <a:lstStyle/>
+          <a:p>
+            <a:r>
+              <a:rPr lang="en-US" altLang="ko-KR" dirty="0"/>
+              <a:t>HW </a:t>
+            </a:r>
+            <a:r>
+              <a:rPr lang="ko-KR" altLang="en-US" dirty="0" err="1"/>
+              <a:t>아키텍쳐</a:t>
+            </a:r>
+            <a:endParaRPr lang="ko-KR" altLang="en-US" dirty="0"/>
+          </a:p>
+        </p:txBody>
+      </p:sp>
+      <p:pic>
+        <p:nvPicPr>
+          <p:cNvPr id="7" name="그림 6">
+            <a:extLst>
+              <a:ext uri="{FF2B5EF4-FFF2-40B4-BE49-F238E27FC236}">
+                <a16:creationId xmlns:a16="http://schemas.microsoft.com/office/drawing/2014/main" id="{09B3D658-D5EE-C4A3-ACB5-721ADFC15009}"/>
+              </a:ext>
+            </a:extLst>
+          </p:cNvPr>
+          <p:cNvPicPr>
+            <a:picLocks noChangeAspect="1"/>
+          </p:cNvPicPr>
+          <p:nvPr/>
+        </p:nvPicPr>
+        <p:blipFill>
+          <a:blip r:embed="rId2"/>
+          <a:stretch>
+            <a:fillRect/>
+          </a:stretch>
+        </p:blipFill>
+        <p:spPr>
+          <a:xfrm>
+            <a:off x="723209" y="2869530"/>
+            <a:ext cx="3521744" cy="2542638"/>
+          </a:xfrm>
+          <a:prstGeom prst="rect">
+            <a:avLst/>
+          </a:prstGeom>
+        </p:spPr>
+      </p:pic>
+      <p:pic>
+        <p:nvPicPr>
+          <p:cNvPr id="11" name="그림 10">
+            <a:extLst>
+              <a:ext uri="{FF2B5EF4-FFF2-40B4-BE49-F238E27FC236}">
+                <a16:creationId xmlns:a16="http://schemas.microsoft.com/office/drawing/2014/main" id="{8CFED359-3985-AF85-ED68-A2715DC42D45}"/>
+              </a:ext>
+            </a:extLst>
+          </p:cNvPr>
+          <p:cNvPicPr>
+            <a:picLocks noChangeAspect="1"/>
+          </p:cNvPicPr>
+          <p:nvPr/>
+        </p:nvPicPr>
+        <p:blipFill>
+          <a:blip r:embed="rId3"/>
+          <a:stretch>
+            <a:fillRect/>
+          </a:stretch>
+        </p:blipFill>
+        <p:spPr>
+          <a:xfrm>
+            <a:off x="4574996" y="3169782"/>
+            <a:ext cx="3873683" cy="2079830"/>
+          </a:xfrm>
+          <a:prstGeom prst="rect">
+            <a:avLst/>
+          </a:prstGeom>
+        </p:spPr>
+      </p:pic>
+      <p:pic>
+        <p:nvPicPr>
+          <p:cNvPr id="13" name="그림 12">
+            <a:extLst>
+              <a:ext uri="{FF2B5EF4-FFF2-40B4-BE49-F238E27FC236}">
+                <a16:creationId xmlns:a16="http://schemas.microsoft.com/office/drawing/2014/main" id="{428D52FE-B1B1-8749-2661-353B7E3C6DA7}"/>
+              </a:ext>
+            </a:extLst>
+          </p:cNvPr>
+          <p:cNvPicPr>
+            <a:picLocks noChangeAspect="1"/>
+          </p:cNvPicPr>
+          <p:nvPr/>
+        </p:nvPicPr>
+        <p:blipFill>
+          <a:blip r:embed="rId4"/>
+          <a:stretch>
+            <a:fillRect/>
+          </a:stretch>
+        </p:blipFill>
+        <p:spPr>
+          <a:xfrm>
+            <a:off x="8770055" y="2869530"/>
+            <a:ext cx="3158013" cy="2972247"/>
+          </a:xfrm>
+          <a:prstGeom prst="rect">
+            <a:avLst/>
+          </a:prstGeom>
+        </p:spPr>
+      </p:pic>
+      <p:sp>
+        <p:nvSpPr>
+          <p:cNvPr id="19" name="내용 개체 틀 2">
+            <a:extLst>
+              <a:ext uri="{FF2B5EF4-FFF2-40B4-BE49-F238E27FC236}">
+                <a16:creationId xmlns:a16="http://schemas.microsoft.com/office/drawing/2014/main" id="{4CE612E5-D1B4-E9C5-F05C-9C3E07222440}"/>
+              </a:ext>
+            </a:extLst>
+          </p:cNvPr>
+          <p:cNvSpPr>
+            <a:spLocks noGrp="1"/>
+          </p:cNvSpPr>
+          <p:nvPr>
+            <p:ph idx="1"/>
+          </p:nvPr>
+        </p:nvSpPr>
+        <p:spPr>
+          <a:xfrm>
+            <a:off x="1886415" y="2327430"/>
+            <a:ext cx="928955" cy="438073"/>
+          </a:xfrm>
+        </p:spPr>
+        <p:txBody>
+          <a:bodyPr>
+            <a:normAutofit lnSpcReduction="10000"/>
+          </a:bodyPr>
+          <a:lstStyle/>
+          <a:p>
+            <a:pPr marL="0" indent="0">
+              <a:buNone/>
+            </a:pPr>
+            <a:r>
+              <a:rPr lang="ko-KR" altLang="en-US" dirty="0"/>
+              <a:t>전면</a:t>
+            </a:r>
+            <a:endParaRPr lang="en-US" altLang="ko-KR" dirty="0"/>
+          </a:p>
+        </p:txBody>
+      </p:sp>
+      <p:sp>
+        <p:nvSpPr>
+          <p:cNvPr id="21" name="내용 개체 틀 2">
+            <a:extLst>
+              <a:ext uri="{FF2B5EF4-FFF2-40B4-BE49-F238E27FC236}">
+                <a16:creationId xmlns:a16="http://schemas.microsoft.com/office/drawing/2014/main" id="{77E681A1-F7DE-521E-F007-84E4F0C510F6}"/>
+              </a:ext>
+            </a:extLst>
+          </p:cNvPr>
+          <p:cNvSpPr txBox="1">
+            <a:spLocks/>
+          </p:cNvSpPr>
+          <p:nvPr/>
+        </p:nvSpPr>
+        <p:spPr>
+          <a:xfrm>
+            <a:off x="5839835" y="2327429"/>
+            <a:ext cx="928955" cy="438073"/>
+          </a:xfrm>
+          <a:prstGeom prst="rect">
+            <a:avLst/>
+          </a:prstGeom>
+        </p:spPr>
+        <p:txBody>
+          <a:bodyPr vert="horz" lIns="91440" tIns="45720" rIns="91440" bIns="45720" rtlCol="0">
+            <a:normAutofit lnSpcReduction="10000"/>
+          </a:bodyPr>
+          <a:lstStyle>
+            <a:lvl1pPr marL="228600" indent="-228600" algn="l" defTabSz="914400" rtl="0" eaLnBrk="1" latinLnBrk="1" hangingPunct="1">
+              <a:lnSpc>
+                <a:spcPct val="90000"/>
+              </a:lnSpc>
+              <a:spcBef>
+                <a:spcPts val="1000"/>
+              </a:spcBef>
+              <a:buFont typeface="Arial" panose="020B0604020202020204" pitchFamily="34" charset="0"/>
+              <a:buChar char="•"/>
+              <a:defRPr sz="2800" kern="1200">
+                <a:solidFill>
+                  <a:schemeClr val="tx1"/>
+                </a:solidFill>
+                <a:latin typeface="+mn-lt"/>
+                <a:ea typeface="+mn-ea"/>
+                <a:cs typeface="+mn-cs"/>
+              </a:defRPr>
+            </a:lvl1pPr>
+            <a:lvl2pPr marL="685800" indent="-228600" algn="l" defTabSz="914400" rtl="0" eaLnBrk="1" latinLnBrk="1" hangingPunct="1">
+              <a:lnSpc>
+                <a:spcPct val="90000"/>
+              </a:lnSpc>
+              <a:spcBef>
+                <a:spcPts val="500"/>
+              </a:spcBef>
+              <a:buFont typeface="Arial" panose="020B0604020202020204" pitchFamily="34" charset="0"/>
+              <a:buChar char="•"/>
+              <a:defRPr sz="2400" kern="1200">
+                <a:solidFill>
+                  <a:schemeClr val="tx1"/>
+                </a:solidFill>
+                <a:latin typeface="+mn-lt"/>
+                <a:ea typeface="+mn-ea"/>
+                <a:cs typeface="+mn-cs"/>
+              </a:defRPr>
+            </a:lvl2pPr>
+            <a:lvl3pPr marL="1143000" indent="-228600" algn="l" defTabSz="914400" rtl="0" eaLnBrk="1" latinLnBrk="1" hangingPunct="1">
+              <a:lnSpc>
+                <a:spcPct val="90000"/>
+              </a:lnSpc>
+              <a:spcBef>
+                <a:spcPts val="500"/>
+              </a:spcBef>
+              <a:buFont typeface="Arial" panose="020B0604020202020204" pitchFamily="34" charset="0"/>
+              <a:buChar char="•"/>
+              <a:defRPr sz="2000" kern="1200">
+                <a:solidFill>
+                  <a:schemeClr val="tx1"/>
+                </a:solidFill>
+                <a:latin typeface="+mn-lt"/>
+                <a:ea typeface="+mn-ea"/>
+                <a:cs typeface="+mn-cs"/>
+              </a:defRPr>
+            </a:lvl3pPr>
+            <a:lvl4pPr marL="1600200" indent="-228600" algn="l" defTabSz="914400" rtl="0" eaLnBrk="1" latinLnBrk="1" hangingPunct="1">
+              <a:lnSpc>
+                <a:spcPct val="90000"/>
+              </a:lnSpc>
+              <a:spcBef>
+                <a:spcPts val="500"/>
+              </a:spcBef>
+              <a:buFont typeface="Arial" panose="020B0604020202020204" pitchFamily="34" charset="0"/>
+              <a:buChar char="•"/>
+              <a:defRPr sz="1800" kern="1200">
+                <a:solidFill>
+                  <a:schemeClr val="tx1"/>
+                </a:solidFill>
+                <a:latin typeface="+mn-lt"/>
+                <a:ea typeface="+mn-ea"/>
+                <a:cs typeface="+mn-cs"/>
+              </a:defRPr>
+            </a:lvl4pPr>
+            <a:lvl5pPr marL="2057400" indent="-228600" algn="l" defTabSz="914400" rtl="0" eaLnBrk="1" latinLnBrk="1" hangingPunct="1">
+              <a:lnSpc>
+                <a:spcPct val="90000"/>
+              </a:lnSpc>
+              <a:spcBef>
+                <a:spcPts val="500"/>
+              </a:spcBef>
+              <a:buFont typeface="Arial" panose="020B0604020202020204" pitchFamily="34" charset="0"/>
+              <a:buChar char="•"/>
+              <a:defRPr sz="1800" kern="1200">
+                <a:solidFill>
+                  <a:schemeClr val="tx1"/>
+                </a:solidFill>
+                <a:latin typeface="+mn-lt"/>
+                <a:ea typeface="+mn-ea"/>
+                <a:cs typeface="+mn-cs"/>
+              </a:defRPr>
+            </a:lvl5pPr>
+            <a:lvl6pPr marL="2514600" indent="-228600" algn="l" defTabSz="914400" rtl="0" eaLnBrk="1" latinLnBrk="1" hangingPunct="1">
+              <a:lnSpc>
+                <a:spcPct val="90000"/>
+              </a:lnSpc>
+              <a:spcBef>
+                <a:spcPts val="500"/>
+              </a:spcBef>
+              <a:buFont typeface="Arial" panose="020B0604020202020204" pitchFamily="34" charset="0"/>
+              <a:buChar char="•"/>
+              <a:defRPr sz="1800" kern="1200">
+                <a:solidFill>
+                  <a:schemeClr val="tx1"/>
+                </a:solidFill>
+                <a:latin typeface="+mn-lt"/>
+                <a:ea typeface="+mn-ea"/>
+                <a:cs typeface="+mn-cs"/>
+              </a:defRPr>
+            </a:lvl6pPr>
+            <a:lvl7pPr marL="2971800" indent="-228600" algn="l" defTabSz="914400" rtl="0" eaLnBrk="1" latinLnBrk="1" hangingPunct="1">
+              <a:lnSpc>
+                <a:spcPct val="90000"/>
+              </a:lnSpc>
+              <a:spcBef>
+                <a:spcPts val="500"/>
+              </a:spcBef>
+              <a:buFont typeface="Arial" panose="020B0604020202020204" pitchFamily="34" charset="0"/>
+              <a:buChar char="•"/>
+              <a:defRPr sz="1800" kern="1200">
+                <a:solidFill>
+                  <a:schemeClr val="tx1"/>
+                </a:solidFill>
+                <a:latin typeface="+mn-lt"/>
+                <a:ea typeface="+mn-ea"/>
+                <a:cs typeface="+mn-cs"/>
+              </a:defRPr>
+            </a:lvl7pPr>
+            <a:lvl8pPr marL="3429000" indent="-228600" algn="l" defTabSz="914400" rtl="0" eaLnBrk="1" latinLnBrk="1" hangingPunct="1">
+              <a:lnSpc>
+                <a:spcPct val="90000"/>
+              </a:lnSpc>
+              <a:spcBef>
+                <a:spcPts val="500"/>
+              </a:spcBef>
+              <a:buFont typeface="Arial" panose="020B0604020202020204" pitchFamily="34" charset="0"/>
+              <a:buChar char="•"/>
+              <a:defRPr sz="1800" kern="1200">
+                <a:solidFill>
+                  <a:schemeClr val="tx1"/>
+                </a:solidFill>
+                <a:latin typeface="+mn-lt"/>
+                <a:ea typeface="+mn-ea"/>
+                <a:cs typeface="+mn-cs"/>
+              </a:defRPr>
+            </a:lvl8pPr>
+            <a:lvl9pPr marL="3886200" indent="-228600" algn="l" defTabSz="914400" rtl="0" eaLnBrk="1" latinLnBrk="1" hangingPunct="1">
+              <a:lnSpc>
+                <a:spcPct val="90000"/>
+              </a:lnSpc>
+              <a:spcBef>
+                <a:spcPts val="500"/>
+              </a:spcBef>
+              <a:buFont typeface="Arial" panose="020B0604020202020204" pitchFamily="34" charset="0"/>
+              <a:buChar char="•"/>
+              <a:defRPr sz="1800" kern="1200">
+                <a:solidFill>
+                  <a:schemeClr val="tx1"/>
+                </a:solidFill>
+                <a:latin typeface="+mn-lt"/>
+                <a:ea typeface="+mn-ea"/>
+                <a:cs typeface="+mn-cs"/>
+              </a:defRPr>
+            </a:lvl9pPr>
+          </a:lstStyle>
+          <a:p>
+            <a:pPr marL="0" indent="0">
+              <a:buFont typeface="Arial" panose="020B0604020202020204" pitchFamily="34" charset="0"/>
+              <a:buNone/>
+            </a:pPr>
+            <a:r>
+              <a:rPr lang="ko-KR" altLang="en-US"/>
+              <a:t>후면</a:t>
+            </a:r>
+            <a:endParaRPr lang="en-US" altLang="ko-KR" dirty="0"/>
+          </a:p>
+        </p:txBody>
+      </p:sp>
+      <p:sp>
+        <p:nvSpPr>
+          <p:cNvPr id="23" name="내용 개체 틀 2">
+            <a:extLst>
+              <a:ext uri="{FF2B5EF4-FFF2-40B4-BE49-F238E27FC236}">
+                <a16:creationId xmlns:a16="http://schemas.microsoft.com/office/drawing/2014/main" id="{143ADF42-5914-1DB8-0AD0-1739268B9CD5}"/>
+              </a:ext>
+            </a:extLst>
+          </p:cNvPr>
+          <p:cNvSpPr txBox="1">
+            <a:spLocks/>
+          </p:cNvSpPr>
+          <p:nvPr/>
+        </p:nvSpPr>
+        <p:spPr>
+          <a:xfrm>
+            <a:off x="9793255" y="2327428"/>
+            <a:ext cx="928955" cy="438073"/>
+          </a:xfrm>
+          <a:prstGeom prst="rect">
+            <a:avLst/>
+          </a:prstGeom>
+        </p:spPr>
+        <p:txBody>
+          <a:bodyPr vert="horz" lIns="91440" tIns="45720" rIns="91440" bIns="45720" rtlCol="0">
+            <a:normAutofit lnSpcReduction="10000"/>
+          </a:bodyPr>
+          <a:lstStyle>
+            <a:lvl1pPr marL="228600" indent="-228600" algn="l" defTabSz="914400" rtl="0" eaLnBrk="1" latinLnBrk="1" hangingPunct="1">
+              <a:lnSpc>
+                <a:spcPct val="90000"/>
+              </a:lnSpc>
+              <a:spcBef>
+                <a:spcPts val="1000"/>
+              </a:spcBef>
+              <a:buFont typeface="Arial" panose="020B0604020202020204" pitchFamily="34" charset="0"/>
+              <a:buChar char="•"/>
+              <a:defRPr sz="2800" kern="1200">
+                <a:solidFill>
+                  <a:schemeClr val="tx1"/>
+                </a:solidFill>
+                <a:latin typeface="+mn-lt"/>
+                <a:ea typeface="+mn-ea"/>
+                <a:cs typeface="+mn-cs"/>
+              </a:defRPr>
+            </a:lvl1pPr>
+            <a:lvl2pPr marL="685800" indent="-228600" algn="l" defTabSz="914400" rtl="0" eaLnBrk="1" latinLnBrk="1" hangingPunct="1">
+              <a:lnSpc>
+                <a:spcPct val="90000"/>
+              </a:lnSpc>
+              <a:spcBef>
+                <a:spcPts val="500"/>
+              </a:spcBef>
+              <a:buFont typeface="Arial" panose="020B0604020202020204" pitchFamily="34" charset="0"/>
+              <a:buChar char="•"/>
+              <a:defRPr sz="2400" kern="1200">
+                <a:solidFill>
+                  <a:schemeClr val="tx1"/>
+                </a:solidFill>
+                <a:latin typeface="+mn-lt"/>
+                <a:ea typeface="+mn-ea"/>
+                <a:cs typeface="+mn-cs"/>
+              </a:defRPr>
+            </a:lvl2pPr>
+            <a:lvl3pPr marL="1143000" indent="-228600" algn="l" defTabSz="914400" rtl="0" eaLnBrk="1" latinLnBrk="1" hangingPunct="1">
+              <a:lnSpc>
+                <a:spcPct val="90000"/>
+              </a:lnSpc>
+              <a:spcBef>
+                <a:spcPts val="500"/>
+              </a:spcBef>
+              <a:buFont typeface="Arial" panose="020B0604020202020204" pitchFamily="34" charset="0"/>
+              <a:buChar char="•"/>
+              <a:defRPr sz="2000" kern="1200">
+                <a:solidFill>
+                  <a:schemeClr val="tx1"/>
+                </a:solidFill>
+                <a:latin typeface="+mn-lt"/>
+                <a:ea typeface="+mn-ea"/>
+                <a:cs typeface="+mn-cs"/>
+              </a:defRPr>
+            </a:lvl3pPr>
+            <a:lvl4pPr marL="1600200" indent="-228600" algn="l" defTabSz="914400" rtl="0" eaLnBrk="1" latinLnBrk="1" hangingPunct="1">
+              <a:lnSpc>
+                <a:spcPct val="90000"/>
+              </a:lnSpc>
+              <a:spcBef>
+                <a:spcPts val="500"/>
+              </a:spcBef>
+              <a:buFont typeface="Arial" panose="020B0604020202020204" pitchFamily="34" charset="0"/>
+              <a:buChar char="•"/>
+              <a:defRPr sz="1800" kern="1200">
+                <a:solidFill>
+                  <a:schemeClr val="tx1"/>
+                </a:solidFill>
+                <a:latin typeface="+mn-lt"/>
+                <a:ea typeface="+mn-ea"/>
+                <a:cs typeface="+mn-cs"/>
+              </a:defRPr>
+            </a:lvl4pPr>
+            <a:lvl5pPr marL="2057400" indent="-228600" algn="l" defTabSz="914400" rtl="0" eaLnBrk="1" latinLnBrk="1" hangingPunct="1">
+              <a:lnSpc>
+                <a:spcPct val="90000"/>
+              </a:lnSpc>
+              <a:spcBef>
+                <a:spcPts val="500"/>
+              </a:spcBef>
+              <a:buFont typeface="Arial" panose="020B0604020202020204" pitchFamily="34" charset="0"/>
+              <a:buChar char="•"/>
+              <a:defRPr sz="1800" kern="1200">
+                <a:solidFill>
+                  <a:schemeClr val="tx1"/>
+                </a:solidFill>
+                <a:latin typeface="+mn-lt"/>
+                <a:ea typeface="+mn-ea"/>
+                <a:cs typeface="+mn-cs"/>
+              </a:defRPr>
+            </a:lvl5pPr>
+            <a:lvl6pPr marL="2514600" indent="-228600" algn="l" defTabSz="914400" rtl="0" eaLnBrk="1" latinLnBrk="1" hangingPunct="1">
+              <a:lnSpc>
+                <a:spcPct val="90000"/>
+              </a:lnSpc>
+              <a:spcBef>
+                <a:spcPts val="500"/>
+              </a:spcBef>
+              <a:buFont typeface="Arial" panose="020B0604020202020204" pitchFamily="34" charset="0"/>
+              <a:buChar char="•"/>
+              <a:defRPr sz="1800" kern="1200">
+                <a:solidFill>
+                  <a:schemeClr val="tx1"/>
+                </a:solidFill>
+                <a:latin typeface="+mn-lt"/>
+                <a:ea typeface="+mn-ea"/>
+                <a:cs typeface="+mn-cs"/>
+              </a:defRPr>
+            </a:lvl6pPr>
+            <a:lvl7pPr marL="2971800" indent="-228600" algn="l" defTabSz="914400" rtl="0" eaLnBrk="1" latinLnBrk="1" hangingPunct="1">
+              <a:lnSpc>
+                <a:spcPct val="90000"/>
+              </a:lnSpc>
+              <a:spcBef>
+                <a:spcPts val="500"/>
+              </a:spcBef>
+              <a:buFont typeface="Arial" panose="020B0604020202020204" pitchFamily="34" charset="0"/>
+              <a:buChar char="•"/>
+              <a:defRPr sz="1800" kern="1200">
+                <a:solidFill>
+                  <a:schemeClr val="tx1"/>
+                </a:solidFill>
+                <a:latin typeface="+mn-lt"/>
+                <a:ea typeface="+mn-ea"/>
+                <a:cs typeface="+mn-cs"/>
+              </a:defRPr>
+            </a:lvl7pPr>
+            <a:lvl8pPr marL="3429000" indent="-228600" algn="l" defTabSz="914400" rtl="0" eaLnBrk="1" latinLnBrk="1" hangingPunct="1">
+              <a:lnSpc>
+                <a:spcPct val="90000"/>
+              </a:lnSpc>
+              <a:spcBef>
+                <a:spcPts val="500"/>
+              </a:spcBef>
+              <a:buFont typeface="Arial" panose="020B0604020202020204" pitchFamily="34" charset="0"/>
+              <a:buChar char="•"/>
+              <a:defRPr sz="1800" kern="1200">
+                <a:solidFill>
+                  <a:schemeClr val="tx1"/>
+                </a:solidFill>
+                <a:latin typeface="+mn-lt"/>
+                <a:ea typeface="+mn-ea"/>
+                <a:cs typeface="+mn-cs"/>
+              </a:defRPr>
+            </a:lvl8pPr>
+            <a:lvl9pPr marL="3886200" indent="-228600" algn="l" defTabSz="914400" rtl="0" eaLnBrk="1" latinLnBrk="1" hangingPunct="1">
+              <a:lnSpc>
+                <a:spcPct val="90000"/>
+              </a:lnSpc>
+              <a:spcBef>
+                <a:spcPts val="500"/>
+              </a:spcBef>
+              <a:buFont typeface="Arial" panose="020B0604020202020204" pitchFamily="34" charset="0"/>
+              <a:buChar char="•"/>
+              <a:defRPr sz="1800" kern="1200">
+                <a:solidFill>
+                  <a:schemeClr val="tx1"/>
+                </a:solidFill>
+                <a:latin typeface="+mn-lt"/>
+                <a:ea typeface="+mn-ea"/>
+                <a:cs typeface="+mn-cs"/>
+              </a:defRPr>
+            </a:lvl9pPr>
+          </a:lstStyle>
+          <a:p>
+            <a:pPr marL="0" indent="0">
+              <a:buFont typeface="Arial" panose="020B0604020202020204" pitchFamily="34" charset="0"/>
+              <a:buNone/>
+            </a:pPr>
+            <a:r>
+              <a:rPr lang="ko-KR" altLang="en-US" dirty="0"/>
+              <a:t>측면</a:t>
+            </a:r>
+            <a:endParaRPr lang="en-US" altLang="ko-KR" dirty="0"/>
+          </a:p>
+        </p:txBody>
+      </p:sp>
+    </p:spTree>
+    <p:extLst>
+      <p:ext uri="{BB962C8B-B14F-4D97-AF65-F5344CB8AC3E}">
+        <p14:creationId xmlns:p14="http://schemas.microsoft.com/office/powerpoint/2010/main" val="3286530850"/>
+      </p:ext>
+    </p:extLst>
+  </p:cSld>
+  <p:clrMapOvr>
+    <a:masterClrMapping/>
+  </p:clrMapOvr>
+</p:sld>
+</file>
+
+<file path=ppt/slides/slide9.xml><?xml version="1.0" encoding="utf-8"?>
+<p:sld xmlns:a="http://schemas.openxmlformats.org/drawingml/2006/main" xmlns:r="http://schemas.openxmlformats.org/officeDocument/2006/relationships" xmlns:p="http://schemas.openxmlformats.org/presentationml/2006/main">
+  <p:cSld>
+    <p:bg>
+      <p:bgPr>
+        <a:solidFill>
+          <a:schemeClr val="bg1"/>
+        </a:solidFill>
+        <a:effectLst/>
+      </p:bgPr>
+    </p:bg>
+    <p:spTree>
+      <p:nvGrpSpPr>
+        <p:cNvPr id="1" name=""/>
+        <p:cNvGrpSpPr/>
+        <p:nvPr/>
+      </p:nvGrpSpPr>
+      <p:grpSpPr>
+        <a:xfrm>
+          <a:off x="0" y="0"/>
+          <a:ext cx="0" cy="0"/>
+          <a:chOff x="0" y="0"/>
+          <a:chExt cx="0" cy="0"/>
+        </a:xfrm>
+      </p:grpSpPr>
+      <p:pic>
+        <p:nvPicPr>
+          <p:cNvPr id="8" name="그림 7">
+            <a:extLst>
+              <a:ext uri="{FF2B5EF4-FFF2-40B4-BE49-F238E27FC236}">
+                <a16:creationId xmlns:a16="http://schemas.microsoft.com/office/drawing/2014/main" id="{8813A562-DF78-8007-467F-93C0E6520FFB}"/>
+              </a:ext>
+            </a:extLst>
+          </p:cNvPr>
+          <p:cNvPicPr>
+            <a:picLocks noChangeAspect="1"/>
+          </p:cNvPicPr>
+          <p:nvPr/>
+        </p:nvPicPr>
+        <p:blipFill>
+          <a:blip r:embed="rId2"/>
+          <a:stretch>
+            <a:fillRect/>
+          </a:stretch>
+        </p:blipFill>
+        <p:spPr>
+          <a:xfrm>
+            <a:off x="1117600" y="1680696"/>
+            <a:ext cx="3521744" cy="2542638"/>
+          </a:xfrm>
+          <a:prstGeom prst="rect">
+            <a:avLst/>
+          </a:prstGeom>
+        </p:spPr>
+      </p:pic>
+      <p:sp>
+        <p:nvSpPr>
+          <p:cNvPr id="7" name="사각형: 둥근 모서리 6">
+            <a:extLst>
+              <a:ext uri="{FF2B5EF4-FFF2-40B4-BE49-F238E27FC236}">
+                <a16:creationId xmlns:a16="http://schemas.microsoft.com/office/drawing/2014/main" id="{01F257F1-A81F-1AE7-AC55-214F084FB51C}"/>
+              </a:ext>
+            </a:extLst>
+          </p:cNvPr>
+          <p:cNvSpPr/>
+          <p:nvPr/>
+        </p:nvSpPr>
+        <p:spPr>
+          <a:xfrm>
+            <a:off x="1898028" y="1902800"/>
+            <a:ext cx="1470401" cy="1410924"/>
+          </a:xfrm>
+          <a:prstGeom prst="roundRect">
+            <a:avLst/>
+          </a:prstGeom>
+          <a:noFill/>
+          <a:ln w="57150">
+            <a:solidFill>
+              <a:srgbClr val="FF0000"/>
+            </a:solidFill>
+          </a:ln>
+        </p:spPr>
+        <p:style>
+          <a:lnRef idx="2">
+            <a:schemeClr val="accent1">
+              <a:shade val="15000"/>
+            </a:schemeClr>
+          </a:lnRef>
+          <a:fillRef idx="1">
+            <a:schemeClr val="accent1"/>
+          </a:fillRef>
+          <a:effectRef idx="0">
+            <a:schemeClr val="accent1"/>
+          </a:effectRef>
+          <a:fontRef idx="minor">
+            <a:schemeClr val="lt1"/>
+          </a:fontRef>
+        </p:style>
+        <p:txBody>
+          <a:bodyPr rtlCol="0" anchor="ctr"/>
+          <a:lstStyle/>
+          <a:p>
+            <a:pPr algn="ctr"/>
+            <a:endParaRPr lang="ko-KR" altLang="en-US"/>
+          </a:p>
+        </p:txBody>
+      </p:sp>
+    </p:spTree>
+    <p:extLst>
+      <p:ext uri="{BB962C8B-B14F-4D97-AF65-F5344CB8AC3E}">
+        <p14:creationId xmlns:p14="http://schemas.microsoft.com/office/powerpoint/2010/main" val="2734230625"/>
+      </p:ext>
+    </p:extLst>
+  </p:cSld>
+  <p:clrMapOvr>
+    <a:masterClrMapping/>
+  </p:clrMapOvr>
+</p:sld>
+</file>
+
 <file path=ppt/theme/theme1.xml><?xml version="1.0" encoding="utf-8"?>
 <a:theme xmlns:a="http://schemas.openxmlformats.org/drawingml/2006/main" name="Office 테마">
   <a:themeElements>
